--- a/BambooFilterPreza.pptx
+++ b/BambooFilterPreza.pptx
@@ -5,14 +5,18 @@
     <p:sldMasterId id="2147483685" r:id="rId1"/>
     <p:sldMasterId id="2147483686" r:id="rId2"/>
   </p:sldMasterIdLst>
+  <p:notesMasterIdLst>
+    <p:notesMasterId r:id="rId11"/>
+  </p:notesMasterIdLst>
   <p:sldIdLst>
     <p:sldId id="256" r:id="rId3"/>
     <p:sldId id="257" r:id="rId4"/>
     <p:sldId id="258" r:id="rId5"/>
     <p:sldId id="259" r:id="rId6"/>
-    <p:sldId id="261" r:id="rId7"/>
-    <p:sldId id="263" r:id="rId8"/>
-    <p:sldId id="262" r:id="rId9"/>
+    <p:sldId id="264" r:id="rId7"/>
+    <p:sldId id="261" r:id="rId8"/>
+    <p:sldId id="263" r:id="rId9"/>
+    <p:sldId id="262" r:id="rId10"/>
   </p:sldIdLst>
   <p:sldSz cx="12192000" cy="6858000"/>
   <p:notesSz cx="6858000" cy="9144000"/>
@@ -111,7 +115,4390 @@
       </a:defRPr>
     </a:lvl9pPr>
   </p:defaultTextStyle>
+  <p:extLst>
+    <p:ext uri="{EFAFB233-063F-42B5-8137-9DF3F51BA10A}">
+      <p15:sldGuideLst xmlns:p15="http://schemas.microsoft.com/office/powerpoint/2012/main"/>
+    </p:ext>
+  </p:extLst>
 </p:presentation>
+</file>
+
+<file path=ppt/charts/chart1.xml><?xml version="1.0" encoding="utf-8"?>
+<c:chartSpace xmlns:c="http://schemas.openxmlformats.org/drawingml/2006/chart" xmlns:a="http://schemas.openxmlformats.org/drawingml/2006/main" xmlns:r="http://schemas.openxmlformats.org/officeDocument/2006/relationships" xmlns:c16r2="http://schemas.microsoft.com/office/drawing/2015/06/chart">
+  <c:date1904 val="0"/>
+  <c:lang val="en-US"/>
+  <c:roundedCorners val="0"/>
+  <mc:AlternateContent xmlns:mc="http://schemas.openxmlformats.org/markup-compatibility/2006">
+    <mc:Choice xmlns:c14="http://schemas.microsoft.com/office/drawing/2007/8/2/chart" Requires="c14">
+      <c14:style val="102"/>
+    </mc:Choice>
+    <mc:Fallback>
+      <c:style val="2"/>
+    </mc:Fallback>
+  </mc:AlternateContent>
+  <c:chart>
+    <c:title>
+      <c:tx>
+        <c:rich>
+          <a:bodyPr rot="0" spcFirstLastPara="1" vertOverflow="ellipsis" vert="horz" wrap="square" anchor="ctr" anchorCtr="1"/>
+          <a:lstStyle/>
+          <a:p>
+            <a:pPr>
+              <a:defRPr sz="1862" b="0" i="0" u="none" strike="noStrike" kern="1200" spc="0" baseline="0">
+                <a:solidFill>
+                  <a:schemeClr val="tx1">
+                    <a:lumMod val="65000"/>
+                    <a:lumOff val="35000"/>
+                  </a:schemeClr>
+                </a:solidFill>
+                <a:latin typeface="+mn-lt"/>
+                <a:ea typeface="+mn-ea"/>
+                <a:cs typeface="+mn-cs"/>
+              </a:defRPr>
+            </a:pPr>
+            <a:r>
+              <a:rPr lang="hr-HR" dirty="0"/>
+              <a:t>Broj dodanih elemenata u milisekundi</a:t>
+            </a:r>
+          </a:p>
+        </c:rich>
+      </c:tx>
+      <c:overlay val="0"/>
+      <c:spPr>
+        <a:noFill/>
+        <a:ln>
+          <a:noFill/>
+        </a:ln>
+        <a:effectLst/>
+      </c:spPr>
+      <c:txPr>
+        <a:bodyPr rot="0" spcFirstLastPara="1" vertOverflow="ellipsis" vert="horz" wrap="square" anchor="ctr" anchorCtr="1"/>
+        <a:lstStyle/>
+        <a:p>
+          <a:pPr>
+            <a:defRPr sz="1862" b="0" i="0" u="none" strike="noStrike" kern="1200" spc="0" baseline="0">
+              <a:solidFill>
+                <a:schemeClr val="tx1">
+                  <a:lumMod val="65000"/>
+                  <a:lumOff val="35000"/>
+                </a:schemeClr>
+              </a:solidFill>
+              <a:latin typeface="+mn-lt"/>
+              <a:ea typeface="+mn-ea"/>
+              <a:cs typeface="+mn-cs"/>
+            </a:defRPr>
+          </a:pPr>
+          <a:endParaRPr lang="en-US"/>
+        </a:p>
+      </c:txPr>
+    </c:title>
+    <c:autoTitleDeleted val="0"/>
+    <c:plotArea>
+      <c:layout/>
+      <c:lineChart>
+        <c:grouping val="standard"/>
+        <c:varyColors val="0"/>
+        <c:ser>
+          <c:idx val="0"/>
+          <c:order val="0"/>
+          <c:tx>
+            <c:strRef>
+              <c:f>Sheet1!$B$1</c:f>
+              <c:strCache>
+                <c:ptCount val="1"/>
+                <c:pt idx="0">
+                  <c:v>Naša implementacija</c:v>
+                </c:pt>
+              </c:strCache>
+            </c:strRef>
+          </c:tx>
+          <c:spPr>
+            <a:ln w="28575" cap="rnd">
+              <a:solidFill>
+                <a:schemeClr val="accent1"/>
+              </a:solidFill>
+              <a:round/>
+            </a:ln>
+            <a:effectLst/>
+          </c:spPr>
+          <c:marker>
+            <c:symbol val="none"/>
+          </c:marker>
+          <c:cat>
+            <c:strRef>
+              <c:f>Sheet1!$A$2:$A$6</c:f>
+              <c:strCache>
+                <c:ptCount val="5"/>
+                <c:pt idx="0">
+                  <c:v>10^3</c:v>
+                </c:pt>
+                <c:pt idx="1">
+                  <c:v>10^4</c:v>
+                </c:pt>
+                <c:pt idx="2">
+                  <c:v>10^5</c:v>
+                </c:pt>
+                <c:pt idx="3">
+                  <c:v>10^6</c:v>
+                </c:pt>
+                <c:pt idx="4">
+                  <c:v>10^7</c:v>
+                </c:pt>
+              </c:strCache>
+            </c:strRef>
+          </c:cat>
+          <c:val>
+            <c:numRef>
+              <c:f>Sheet1!$B$2:$B$6</c:f>
+              <c:numCache>
+                <c:formatCode>General</c:formatCode>
+                <c:ptCount val="5"/>
+                <c:pt idx="0">
+                  <c:v>13.53</c:v>
+                </c:pt>
+                <c:pt idx="1">
+                  <c:v>11.64</c:v>
+                </c:pt>
+                <c:pt idx="2">
+                  <c:v>15.14</c:v>
+                </c:pt>
+                <c:pt idx="3">
+                  <c:v>9.4600000000000009</c:v>
+                </c:pt>
+                <c:pt idx="4">
+                  <c:v>9.1</c:v>
+                </c:pt>
+              </c:numCache>
+            </c:numRef>
+          </c:val>
+          <c:smooth val="0"/>
+          <c:extLst>
+            <c:ext xmlns:c16="http://schemas.microsoft.com/office/drawing/2014/chart" uri="{C3380CC4-5D6E-409C-BE32-E72D297353CC}">
+              <c16:uniqueId val="{00000000-C607-45BD-8205-1BD32C63C738}"/>
+            </c:ext>
+          </c:extLst>
+        </c:ser>
+        <c:ser>
+          <c:idx val="1"/>
+          <c:order val="1"/>
+          <c:tx>
+            <c:strRef>
+              <c:f>Sheet1!$C$1</c:f>
+              <c:strCache>
+                <c:ptCount val="1"/>
+                <c:pt idx="0">
+                  <c:v>Originalna implementacija</c:v>
+                </c:pt>
+              </c:strCache>
+            </c:strRef>
+          </c:tx>
+          <c:spPr>
+            <a:ln w="28575" cap="rnd">
+              <a:solidFill>
+                <a:schemeClr val="accent2"/>
+              </a:solidFill>
+              <a:round/>
+            </a:ln>
+            <a:effectLst/>
+          </c:spPr>
+          <c:marker>
+            <c:symbol val="none"/>
+          </c:marker>
+          <c:cat>
+            <c:strRef>
+              <c:f>Sheet1!$A$2:$A$6</c:f>
+              <c:strCache>
+                <c:ptCount val="5"/>
+                <c:pt idx="0">
+                  <c:v>10^3</c:v>
+                </c:pt>
+                <c:pt idx="1">
+                  <c:v>10^4</c:v>
+                </c:pt>
+                <c:pt idx="2">
+                  <c:v>10^5</c:v>
+                </c:pt>
+                <c:pt idx="3">
+                  <c:v>10^6</c:v>
+                </c:pt>
+                <c:pt idx="4">
+                  <c:v>10^7</c:v>
+                </c:pt>
+              </c:strCache>
+            </c:strRef>
+          </c:cat>
+          <c:val>
+            <c:numRef>
+              <c:f>Sheet1!$C$2:$C$6</c:f>
+              <c:numCache>
+                <c:formatCode>General</c:formatCode>
+                <c:ptCount val="5"/>
+                <c:pt idx="0">
+                  <c:v>30.22</c:v>
+                </c:pt>
+                <c:pt idx="1">
+                  <c:v>23.82</c:v>
+                </c:pt>
+                <c:pt idx="2">
+                  <c:v>15.2</c:v>
+                </c:pt>
+                <c:pt idx="3">
+                  <c:v>11.02</c:v>
+                </c:pt>
+                <c:pt idx="4">
+                  <c:v>11.47</c:v>
+                </c:pt>
+              </c:numCache>
+            </c:numRef>
+          </c:val>
+          <c:smooth val="0"/>
+          <c:extLst>
+            <c:ext xmlns:c16="http://schemas.microsoft.com/office/drawing/2014/chart" uri="{C3380CC4-5D6E-409C-BE32-E72D297353CC}">
+              <c16:uniqueId val="{00000001-C607-45BD-8205-1BD32C63C738}"/>
+            </c:ext>
+          </c:extLst>
+        </c:ser>
+        <c:dLbls>
+          <c:showLegendKey val="0"/>
+          <c:showVal val="0"/>
+          <c:showCatName val="0"/>
+          <c:showSerName val="0"/>
+          <c:showPercent val="0"/>
+          <c:showBubbleSize val="0"/>
+        </c:dLbls>
+        <c:smooth val="0"/>
+        <c:axId val="650429135"/>
+        <c:axId val="708819599"/>
+      </c:lineChart>
+      <c:catAx>
+        <c:axId val="650429135"/>
+        <c:scaling>
+          <c:orientation val="minMax"/>
+        </c:scaling>
+        <c:delete val="0"/>
+        <c:axPos val="b"/>
+        <c:numFmt formatCode="General" sourceLinked="1"/>
+        <c:majorTickMark val="none"/>
+        <c:minorTickMark val="none"/>
+        <c:tickLblPos val="nextTo"/>
+        <c:spPr>
+          <a:noFill/>
+          <a:ln w="9525" cap="flat" cmpd="sng" algn="ctr">
+            <a:solidFill>
+              <a:schemeClr val="tx1">
+                <a:lumMod val="15000"/>
+                <a:lumOff val="85000"/>
+              </a:schemeClr>
+            </a:solidFill>
+            <a:round/>
+          </a:ln>
+          <a:effectLst/>
+        </c:spPr>
+        <c:txPr>
+          <a:bodyPr rot="-60000000" spcFirstLastPara="1" vertOverflow="ellipsis" vert="horz" wrap="square" anchor="ctr" anchorCtr="1"/>
+          <a:lstStyle/>
+          <a:p>
+            <a:pPr>
+              <a:defRPr sz="1197" b="0" i="0" u="none" strike="noStrike" kern="1200" baseline="0">
+                <a:solidFill>
+                  <a:schemeClr val="tx1">
+                    <a:lumMod val="65000"/>
+                    <a:lumOff val="35000"/>
+                  </a:schemeClr>
+                </a:solidFill>
+                <a:latin typeface="+mn-lt"/>
+                <a:ea typeface="+mn-ea"/>
+                <a:cs typeface="+mn-cs"/>
+              </a:defRPr>
+            </a:pPr>
+            <a:endParaRPr lang="en-US"/>
+          </a:p>
+        </c:txPr>
+        <c:crossAx val="708819599"/>
+        <c:crosses val="autoZero"/>
+        <c:auto val="1"/>
+        <c:lblAlgn val="ctr"/>
+        <c:lblOffset val="100"/>
+        <c:noMultiLvlLbl val="0"/>
+      </c:catAx>
+      <c:valAx>
+        <c:axId val="708819599"/>
+        <c:scaling>
+          <c:orientation val="minMax"/>
+        </c:scaling>
+        <c:delete val="0"/>
+        <c:axPos val="l"/>
+        <c:majorGridlines>
+          <c:spPr>
+            <a:ln w="9525" cap="flat" cmpd="sng" algn="ctr">
+              <a:solidFill>
+                <a:schemeClr val="tx1">
+                  <a:lumMod val="15000"/>
+                  <a:lumOff val="85000"/>
+                </a:schemeClr>
+              </a:solidFill>
+              <a:round/>
+            </a:ln>
+            <a:effectLst/>
+          </c:spPr>
+        </c:majorGridlines>
+        <c:numFmt formatCode="General" sourceLinked="1"/>
+        <c:majorTickMark val="none"/>
+        <c:minorTickMark val="none"/>
+        <c:tickLblPos val="nextTo"/>
+        <c:spPr>
+          <a:noFill/>
+          <a:ln>
+            <a:noFill/>
+          </a:ln>
+          <a:effectLst/>
+        </c:spPr>
+        <c:txPr>
+          <a:bodyPr rot="-60000000" spcFirstLastPara="1" vertOverflow="ellipsis" vert="horz" wrap="square" anchor="ctr" anchorCtr="1"/>
+          <a:lstStyle/>
+          <a:p>
+            <a:pPr>
+              <a:defRPr sz="1197" b="0" i="0" u="none" strike="noStrike" kern="1200" baseline="0">
+                <a:solidFill>
+                  <a:schemeClr val="tx1">
+                    <a:lumMod val="65000"/>
+                    <a:lumOff val="35000"/>
+                  </a:schemeClr>
+                </a:solidFill>
+                <a:latin typeface="+mn-lt"/>
+                <a:ea typeface="+mn-ea"/>
+                <a:cs typeface="+mn-cs"/>
+              </a:defRPr>
+            </a:pPr>
+            <a:endParaRPr lang="en-US"/>
+          </a:p>
+        </c:txPr>
+        <c:crossAx val="650429135"/>
+        <c:crosses val="autoZero"/>
+        <c:crossBetween val="between"/>
+      </c:valAx>
+      <c:spPr>
+        <a:noFill/>
+        <a:ln>
+          <a:solidFill>
+            <a:schemeClr val="accent1">
+              <a:lumMod val="50000"/>
+            </a:schemeClr>
+          </a:solidFill>
+        </a:ln>
+        <a:effectLst/>
+      </c:spPr>
+    </c:plotArea>
+    <c:legend>
+      <c:legendPos val="b"/>
+      <c:overlay val="0"/>
+      <c:spPr>
+        <a:noFill/>
+        <a:ln>
+          <a:noFill/>
+        </a:ln>
+        <a:effectLst/>
+      </c:spPr>
+      <c:txPr>
+        <a:bodyPr rot="0" spcFirstLastPara="1" vertOverflow="ellipsis" vert="horz" wrap="square" anchor="ctr" anchorCtr="1"/>
+        <a:lstStyle/>
+        <a:p>
+          <a:pPr>
+            <a:defRPr sz="1197" b="0" i="0" u="none" strike="noStrike" kern="1200" baseline="0">
+              <a:solidFill>
+                <a:schemeClr val="tx1">
+                  <a:lumMod val="65000"/>
+                  <a:lumOff val="35000"/>
+                </a:schemeClr>
+              </a:solidFill>
+              <a:latin typeface="+mn-lt"/>
+              <a:ea typeface="+mn-ea"/>
+              <a:cs typeface="+mn-cs"/>
+            </a:defRPr>
+          </a:pPr>
+          <a:endParaRPr lang="en-US"/>
+        </a:p>
+      </c:txPr>
+    </c:legend>
+    <c:plotVisOnly val="1"/>
+    <c:dispBlanksAs val="gap"/>
+    <c:extLst>
+      <c:ext xmlns:c16r3="http://schemas.microsoft.com/office/drawing/2017/03/chart" uri="{56B9EC1D-385E-4148-901F-78D8002777C0}">
+        <c16r3:dataDisplayOptions16>
+          <c16r3:dispNaAsBlank val="1"/>
+        </c16r3:dataDisplayOptions16>
+      </c:ext>
+    </c:extLst>
+    <c:showDLblsOverMax val="0"/>
+  </c:chart>
+  <c:spPr>
+    <a:noFill/>
+    <a:ln>
+      <a:noFill/>
+    </a:ln>
+    <a:effectLst/>
+  </c:spPr>
+  <c:txPr>
+    <a:bodyPr/>
+    <a:lstStyle/>
+    <a:p>
+      <a:pPr>
+        <a:defRPr/>
+      </a:pPr>
+      <a:endParaRPr lang="en-US"/>
+    </a:p>
+  </c:txPr>
+  <c:externalData r:id="rId3">
+    <c:autoUpdate val="0"/>
+  </c:externalData>
+</c:chartSpace>
+</file>
+
+<file path=ppt/charts/chart2.xml><?xml version="1.0" encoding="utf-8"?>
+<c:chartSpace xmlns:c="http://schemas.openxmlformats.org/drawingml/2006/chart" xmlns:a="http://schemas.openxmlformats.org/drawingml/2006/main" xmlns:r="http://schemas.openxmlformats.org/officeDocument/2006/relationships" xmlns:c16r2="http://schemas.microsoft.com/office/drawing/2015/06/chart">
+  <c:date1904 val="0"/>
+  <c:lang val="en-US"/>
+  <c:roundedCorners val="0"/>
+  <mc:AlternateContent xmlns:mc="http://schemas.openxmlformats.org/markup-compatibility/2006">
+    <mc:Choice xmlns:c14="http://schemas.microsoft.com/office/drawing/2007/8/2/chart" Requires="c14">
+      <c14:style val="102"/>
+    </mc:Choice>
+    <mc:Fallback>
+      <c:style val="2"/>
+    </mc:Fallback>
+  </mc:AlternateContent>
+  <c:chart>
+    <c:title>
+      <c:tx>
+        <c:rich>
+          <a:bodyPr rot="0" spcFirstLastPara="1" vertOverflow="ellipsis" vert="horz" wrap="square" anchor="ctr" anchorCtr="1"/>
+          <a:lstStyle/>
+          <a:p>
+            <a:pPr>
+              <a:defRPr sz="1862" b="0" i="0" u="none" strike="noStrike" kern="1200" spc="0" baseline="0">
+                <a:solidFill>
+                  <a:schemeClr val="tx1">
+                    <a:lumMod val="65000"/>
+                    <a:lumOff val="35000"/>
+                  </a:schemeClr>
+                </a:solidFill>
+                <a:latin typeface="+mn-lt"/>
+                <a:ea typeface="+mn-ea"/>
+                <a:cs typeface="+mn-cs"/>
+              </a:defRPr>
+            </a:pPr>
+            <a:r>
+              <a:rPr lang="hr-HR" dirty="0"/>
+              <a:t>Broj pretraživanja u milisekundi</a:t>
+            </a:r>
+          </a:p>
+        </c:rich>
+      </c:tx>
+      <c:overlay val="0"/>
+      <c:spPr>
+        <a:noFill/>
+        <a:ln>
+          <a:noFill/>
+        </a:ln>
+        <a:effectLst/>
+      </c:spPr>
+      <c:txPr>
+        <a:bodyPr rot="0" spcFirstLastPara="1" vertOverflow="ellipsis" vert="horz" wrap="square" anchor="ctr" anchorCtr="1"/>
+        <a:lstStyle/>
+        <a:p>
+          <a:pPr>
+            <a:defRPr sz="1862" b="0" i="0" u="none" strike="noStrike" kern="1200" spc="0" baseline="0">
+              <a:solidFill>
+                <a:schemeClr val="tx1">
+                  <a:lumMod val="65000"/>
+                  <a:lumOff val="35000"/>
+                </a:schemeClr>
+              </a:solidFill>
+              <a:latin typeface="+mn-lt"/>
+              <a:ea typeface="+mn-ea"/>
+              <a:cs typeface="+mn-cs"/>
+            </a:defRPr>
+          </a:pPr>
+          <a:endParaRPr lang="en-US"/>
+        </a:p>
+      </c:txPr>
+    </c:title>
+    <c:autoTitleDeleted val="0"/>
+    <c:plotArea>
+      <c:layout/>
+      <c:lineChart>
+        <c:grouping val="standard"/>
+        <c:varyColors val="0"/>
+        <c:ser>
+          <c:idx val="0"/>
+          <c:order val="0"/>
+          <c:tx>
+            <c:strRef>
+              <c:f>Sheet1!$B$1</c:f>
+              <c:strCache>
+                <c:ptCount val="1"/>
+                <c:pt idx="0">
+                  <c:v>Naša implementacija</c:v>
+                </c:pt>
+              </c:strCache>
+            </c:strRef>
+          </c:tx>
+          <c:spPr>
+            <a:ln w="28575" cap="rnd">
+              <a:solidFill>
+                <a:schemeClr val="accent1"/>
+              </a:solidFill>
+              <a:round/>
+            </a:ln>
+            <a:effectLst/>
+          </c:spPr>
+          <c:marker>
+            <c:symbol val="none"/>
+          </c:marker>
+          <c:cat>
+            <c:strRef>
+              <c:f>Sheet1!$A$2:$A$6</c:f>
+              <c:strCache>
+                <c:ptCount val="5"/>
+                <c:pt idx="0">
+                  <c:v>10^3</c:v>
+                </c:pt>
+                <c:pt idx="1">
+                  <c:v>10^4</c:v>
+                </c:pt>
+                <c:pt idx="2">
+                  <c:v>10^5</c:v>
+                </c:pt>
+                <c:pt idx="3">
+                  <c:v>10^6</c:v>
+                </c:pt>
+                <c:pt idx="4">
+                  <c:v>10^7</c:v>
+                </c:pt>
+              </c:strCache>
+            </c:strRef>
+          </c:cat>
+          <c:val>
+            <c:numRef>
+              <c:f>Sheet1!$B$2:$B$6</c:f>
+              <c:numCache>
+                <c:formatCode>General</c:formatCode>
+                <c:ptCount val="5"/>
+                <c:pt idx="0">
+                  <c:v>26.48</c:v>
+                </c:pt>
+                <c:pt idx="1">
+                  <c:v>22.68</c:v>
+                </c:pt>
+                <c:pt idx="2">
+                  <c:v>19.11</c:v>
+                </c:pt>
+                <c:pt idx="3">
+                  <c:v>10.7</c:v>
+                </c:pt>
+                <c:pt idx="4">
+                  <c:v>9.6999999999999993</c:v>
+                </c:pt>
+              </c:numCache>
+            </c:numRef>
+          </c:val>
+          <c:smooth val="0"/>
+          <c:extLst>
+            <c:ext xmlns:c16="http://schemas.microsoft.com/office/drawing/2014/chart" uri="{C3380CC4-5D6E-409C-BE32-E72D297353CC}">
+              <c16:uniqueId val="{00000000-85AF-4F6D-BA3B-C64025B3733A}"/>
+            </c:ext>
+          </c:extLst>
+        </c:ser>
+        <c:ser>
+          <c:idx val="1"/>
+          <c:order val="1"/>
+          <c:tx>
+            <c:strRef>
+              <c:f>Sheet1!$C$1</c:f>
+              <c:strCache>
+                <c:ptCount val="1"/>
+                <c:pt idx="0">
+                  <c:v>Originalna implementacija</c:v>
+                </c:pt>
+              </c:strCache>
+            </c:strRef>
+          </c:tx>
+          <c:spPr>
+            <a:ln w="28575" cap="rnd">
+              <a:solidFill>
+                <a:schemeClr val="accent2"/>
+              </a:solidFill>
+              <a:round/>
+            </a:ln>
+            <a:effectLst/>
+          </c:spPr>
+          <c:marker>
+            <c:symbol val="none"/>
+          </c:marker>
+          <c:cat>
+            <c:strRef>
+              <c:f>Sheet1!$A$2:$A$6</c:f>
+              <c:strCache>
+                <c:ptCount val="5"/>
+                <c:pt idx="0">
+                  <c:v>10^3</c:v>
+                </c:pt>
+                <c:pt idx="1">
+                  <c:v>10^4</c:v>
+                </c:pt>
+                <c:pt idx="2">
+                  <c:v>10^5</c:v>
+                </c:pt>
+                <c:pt idx="3">
+                  <c:v>10^6</c:v>
+                </c:pt>
+                <c:pt idx="4">
+                  <c:v>10^7</c:v>
+                </c:pt>
+              </c:strCache>
+            </c:strRef>
+          </c:cat>
+          <c:val>
+            <c:numRef>
+              <c:f>Sheet1!$C$2:$C$6</c:f>
+              <c:numCache>
+                <c:formatCode>General</c:formatCode>
+                <c:ptCount val="5"/>
+                <c:pt idx="0">
+                  <c:v>24.5</c:v>
+                </c:pt>
+                <c:pt idx="1">
+                  <c:v>21.17</c:v>
+                </c:pt>
+                <c:pt idx="2">
+                  <c:v>17.96</c:v>
+                </c:pt>
+                <c:pt idx="3">
+                  <c:v>14.36</c:v>
+                </c:pt>
+                <c:pt idx="4">
+                  <c:v>8</c:v>
+                </c:pt>
+              </c:numCache>
+            </c:numRef>
+          </c:val>
+          <c:smooth val="0"/>
+          <c:extLst>
+            <c:ext xmlns:c16="http://schemas.microsoft.com/office/drawing/2014/chart" uri="{C3380CC4-5D6E-409C-BE32-E72D297353CC}">
+              <c16:uniqueId val="{00000001-85AF-4F6D-BA3B-C64025B3733A}"/>
+            </c:ext>
+          </c:extLst>
+        </c:ser>
+        <c:dLbls>
+          <c:showLegendKey val="0"/>
+          <c:showVal val="0"/>
+          <c:showCatName val="0"/>
+          <c:showSerName val="0"/>
+          <c:showPercent val="0"/>
+          <c:showBubbleSize val="0"/>
+        </c:dLbls>
+        <c:smooth val="0"/>
+        <c:axId val="650429135"/>
+        <c:axId val="708819599"/>
+      </c:lineChart>
+      <c:catAx>
+        <c:axId val="650429135"/>
+        <c:scaling>
+          <c:orientation val="minMax"/>
+        </c:scaling>
+        <c:delete val="0"/>
+        <c:axPos val="b"/>
+        <c:numFmt formatCode="General" sourceLinked="1"/>
+        <c:majorTickMark val="none"/>
+        <c:minorTickMark val="none"/>
+        <c:tickLblPos val="nextTo"/>
+        <c:spPr>
+          <a:noFill/>
+          <a:ln w="9525" cap="flat" cmpd="sng" algn="ctr">
+            <a:solidFill>
+              <a:schemeClr val="tx1">
+                <a:lumMod val="15000"/>
+                <a:lumOff val="85000"/>
+              </a:schemeClr>
+            </a:solidFill>
+            <a:round/>
+          </a:ln>
+          <a:effectLst/>
+        </c:spPr>
+        <c:txPr>
+          <a:bodyPr rot="-60000000" spcFirstLastPara="1" vertOverflow="ellipsis" vert="horz" wrap="square" anchor="ctr" anchorCtr="1"/>
+          <a:lstStyle/>
+          <a:p>
+            <a:pPr>
+              <a:defRPr sz="1197" b="0" i="0" u="none" strike="noStrike" kern="1200" baseline="0">
+                <a:solidFill>
+                  <a:schemeClr val="tx1">
+                    <a:lumMod val="65000"/>
+                    <a:lumOff val="35000"/>
+                  </a:schemeClr>
+                </a:solidFill>
+                <a:latin typeface="+mn-lt"/>
+                <a:ea typeface="+mn-ea"/>
+                <a:cs typeface="+mn-cs"/>
+              </a:defRPr>
+            </a:pPr>
+            <a:endParaRPr lang="en-US"/>
+          </a:p>
+        </c:txPr>
+        <c:crossAx val="708819599"/>
+        <c:crosses val="autoZero"/>
+        <c:auto val="1"/>
+        <c:lblAlgn val="ctr"/>
+        <c:lblOffset val="100"/>
+        <c:noMultiLvlLbl val="0"/>
+      </c:catAx>
+      <c:valAx>
+        <c:axId val="708819599"/>
+        <c:scaling>
+          <c:orientation val="minMax"/>
+        </c:scaling>
+        <c:delete val="0"/>
+        <c:axPos val="l"/>
+        <c:majorGridlines>
+          <c:spPr>
+            <a:ln w="9525" cap="flat" cmpd="sng" algn="ctr">
+              <a:solidFill>
+                <a:schemeClr val="tx1">
+                  <a:lumMod val="15000"/>
+                  <a:lumOff val="85000"/>
+                </a:schemeClr>
+              </a:solidFill>
+              <a:round/>
+            </a:ln>
+            <a:effectLst/>
+          </c:spPr>
+        </c:majorGridlines>
+        <c:numFmt formatCode="General" sourceLinked="1"/>
+        <c:majorTickMark val="none"/>
+        <c:minorTickMark val="none"/>
+        <c:tickLblPos val="nextTo"/>
+        <c:spPr>
+          <a:noFill/>
+          <a:ln>
+            <a:noFill/>
+          </a:ln>
+          <a:effectLst/>
+        </c:spPr>
+        <c:txPr>
+          <a:bodyPr rot="-60000000" spcFirstLastPara="1" vertOverflow="ellipsis" vert="horz" wrap="square" anchor="ctr" anchorCtr="1"/>
+          <a:lstStyle/>
+          <a:p>
+            <a:pPr>
+              <a:defRPr sz="1197" b="0" i="0" u="none" strike="noStrike" kern="1200" baseline="0">
+                <a:solidFill>
+                  <a:schemeClr val="tx1">
+                    <a:lumMod val="65000"/>
+                    <a:lumOff val="35000"/>
+                  </a:schemeClr>
+                </a:solidFill>
+                <a:latin typeface="+mn-lt"/>
+                <a:ea typeface="+mn-ea"/>
+                <a:cs typeface="+mn-cs"/>
+              </a:defRPr>
+            </a:pPr>
+            <a:endParaRPr lang="en-US"/>
+          </a:p>
+        </c:txPr>
+        <c:crossAx val="650429135"/>
+        <c:crosses val="autoZero"/>
+        <c:crossBetween val="between"/>
+      </c:valAx>
+      <c:spPr>
+        <a:noFill/>
+        <a:ln>
+          <a:solidFill>
+            <a:schemeClr val="accent1">
+              <a:lumMod val="50000"/>
+            </a:schemeClr>
+          </a:solidFill>
+        </a:ln>
+        <a:effectLst/>
+      </c:spPr>
+    </c:plotArea>
+    <c:legend>
+      <c:legendPos val="b"/>
+      <c:overlay val="0"/>
+      <c:spPr>
+        <a:noFill/>
+        <a:ln>
+          <a:noFill/>
+        </a:ln>
+        <a:effectLst/>
+      </c:spPr>
+      <c:txPr>
+        <a:bodyPr rot="0" spcFirstLastPara="1" vertOverflow="ellipsis" vert="horz" wrap="square" anchor="ctr" anchorCtr="1"/>
+        <a:lstStyle/>
+        <a:p>
+          <a:pPr>
+            <a:defRPr sz="1197" b="0" i="0" u="none" strike="noStrike" kern="1200" baseline="0">
+              <a:solidFill>
+                <a:schemeClr val="tx1">
+                  <a:lumMod val="65000"/>
+                  <a:lumOff val="35000"/>
+                </a:schemeClr>
+              </a:solidFill>
+              <a:latin typeface="+mn-lt"/>
+              <a:ea typeface="+mn-ea"/>
+              <a:cs typeface="+mn-cs"/>
+            </a:defRPr>
+          </a:pPr>
+          <a:endParaRPr lang="en-US"/>
+        </a:p>
+      </c:txPr>
+    </c:legend>
+    <c:plotVisOnly val="1"/>
+    <c:dispBlanksAs val="gap"/>
+    <c:extLst>
+      <c:ext xmlns:c16r3="http://schemas.microsoft.com/office/drawing/2017/03/chart" uri="{56B9EC1D-385E-4148-901F-78D8002777C0}">
+        <c16r3:dataDisplayOptions16>
+          <c16r3:dispNaAsBlank val="1"/>
+        </c16r3:dataDisplayOptions16>
+      </c:ext>
+    </c:extLst>
+    <c:showDLblsOverMax val="0"/>
+  </c:chart>
+  <c:spPr>
+    <a:noFill/>
+    <a:ln>
+      <a:noFill/>
+    </a:ln>
+    <a:effectLst/>
+  </c:spPr>
+  <c:txPr>
+    <a:bodyPr/>
+    <a:lstStyle/>
+    <a:p>
+      <a:pPr>
+        <a:defRPr/>
+      </a:pPr>
+      <a:endParaRPr lang="en-US"/>
+    </a:p>
+  </c:txPr>
+  <c:externalData r:id="rId3">
+    <c:autoUpdate val="0"/>
+  </c:externalData>
+</c:chartSpace>
+</file>
+
+<file path=ppt/charts/chart3.xml><?xml version="1.0" encoding="utf-8"?>
+<c:chartSpace xmlns:c="http://schemas.openxmlformats.org/drawingml/2006/chart" xmlns:a="http://schemas.openxmlformats.org/drawingml/2006/main" xmlns:r="http://schemas.openxmlformats.org/officeDocument/2006/relationships" xmlns:c16r2="http://schemas.microsoft.com/office/drawing/2015/06/chart">
+  <c:date1904 val="0"/>
+  <c:lang val="en-US"/>
+  <c:roundedCorners val="0"/>
+  <mc:AlternateContent xmlns:mc="http://schemas.openxmlformats.org/markup-compatibility/2006">
+    <mc:Choice xmlns:c14="http://schemas.microsoft.com/office/drawing/2007/8/2/chart" Requires="c14">
+      <c14:style val="103"/>
+    </mc:Choice>
+    <mc:Fallback>
+      <c:style val="3"/>
+    </mc:Fallback>
+  </mc:AlternateContent>
+  <c:chart>
+    <c:title>
+      <c:tx>
+        <c:rich>
+          <a:bodyPr rot="0" spcFirstLastPara="1" vertOverflow="ellipsis" vert="horz" wrap="square" anchor="ctr" anchorCtr="1"/>
+          <a:lstStyle/>
+          <a:p>
+            <a:pPr>
+              <a:defRPr sz="1862" b="0" i="0" u="none" strike="noStrike" kern="1200" spc="0" baseline="0">
+                <a:solidFill>
+                  <a:schemeClr val="tx1">
+                    <a:lumMod val="65000"/>
+                    <a:lumOff val="35000"/>
+                  </a:schemeClr>
+                </a:solidFill>
+                <a:latin typeface="+mn-lt"/>
+                <a:ea typeface="+mn-ea"/>
+                <a:cs typeface="+mn-cs"/>
+              </a:defRPr>
+            </a:pPr>
+            <a:r>
+              <a:rPr lang="en-US" dirty="0" err="1"/>
+              <a:t>Broj</a:t>
+            </a:r>
+            <a:r>
+              <a:rPr lang="en-US" dirty="0"/>
+              <a:t> cuckoo </a:t>
+            </a:r>
+            <a:r>
+              <a:rPr lang="en-US" dirty="0" err="1"/>
+              <a:t>izbacivanja</a:t>
+            </a:r>
+            <a:r>
+              <a:rPr lang="en-US" dirty="0"/>
+              <a:t> po </a:t>
+            </a:r>
+            <a:r>
+              <a:rPr lang="hr-HR" dirty="0"/>
+              <a:t>dodanom elementu</a:t>
+            </a:r>
+            <a:endParaRPr lang="en-US" dirty="0"/>
+          </a:p>
+        </c:rich>
+      </c:tx>
+      <c:overlay val="0"/>
+      <c:spPr>
+        <a:noFill/>
+        <a:ln>
+          <a:noFill/>
+        </a:ln>
+        <a:effectLst/>
+      </c:spPr>
+      <c:txPr>
+        <a:bodyPr rot="0" spcFirstLastPara="1" vertOverflow="ellipsis" vert="horz" wrap="square" anchor="ctr" anchorCtr="1"/>
+        <a:lstStyle/>
+        <a:p>
+          <a:pPr>
+            <a:defRPr sz="1862" b="0" i="0" u="none" strike="noStrike" kern="1200" spc="0" baseline="0">
+              <a:solidFill>
+                <a:schemeClr val="tx1">
+                  <a:lumMod val="65000"/>
+                  <a:lumOff val="35000"/>
+                </a:schemeClr>
+              </a:solidFill>
+              <a:latin typeface="+mn-lt"/>
+              <a:ea typeface="+mn-ea"/>
+              <a:cs typeface="+mn-cs"/>
+            </a:defRPr>
+          </a:pPr>
+          <a:endParaRPr lang="en-US"/>
+        </a:p>
+      </c:txPr>
+    </c:title>
+    <c:autoTitleDeleted val="0"/>
+    <c:plotArea>
+      <c:layout/>
+      <c:lineChart>
+        <c:grouping val="standard"/>
+        <c:varyColors val="0"/>
+        <c:ser>
+          <c:idx val="0"/>
+          <c:order val="0"/>
+          <c:tx>
+            <c:strRef>
+              <c:f>Sheet1!$B$1</c:f>
+              <c:strCache>
+                <c:ptCount val="1"/>
+                <c:pt idx="0">
+                  <c:v>Broj cuckoo izbacivanja po insertu</c:v>
+                </c:pt>
+              </c:strCache>
+            </c:strRef>
+          </c:tx>
+          <c:spPr>
+            <a:ln w="28575" cap="rnd">
+              <a:solidFill>
+                <a:schemeClr val="accent1"/>
+              </a:solidFill>
+              <a:round/>
+            </a:ln>
+            <a:effectLst/>
+          </c:spPr>
+          <c:marker>
+            <c:symbol val="none"/>
+          </c:marker>
+          <c:cat>
+            <c:strRef>
+              <c:f>Sheet1!$A$2:$A$6</c:f>
+              <c:strCache>
+                <c:ptCount val="5"/>
+                <c:pt idx="0">
+                  <c:v>10^3</c:v>
+                </c:pt>
+                <c:pt idx="1">
+                  <c:v>10^4</c:v>
+                </c:pt>
+                <c:pt idx="2">
+                  <c:v>10^5</c:v>
+                </c:pt>
+                <c:pt idx="3">
+                  <c:v>10^6</c:v>
+                </c:pt>
+                <c:pt idx="4">
+                  <c:v>10^7</c:v>
+                </c:pt>
+              </c:strCache>
+            </c:strRef>
+          </c:cat>
+          <c:val>
+            <c:numRef>
+              <c:f>Sheet1!$B$2:$B$6</c:f>
+              <c:numCache>
+                <c:formatCode>General</c:formatCode>
+                <c:ptCount val="5"/>
+                <c:pt idx="0">
+                  <c:v>0</c:v>
+                </c:pt>
+                <c:pt idx="1">
+                  <c:v>0</c:v>
+                </c:pt>
+                <c:pt idx="2">
+                  <c:v>2.0000000000000002E-5</c:v>
+                </c:pt>
+                <c:pt idx="3">
+                  <c:v>8.2799999999999996E-4</c:v>
+                </c:pt>
+                <c:pt idx="4">
+                  <c:v>1.6251E-3</c:v>
+                </c:pt>
+              </c:numCache>
+            </c:numRef>
+          </c:val>
+          <c:smooth val="0"/>
+          <c:extLst>
+            <c:ext xmlns:c16="http://schemas.microsoft.com/office/drawing/2014/chart" uri="{C3380CC4-5D6E-409C-BE32-E72D297353CC}">
+              <c16:uniqueId val="{00000000-25B0-4F72-A964-00F4A53CDAE1}"/>
+            </c:ext>
+          </c:extLst>
+        </c:ser>
+        <c:dLbls>
+          <c:showLegendKey val="0"/>
+          <c:showVal val="0"/>
+          <c:showCatName val="0"/>
+          <c:showSerName val="0"/>
+          <c:showPercent val="0"/>
+          <c:showBubbleSize val="0"/>
+        </c:dLbls>
+        <c:smooth val="0"/>
+        <c:axId val="650429135"/>
+        <c:axId val="708819599"/>
+      </c:lineChart>
+      <c:catAx>
+        <c:axId val="650429135"/>
+        <c:scaling>
+          <c:orientation val="minMax"/>
+        </c:scaling>
+        <c:delete val="0"/>
+        <c:axPos val="b"/>
+        <c:numFmt formatCode="General" sourceLinked="1"/>
+        <c:majorTickMark val="none"/>
+        <c:minorTickMark val="none"/>
+        <c:tickLblPos val="nextTo"/>
+        <c:spPr>
+          <a:noFill/>
+          <a:ln w="9525" cap="flat" cmpd="sng" algn="ctr">
+            <a:solidFill>
+              <a:schemeClr val="tx1">
+                <a:lumMod val="15000"/>
+                <a:lumOff val="85000"/>
+              </a:schemeClr>
+            </a:solidFill>
+            <a:round/>
+          </a:ln>
+          <a:effectLst/>
+        </c:spPr>
+        <c:txPr>
+          <a:bodyPr rot="-60000000" spcFirstLastPara="1" vertOverflow="ellipsis" vert="horz" wrap="square" anchor="ctr" anchorCtr="1"/>
+          <a:lstStyle/>
+          <a:p>
+            <a:pPr>
+              <a:defRPr sz="1197" b="0" i="0" u="none" strike="noStrike" kern="1200" baseline="0">
+                <a:solidFill>
+                  <a:schemeClr val="tx1">
+                    <a:lumMod val="65000"/>
+                    <a:lumOff val="35000"/>
+                  </a:schemeClr>
+                </a:solidFill>
+                <a:latin typeface="+mn-lt"/>
+                <a:ea typeface="+mn-ea"/>
+                <a:cs typeface="+mn-cs"/>
+              </a:defRPr>
+            </a:pPr>
+            <a:endParaRPr lang="en-US"/>
+          </a:p>
+        </c:txPr>
+        <c:crossAx val="708819599"/>
+        <c:crosses val="autoZero"/>
+        <c:auto val="1"/>
+        <c:lblAlgn val="ctr"/>
+        <c:lblOffset val="100"/>
+        <c:noMultiLvlLbl val="0"/>
+      </c:catAx>
+      <c:valAx>
+        <c:axId val="708819599"/>
+        <c:scaling>
+          <c:orientation val="minMax"/>
+        </c:scaling>
+        <c:delete val="0"/>
+        <c:axPos val="l"/>
+        <c:majorGridlines>
+          <c:spPr>
+            <a:ln w="9525" cap="flat" cmpd="sng" algn="ctr">
+              <a:solidFill>
+                <a:schemeClr val="tx1">
+                  <a:lumMod val="15000"/>
+                  <a:lumOff val="85000"/>
+                </a:schemeClr>
+              </a:solidFill>
+              <a:round/>
+            </a:ln>
+            <a:effectLst/>
+          </c:spPr>
+        </c:majorGridlines>
+        <c:numFmt formatCode="General" sourceLinked="1"/>
+        <c:majorTickMark val="none"/>
+        <c:minorTickMark val="none"/>
+        <c:tickLblPos val="nextTo"/>
+        <c:spPr>
+          <a:noFill/>
+          <a:ln>
+            <a:noFill/>
+          </a:ln>
+          <a:effectLst/>
+        </c:spPr>
+        <c:txPr>
+          <a:bodyPr rot="-60000000" spcFirstLastPara="1" vertOverflow="ellipsis" vert="horz" wrap="square" anchor="ctr" anchorCtr="1"/>
+          <a:lstStyle/>
+          <a:p>
+            <a:pPr>
+              <a:defRPr sz="1197" b="0" i="0" u="none" strike="noStrike" kern="1200" baseline="0">
+                <a:solidFill>
+                  <a:schemeClr val="tx1">
+                    <a:lumMod val="65000"/>
+                    <a:lumOff val="35000"/>
+                  </a:schemeClr>
+                </a:solidFill>
+                <a:latin typeface="+mn-lt"/>
+                <a:ea typeface="+mn-ea"/>
+                <a:cs typeface="+mn-cs"/>
+              </a:defRPr>
+            </a:pPr>
+            <a:endParaRPr lang="en-US"/>
+          </a:p>
+        </c:txPr>
+        <c:crossAx val="650429135"/>
+        <c:crosses val="autoZero"/>
+        <c:crossBetween val="between"/>
+      </c:valAx>
+      <c:spPr>
+        <a:noFill/>
+        <a:ln>
+          <a:solidFill>
+            <a:schemeClr val="accent1">
+              <a:lumMod val="50000"/>
+            </a:schemeClr>
+          </a:solidFill>
+        </a:ln>
+        <a:effectLst/>
+      </c:spPr>
+    </c:plotArea>
+    <c:legend>
+      <c:legendPos val="b"/>
+      <c:overlay val="0"/>
+      <c:spPr>
+        <a:noFill/>
+        <a:ln>
+          <a:noFill/>
+        </a:ln>
+        <a:effectLst/>
+      </c:spPr>
+      <c:txPr>
+        <a:bodyPr rot="0" spcFirstLastPara="1" vertOverflow="ellipsis" vert="horz" wrap="square" anchor="ctr" anchorCtr="1"/>
+        <a:lstStyle/>
+        <a:p>
+          <a:pPr>
+            <a:defRPr sz="1197" b="0" i="0" u="none" strike="noStrike" kern="1200" baseline="0">
+              <a:solidFill>
+                <a:schemeClr val="tx1">
+                  <a:lumMod val="65000"/>
+                  <a:lumOff val="35000"/>
+                </a:schemeClr>
+              </a:solidFill>
+              <a:latin typeface="+mn-lt"/>
+              <a:ea typeface="+mn-ea"/>
+              <a:cs typeface="+mn-cs"/>
+            </a:defRPr>
+          </a:pPr>
+          <a:endParaRPr lang="en-US"/>
+        </a:p>
+      </c:txPr>
+    </c:legend>
+    <c:plotVisOnly val="1"/>
+    <c:dispBlanksAs val="gap"/>
+    <c:extLst>
+      <c:ext xmlns:c16r3="http://schemas.microsoft.com/office/drawing/2017/03/chart" uri="{56B9EC1D-385E-4148-901F-78D8002777C0}">
+        <c16r3:dataDisplayOptions16>
+          <c16r3:dispNaAsBlank val="1"/>
+        </c16r3:dataDisplayOptions16>
+      </c:ext>
+    </c:extLst>
+    <c:showDLblsOverMax val="0"/>
+  </c:chart>
+  <c:spPr>
+    <a:noFill/>
+    <a:ln>
+      <a:noFill/>
+    </a:ln>
+    <a:effectLst/>
+  </c:spPr>
+  <c:txPr>
+    <a:bodyPr/>
+    <a:lstStyle/>
+    <a:p>
+      <a:pPr>
+        <a:defRPr/>
+      </a:pPr>
+      <a:endParaRPr lang="en-US"/>
+    </a:p>
+  </c:txPr>
+  <c:externalData r:id="rId3">
+    <c:autoUpdate val="0"/>
+  </c:externalData>
+</c:chartSpace>
+</file>
+
+<file path=ppt/charts/chart4.xml><?xml version="1.0" encoding="utf-8"?>
+<c:chartSpace xmlns:c="http://schemas.openxmlformats.org/drawingml/2006/chart" xmlns:a="http://schemas.openxmlformats.org/drawingml/2006/main" xmlns:r="http://schemas.openxmlformats.org/officeDocument/2006/relationships" xmlns:c16r2="http://schemas.microsoft.com/office/drawing/2015/06/chart">
+  <c:date1904 val="0"/>
+  <c:lang val="en-US"/>
+  <c:roundedCorners val="0"/>
+  <mc:AlternateContent xmlns:mc="http://schemas.openxmlformats.org/markup-compatibility/2006">
+    <mc:Choice xmlns:c14="http://schemas.microsoft.com/office/drawing/2007/8/2/chart" Requires="c14">
+      <c14:style val="102"/>
+    </mc:Choice>
+    <mc:Fallback>
+      <c:style val="2"/>
+    </mc:Fallback>
+  </mc:AlternateContent>
+  <c:chart>
+    <c:title>
+      <c:tx>
+        <c:rich>
+          <a:bodyPr rot="0" spcFirstLastPara="1" vertOverflow="ellipsis" vert="horz" wrap="square" anchor="ctr" anchorCtr="1"/>
+          <a:lstStyle/>
+          <a:p>
+            <a:pPr>
+              <a:defRPr sz="1862" b="0" i="0" u="none" strike="noStrike" kern="1200" spc="0" baseline="0">
+                <a:solidFill>
+                  <a:schemeClr val="tx1">
+                    <a:lumMod val="65000"/>
+                    <a:lumOff val="35000"/>
+                  </a:schemeClr>
+                </a:solidFill>
+                <a:latin typeface="+mn-lt"/>
+                <a:ea typeface="+mn-ea"/>
+                <a:cs typeface="+mn-cs"/>
+              </a:defRPr>
+            </a:pPr>
+            <a:r>
+              <a:rPr lang="hr-HR" dirty="0"/>
+              <a:t>Maksimalni memorijski utrošak (RAM)</a:t>
+            </a:r>
+            <a:r>
+              <a:rPr lang="hr-HR" baseline="0" dirty="0"/>
+              <a:t> </a:t>
+            </a:r>
+          </a:p>
+          <a:p>
+            <a:pPr>
+              <a:defRPr/>
+            </a:pPr>
+            <a:r>
+              <a:rPr lang="hr-HR" baseline="0" dirty="0"/>
+              <a:t>po broju umetnutih podataka</a:t>
+            </a:r>
+            <a:endParaRPr lang="hr-HR" dirty="0"/>
+          </a:p>
+        </c:rich>
+      </c:tx>
+      <c:overlay val="0"/>
+      <c:spPr>
+        <a:noFill/>
+        <a:ln>
+          <a:noFill/>
+        </a:ln>
+        <a:effectLst/>
+      </c:spPr>
+      <c:txPr>
+        <a:bodyPr rot="0" spcFirstLastPara="1" vertOverflow="ellipsis" vert="horz" wrap="square" anchor="ctr" anchorCtr="1"/>
+        <a:lstStyle/>
+        <a:p>
+          <a:pPr>
+            <a:defRPr sz="1862" b="0" i="0" u="none" strike="noStrike" kern="1200" spc="0" baseline="0">
+              <a:solidFill>
+                <a:schemeClr val="tx1">
+                  <a:lumMod val="65000"/>
+                  <a:lumOff val="35000"/>
+                </a:schemeClr>
+              </a:solidFill>
+              <a:latin typeface="+mn-lt"/>
+              <a:ea typeface="+mn-ea"/>
+              <a:cs typeface="+mn-cs"/>
+            </a:defRPr>
+          </a:pPr>
+          <a:endParaRPr lang="en-US"/>
+        </a:p>
+      </c:txPr>
+    </c:title>
+    <c:autoTitleDeleted val="0"/>
+    <c:plotArea>
+      <c:layout/>
+      <c:lineChart>
+        <c:grouping val="standard"/>
+        <c:varyColors val="0"/>
+        <c:ser>
+          <c:idx val="0"/>
+          <c:order val="0"/>
+          <c:tx>
+            <c:strRef>
+              <c:f>Sheet1!$B$1</c:f>
+              <c:strCache>
+                <c:ptCount val="1"/>
+                <c:pt idx="0">
+                  <c:v>Naša implementacija</c:v>
+                </c:pt>
+              </c:strCache>
+            </c:strRef>
+          </c:tx>
+          <c:spPr>
+            <a:ln w="28575" cap="rnd">
+              <a:solidFill>
+                <a:schemeClr val="accent1"/>
+              </a:solidFill>
+              <a:round/>
+            </a:ln>
+            <a:effectLst/>
+          </c:spPr>
+          <c:marker>
+            <c:symbol val="none"/>
+          </c:marker>
+          <c:cat>
+            <c:strRef>
+              <c:f>Sheet1!$A$2:$A$5</c:f>
+              <c:strCache>
+                <c:ptCount val="4"/>
+                <c:pt idx="0">
+                  <c:v>10^3</c:v>
+                </c:pt>
+                <c:pt idx="1">
+                  <c:v>10^4</c:v>
+                </c:pt>
+                <c:pt idx="2">
+                  <c:v>10^5</c:v>
+                </c:pt>
+                <c:pt idx="3">
+                  <c:v>10^6</c:v>
+                </c:pt>
+              </c:strCache>
+            </c:strRef>
+          </c:cat>
+          <c:val>
+            <c:numRef>
+              <c:f>Sheet1!$B$2:$B$5</c:f>
+              <c:numCache>
+                <c:formatCode>General</c:formatCode>
+                <c:ptCount val="4"/>
+                <c:pt idx="0">
+                  <c:v>8</c:v>
+                </c:pt>
+                <c:pt idx="1">
+                  <c:v>12</c:v>
+                </c:pt>
+                <c:pt idx="2">
+                  <c:v>40</c:v>
+                </c:pt>
+                <c:pt idx="3">
+                  <c:v>344</c:v>
+                </c:pt>
+              </c:numCache>
+            </c:numRef>
+          </c:val>
+          <c:smooth val="0"/>
+          <c:extLst>
+            <c:ext xmlns:c16="http://schemas.microsoft.com/office/drawing/2014/chart" uri="{C3380CC4-5D6E-409C-BE32-E72D297353CC}">
+              <c16:uniqueId val="{00000000-9648-4741-B812-3C1DD4A27267}"/>
+            </c:ext>
+          </c:extLst>
+        </c:ser>
+        <c:ser>
+          <c:idx val="1"/>
+          <c:order val="1"/>
+          <c:tx>
+            <c:strRef>
+              <c:f>Sheet1!$C$1</c:f>
+              <c:strCache>
+                <c:ptCount val="1"/>
+                <c:pt idx="0">
+                  <c:v>Originalna implementacija</c:v>
+                </c:pt>
+              </c:strCache>
+            </c:strRef>
+          </c:tx>
+          <c:spPr>
+            <a:ln w="28575" cap="rnd">
+              <a:solidFill>
+                <a:schemeClr val="accent2"/>
+              </a:solidFill>
+              <a:round/>
+            </a:ln>
+            <a:effectLst/>
+          </c:spPr>
+          <c:marker>
+            <c:symbol val="none"/>
+          </c:marker>
+          <c:cat>
+            <c:strRef>
+              <c:f>Sheet1!$A$2:$A$5</c:f>
+              <c:strCache>
+                <c:ptCount val="4"/>
+                <c:pt idx="0">
+                  <c:v>10^3</c:v>
+                </c:pt>
+                <c:pt idx="1">
+                  <c:v>10^4</c:v>
+                </c:pt>
+                <c:pt idx="2">
+                  <c:v>10^5</c:v>
+                </c:pt>
+                <c:pt idx="3">
+                  <c:v>10^6</c:v>
+                </c:pt>
+              </c:strCache>
+            </c:strRef>
+          </c:cat>
+          <c:val>
+            <c:numRef>
+              <c:f>Sheet1!$C$2:$C$5</c:f>
+              <c:numCache>
+                <c:formatCode>General</c:formatCode>
+                <c:ptCount val="4"/>
+                <c:pt idx="0">
+                  <c:v>4</c:v>
+                </c:pt>
+                <c:pt idx="1">
+                  <c:v>6</c:v>
+                </c:pt>
+                <c:pt idx="2">
+                  <c:v>38</c:v>
+                </c:pt>
+                <c:pt idx="3">
+                  <c:v>340</c:v>
+                </c:pt>
+              </c:numCache>
+            </c:numRef>
+          </c:val>
+          <c:smooth val="0"/>
+          <c:extLst>
+            <c:ext xmlns:c16="http://schemas.microsoft.com/office/drawing/2014/chart" uri="{C3380CC4-5D6E-409C-BE32-E72D297353CC}">
+              <c16:uniqueId val="{00000001-9648-4741-B812-3C1DD4A27267}"/>
+            </c:ext>
+          </c:extLst>
+        </c:ser>
+        <c:dLbls>
+          <c:showLegendKey val="0"/>
+          <c:showVal val="0"/>
+          <c:showCatName val="0"/>
+          <c:showSerName val="0"/>
+          <c:showPercent val="0"/>
+          <c:showBubbleSize val="0"/>
+        </c:dLbls>
+        <c:smooth val="0"/>
+        <c:axId val="650429135"/>
+        <c:axId val="708819599"/>
+      </c:lineChart>
+      <c:catAx>
+        <c:axId val="650429135"/>
+        <c:scaling>
+          <c:orientation val="minMax"/>
+        </c:scaling>
+        <c:delete val="0"/>
+        <c:axPos val="b"/>
+        <c:numFmt formatCode="General" sourceLinked="1"/>
+        <c:majorTickMark val="none"/>
+        <c:minorTickMark val="none"/>
+        <c:tickLblPos val="nextTo"/>
+        <c:spPr>
+          <a:noFill/>
+          <a:ln w="9525" cap="flat" cmpd="sng" algn="ctr">
+            <a:solidFill>
+              <a:schemeClr val="tx1">
+                <a:lumMod val="15000"/>
+                <a:lumOff val="85000"/>
+              </a:schemeClr>
+            </a:solidFill>
+            <a:round/>
+          </a:ln>
+          <a:effectLst/>
+        </c:spPr>
+        <c:txPr>
+          <a:bodyPr rot="-60000000" spcFirstLastPara="1" vertOverflow="ellipsis" vert="horz" wrap="square" anchor="ctr" anchorCtr="1"/>
+          <a:lstStyle/>
+          <a:p>
+            <a:pPr>
+              <a:defRPr sz="1197" b="0" i="0" u="none" strike="noStrike" kern="1200" baseline="0">
+                <a:solidFill>
+                  <a:schemeClr val="tx1">
+                    <a:lumMod val="65000"/>
+                    <a:lumOff val="35000"/>
+                  </a:schemeClr>
+                </a:solidFill>
+                <a:latin typeface="+mn-lt"/>
+                <a:ea typeface="+mn-ea"/>
+                <a:cs typeface="+mn-cs"/>
+              </a:defRPr>
+            </a:pPr>
+            <a:endParaRPr lang="en-US"/>
+          </a:p>
+        </c:txPr>
+        <c:crossAx val="708819599"/>
+        <c:crosses val="autoZero"/>
+        <c:auto val="1"/>
+        <c:lblAlgn val="ctr"/>
+        <c:lblOffset val="100"/>
+        <c:noMultiLvlLbl val="0"/>
+      </c:catAx>
+      <c:valAx>
+        <c:axId val="708819599"/>
+        <c:scaling>
+          <c:orientation val="minMax"/>
+        </c:scaling>
+        <c:delete val="0"/>
+        <c:axPos val="l"/>
+        <c:majorGridlines>
+          <c:spPr>
+            <a:ln w="9525" cap="flat" cmpd="sng" algn="ctr">
+              <a:solidFill>
+                <a:schemeClr val="tx1">
+                  <a:lumMod val="15000"/>
+                  <a:lumOff val="85000"/>
+                </a:schemeClr>
+              </a:solidFill>
+              <a:round/>
+            </a:ln>
+            <a:effectLst/>
+          </c:spPr>
+        </c:majorGridlines>
+        <c:numFmt formatCode="General" sourceLinked="1"/>
+        <c:majorTickMark val="none"/>
+        <c:minorTickMark val="none"/>
+        <c:tickLblPos val="nextTo"/>
+        <c:spPr>
+          <a:noFill/>
+          <a:ln>
+            <a:noFill/>
+          </a:ln>
+          <a:effectLst/>
+        </c:spPr>
+        <c:txPr>
+          <a:bodyPr rot="-60000000" spcFirstLastPara="1" vertOverflow="ellipsis" vert="horz" wrap="square" anchor="ctr" anchorCtr="1"/>
+          <a:lstStyle/>
+          <a:p>
+            <a:pPr>
+              <a:defRPr sz="1197" b="0" i="0" u="none" strike="noStrike" kern="1200" baseline="0">
+                <a:solidFill>
+                  <a:schemeClr val="tx1">
+                    <a:lumMod val="65000"/>
+                    <a:lumOff val="35000"/>
+                  </a:schemeClr>
+                </a:solidFill>
+                <a:latin typeface="+mn-lt"/>
+                <a:ea typeface="+mn-ea"/>
+                <a:cs typeface="+mn-cs"/>
+              </a:defRPr>
+            </a:pPr>
+            <a:endParaRPr lang="en-US"/>
+          </a:p>
+        </c:txPr>
+        <c:crossAx val="650429135"/>
+        <c:crosses val="autoZero"/>
+        <c:crossBetween val="between"/>
+      </c:valAx>
+      <c:spPr>
+        <a:noFill/>
+        <a:ln>
+          <a:solidFill>
+            <a:schemeClr val="accent1">
+              <a:lumMod val="50000"/>
+            </a:schemeClr>
+          </a:solidFill>
+        </a:ln>
+        <a:effectLst/>
+      </c:spPr>
+    </c:plotArea>
+    <c:legend>
+      <c:legendPos val="b"/>
+      <c:overlay val="0"/>
+      <c:spPr>
+        <a:noFill/>
+        <a:ln>
+          <a:noFill/>
+        </a:ln>
+        <a:effectLst/>
+      </c:spPr>
+      <c:txPr>
+        <a:bodyPr rot="0" spcFirstLastPara="1" vertOverflow="ellipsis" vert="horz" wrap="square" anchor="ctr" anchorCtr="1"/>
+        <a:lstStyle/>
+        <a:p>
+          <a:pPr>
+            <a:defRPr sz="1197" b="0" i="0" u="none" strike="noStrike" kern="1200" baseline="0">
+              <a:solidFill>
+                <a:schemeClr val="tx1">
+                  <a:lumMod val="65000"/>
+                  <a:lumOff val="35000"/>
+                </a:schemeClr>
+              </a:solidFill>
+              <a:latin typeface="+mn-lt"/>
+              <a:ea typeface="+mn-ea"/>
+              <a:cs typeface="+mn-cs"/>
+            </a:defRPr>
+          </a:pPr>
+          <a:endParaRPr lang="en-US"/>
+        </a:p>
+      </c:txPr>
+    </c:legend>
+    <c:plotVisOnly val="1"/>
+    <c:dispBlanksAs val="gap"/>
+    <c:extLst>
+      <c:ext xmlns:c16r3="http://schemas.microsoft.com/office/drawing/2017/03/chart" uri="{56B9EC1D-385E-4148-901F-78D8002777C0}">
+        <c16r3:dataDisplayOptions16>
+          <c16r3:dispNaAsBlank val="1"/>
+        </c16r3:dataDisplayOptions16>
+      </c:ext>
+    </c:extLst>
+    <c:showDLblsOverMax val="0"/>
+  </c:chart>
+  <c:spPr>
+    <a:noFill/>
+    <a:ln>
+      <a:noFill/>
+    </a:ln>
+    <a:effectLst/>
+  </c:spPr>
+  <c:txPr>
+    <a:bodyPr/>
+    <a:lstStyle/>
+    <a:p>
+      <a:pPr>
+        <a:defRPr/>
+      </a:pPr>
+      <a:endParaRPr lang="en-US"/>
+    </a:p>
+  </c:txPr>
+  <c:externalData r:id="rId3">
+    <c:autoUpdate val="0"/>
+  </c:externalData>
+</c:chartSpace>
+</file>
+
+<file path=ppt/charts/colors1.xml><?xml version="1.0" encoding="utf-8"?>
+<cs:colorStyle xmlns:cs="http://schemas.microsoft.com/office/drawing/2012/chartStyle" xmlns:a="http://schemas.openxmlformats.org/drawingml/2006/main" meth="cycle" id="10">
+  <a:schemeClr val="accent1"/>
+  <a:schemeClr val="accent2"/>
+  <a:schemeClr val="accent3"/>
+  <a:schemeClr val="accent4"/>
+  <a:schemeClr val="accent5"/>
+  <a:schemeClr val="accent6"/>
+  <cs:variation/>
+  <cs:variation>
+    <a:lumMod val="60000"/>
+  </cs:variation>
+  <cs:variation>
+    <a:lumMod val="80000"/>
+    <a:lumOff val="20000"/>
+  </cs:variation>
+  <cs:variation>
+    <a:lumMod val="80000"/>
+  </cs:variation>
+  <cs:variation>
+    <a:lumMod val="60000"/>
+    <a:lumOff val="40000"/>
+  </cs:variation>
+  <cs:variation>
+    <a:lumMod val="50000"/>
+  </cs:variation>
+  <cs:variation>
+    <a:lumMod val="70000"/>
+    <a:lumOff val="30000"/>
+  </cs:variation>
+  <cs:variation>
+    <a:lumMod val="70000"/>
+  </cs:variation>
+  <cs:variation>
+    <a:lumMod val="50000"/>
+    <a:lumOff val="50000"/>
+  </cs:variation>
+</cs:colorStyle>
+</file>
+
+<file path=ppt/charts/colors2.xml><?xml version="1.0" encoding="utf-8"?>
+<cs:colorStyle xmlns:cs="http://schemas.microsoft.com/office/drawing/2012/chartStyle" xmlns:a="http://schemas.openxmlformats.org/drawingml/2006/main" meth="cycle" id="10">
+  <a:schemeClr val="accent1"/>
+  <a:schemeClr val="accent2"/>
+  <a:schemeClr val="accent3"/>
+  <a:schemeClr val="accent4"/>
+  <a:schemeClr val="accent5"/>
+  <a:schemeClr val="accent6"/>
+  <cs:variation/>
+  <cs:variation>
+    <a:lumMod val="60000"/>
+  </cs:variation>
+  <cs:variation>
+    <a:lumMod val="80000"/>
+    <a:lumOff val="20000"/>
+  </cs:variation>
+  <cs:variation>
+    <a:lumMod val="80000"/>
+  </cs:variation>
+  <cs:variation>
+    <a:lumMod val="60000"/>
+    <a:lumOff val="40000"/>
+  </cs:variation>
+  <cs:variation>
+    <a:lumMod val="50000"/>
+  </cs:variation>
+  <cs:variation>
+    <a:lumMod val="70000"/>
+    <a:lumOff val="30000"/>
+  </cs:variation>
+  <cs:variation>
+    <a:lumMod val="70000"/>
+  </cs:variation>
+  <cs:variation>
+    <a:lumMod val="50000"/>
+    <a:lumOff val="50000"/>
+  </cs:variation>
+</cs:colorStyle>
+</file>
+
+<file path=ppt/charts/colors3.xml><?xml version="1.0" encoding="utf-8"?>
+<cs:colorStyle xmlns:cs="http://schemas.microsoft.com/office/drawing/2012/chartStyle" xmlns:a="http://schemas.openxmlformats.org/drawingml/2006/main" meth="withinLinear" id="14">
+  <a:schemeClr val="accent1"/>
+</cs:colorStyle>
+</file>
+
+<file path=ppt/charts/colors4.xml><?xml version="1.0" encoding="utf-8"?>
+<cs:colorStyle xmlns:cs="http://schemas.microsoft.com/office/drawing/2012/chartStyle" xmlns:a="http://schemas.openxmlformats.org/drawingml/2006/main" meth="cycle" id="10">
+  <a:schemeClr val="accent1"/>
+  <a:schemeClr val="accent2"/>
+  <a:schemeClr val="accent3"/>
+  <a:schemeClr val="accent4"/>
+  <a:schemeClr val="accent5"/>
+  <a:schemeClr val="accent6"/>
+  <cs:variation/>
+  <cs:variation>
+    <a:lumMod val="60000"/>
+  </cs:variation>
+  <cs:variation>
+    <a:lumMod val="80000"/>
+    <a:lumOff val="20000"/>
+  </cs:variation>
+  <cs:variation>
+    <a:lumMod val="80000"/>
+  </cs:variation>
+  <cs:variation>
+    <a:lumMod val="60000"/>
+    <a:lumOff val="40000"/>
+  </cs:variation>
+  <cs:variation>
+    <a:lumMod val="50000"/>
+  </cs:variation>
+  <cs:variation>
+    <a:lumMod val="70000"/>
+    <a:lumOff val="30000"/>
+  </cs:variation>
+  <cs:variation>
+    <a:lumMod val="70000"/>
+  </cs:variation>
+  <cs:variation>
+    <a:lumMod val="50000"/>
+    <a:lumOff val="50000"/>
+  </cs:variation>
+</cs:colorStyle>
+</file>
+
+<file path=ppt/charts/style1.xml><?xml version="1.0" encoding="utf-8"?>
+<cs:chartStyle xmlns:cs="http://schemas.microsoft.com/office/drawing/2012/chartStyle" xmlns:a="http://schemas.openxmlformats.org/drawingml/2006/main" id="227">
+  <cs:axisTitle>
+    <cs:lnRef idx="0"/>
+    <cs:fillRef idx="0"/>
+    <cs:effectRef idx="0"/>
+    <cs:fontRef idx="minor">
+      <a:schemeClr val="tx1">
+        <a:lumMod val="65000"/>
+        <a:lumOff val="35000"/>
+      </a:schemeClr>
+    </cs:fontRef>
+    <cs:defRPr sz="1330" kern="1200"/>
+  </cs:axisTitle>
+  <cs:categoryAxis>
+    <cs:lnRef idx="0"/>
+    <cs:fillRef idx="0"/>
+    <cs:effectRef idx="0"/>
+    <cs:fontRef idx="minor">
+      <a:schemeClr val="tx1">
+        <a:lumMod val="65000"/>
+        <a:lumOff val="35000"/>
+      </a:schemeClr>
+    </cs:fontRef>
+    <cs:spPr>
+      <a:ln w="9525" cap="flat" cmpd="sng" algn="ctr">
+        <a:solidFill>
+          <a:schemeClr val="tx1">
+            <a:lumMod val="15000"/>
+            <a:lumOff val="85000"/>
+          </a:schemeClr>
+        </a:solidFill>
+        <a:round/>
+      </a:ln>
+    </cs:spPr>
+    <cs:defRPr sz="1197" kern="1200"/>
+  </cs:categoryAxis>
+  <cs:chartArea mods="allowNoFillOverride allowNoLineOverride">
+    <cs:lnRef idx="0"/>
+    <cs:fillRef idx="0"/>
+    <cs:effectRef idx="0"/>
+    <cs:fontRef idx="minor">
+      <a:schemeClr val="tx1"/>
+    </cs:fontRef>
+    <cs:spPr>
+      <a:solidFill>
+        <a:schemeClr val="bg1"/>
+      </a:solidFill>
+      <a:ln w="9525" cap="flat" cmpd="sng" algn="ctr">
+        <a:solidFill>
+          <a:schemeClr val="tx1">
+            <a:lumMod val="15000"/>
+            <a:lumOff val="85000"/>
+          </a:schemeClr>
+        </a:solidFill>
+        <a:round/>
+      </a:ln>
+    </cs:spPr>
+    <cs:defRPr sz="1330" kern="1200"/>
+  </cs:chartArea>
+  <cs:dataLabel>
+    <cs:lnRef idx="0"/>
+    <cs:fillRef idx="0"/>
+    <cs:effectRef idx="0"/>
+    <cs:fontRef idx="minor">
+      <a:schemeClr val="tx1">
+        <a:lumMod val="75000"/>
+        <a:lumOff val="25000"/>
+      </a:schemeClr>
+    </cs:fontRef>
+    <cs:defRPr sz="1197" kern="1200"/>
+  </cs:dataLabel>
+  <cs:dataLabelCallout>
+    <cs:lnRef idx="0"/>
+    <cs:fillRef idx="0"/>
+    <cs:effectRef idx="0"/>
+    <cs:fontRef idx="minor">
+      <a:schemeClr val="dk1">
+        <a:lumMod val="65000"/>
+        <a:lumOff val="35000"/>
+      </a:schemeClr>
+    </cs:fontRef>
+    <cs:spPr>
+      <a:solidFill>
+        <a:schemeClr val="lt1"/>
+      </a:solidFill>
+      <a:ln>
+        <a:solidFill>
+          <a:schemeClr val="dk1">
+            <a:lumMod val="25000"/>
+            <a:lumOff val="75000"/>
+          </a:schemeClr>
+        </a:solidFill>
+      </a:ln>
+    </cs:spPr>
+    <cs:defRPr sz="1197" kern="1200"/>
+    <cs:bodyPr rot="0" spcFirstLastPara="1" vertOverflow="clip" horzOverflow="clip" vert="horz" wrap="square" lIns="36576" tIns="18288" rIns="36576" bIns="18288" anchor="ctr" anchorCtr="1">
+      <a:spAutoFit/>
+    </cs:bodyPr>
+  </cs:dataLabelCallout>
+  <cs:dataPoint>
+    <cs:lnRef idx="0"/>
+    <cs:fillRef idx="1">
+      <cs:styleClr val="auto"/>
+    </cs:fillRef>
+    <cs:effectRef idx="0"/>
+    <cs:fontRef idx="minor">
+      <a:schemeClr val="tx1"/>
+    </cs:fontRef>
+    <cs:spPr>
+      <a:solidFill>
+        <a:schemeClr val="phClr"/>
+      </a:solidFill>
+    </cs:spPr>
+  </cs:dataPoint>
+  <cs:dataPoint3D>
+    <cs:lnRef idx="0"/>
+    <cs:fillRef idx="1">
+      <cs:styleClr val="auto"/>
+    </cs:fillRef>
+    <cs:effectRef idx="0"/>
+    <cs:fontRef idx="minor">
+      <a:schemeClr val="tx1"/>
+    </cs:fontRef>
+    <cs:spPr>
+      <a:solidFill>
+        <a:schemeClr val="phClr"/>
+      </a:solidFill>
+    </cs:spPr>
+  </cs:dataPoint3D>
+  <cs:dataPointLine>
+    <cs:lnRef idx="0">
+      <cs:styleClr val="auto"/>
+    </cs:lnRef>
+    <cs:fillRef idx="1"/>
+    <cs:effectRef idx="0"/>
+    <cs:fontRef idx="minor">
+      <a:schemeClr val="tx1"/>
+    </cs:fontRef>
+    <cs:spPr>
+      <a:ln w="28575" cap="rnd">
+        <a:solidFill>
+          <a:schemeClr val="phClr"/>
+        </a:solidFill>
+        <a:round/>
+      </a:ln>
+    </cs:spPr>
+  </cs:dataPointLine>
+  <cs:dataPointMarker>
+    <cs:lnRef idx="0">
+      <cs:styleClr val="auto"/>
+    </cs:lnRef>
+    <cs:fillRef idx="1">
+      <cs:styleClr val="auto"/>
+    </cs:fillRef>
+    <cs:effectRef idx="0"/>
+    <cs:fontRef idx="minor">
+      <a:schemeClr val="tx1"/>
+    </cs:fontRef>
+    <cs:spPr>
+      <a:solidFill>
+        <a:schemeClr val="phClr"/>
+      </a:solidFill>
+      <a:ln w="9525">
+        <a:solidFill>
+          <a:schemeClr val="phClr"/>
+        </a:solidFill>
+      </a:ln>
+    </cs:spPr>
+  </cs:dataPointMarker>
+  <cs:dataPointMarkerLayout symbol="circle" size="5"/>
+  <cs:dataPointWireframe>
+    <cs:lnRef idx="0">
+      <cs:styleClr val="auto"/>
+    </cs:lnRef>
+    <cs:fillRef idx="1"/>
+    <cs:effectRef idx="0"/>
+    <cs:fontRef idx="minor">
+      <a:schemeClr val="tx1"/>
+    </cs:fontRef>
+    <cs:spPr>
+      <a:ln w="9525" cap="rnd">
+        <a:solidFill>
+          <a:schemeClr val="phClr"/>
+        </a:solidFill>
+        <a:round/>
+      </a:ln>
+    </cs:spPr>
+  </cs:dataPointWireframe>
+  <cs:dataTable>
+    <cs:lnRef idx="0"/>
+    <cs:fillRef idx="0"/>
+    <cs:effectRef idx="0"/>
+    <cs:fontRef idx="minor">
+      <a:schemeClr val="tx1">
+        <a:lumMod val="65000"/>
+        <a:lumOff val="35000"/>
+      </a:schemeClr>
+    </cs:fontRef>
+    <cs:spPr>
+      <a:noFill/>
+      <a:ln w="9525" cap="flat" cmpd="sng" algn="ctr">
+        <a:solidFill>
+          <a:schemeClr val="tx1">
+            <a:lumMod val="15000"/>
+            <a:lumOff val="85000"/>
+          </a:schemeClr>
+        </a:solidFill>
+        <a:round/>
+      </a:ln>
+    </cs:spPr>
+    <cs:defRPr sz="1197" kern="1200"/>
+  </cs:dataTable>
+  <cs:downBar>
+    <cs:lnRef idx="0"/>
+    <cs:fillRef idx="0"/>
+    <cs:effectRef idx="0"/>
+    <cs:fontRef idx="minor">
+      <a:schemeClr val="dk1"/>
+    </cs:fontRef>
+    <cs:spPr>
+      <a:solidFill>
+        <a:schemeClr val="dk1">
+          <a:lumMod val="65000"/>
+          <a:lumOff val="35000"/>
+        </a:schemeClr>
+      </a:solidFill>
+      <a:ln w="9525">
+        <a:solidFill>
+          <a:schemeClr val="tx1">
+            <a:lumMod val="65000"/>
+            <a:lumOff val="35000"/>
+          </a:schemeClr>
+        </a:solidFill>
+      </a:ln>
+    </cs:spPr>
+  </cs:downBar>
+  <cs:dropLine>
+    <cs:lnRef idx="0"/>
+    <cs:fillRef idx="0"/>
+    <cs:effectRef idx="0"/>
+    <cs:fontRef idx="minor">
+      <a:schemeClr val="tx1"/>
+    </cs:fontRef>
+    <cs:spPr>
+      <a:ln w="9525" cap="flat" cmpd="sng" algn="ctr">
+        <a:solidFill>
+          <a:schemeClr val="tx1">
+            <a:lumMod val="35000"/>
+            <a:lumOff val="65000"/>
+          </a:schemeClr>
+        </a:solidFill>
+        <a:round/>
+      </a:ln>
+    </cs:spPr>
+  </cs:dropLine>
+  <cs:errorBar>
+    <cs:lnRef idx="0"/>
+    <cs:fillRef idx="0"/>
+    <cs:effectRef idx="0"/>
+    <cs:fontRef idx="minor">
+      <a:schemeClr val="tx1"/>
+    </cs:fontRef>
+    <cs:spPr>
+      <a:ln w="9525" cap="flat" cmpd="sng" algn="ctr">
+        <a:solidFill>
+          <a:schemeClr val="tx1">
+            <a:lumMod val="65000"/>
+            <a:lumOff val="35000"/>
+          </a:schemeClr>
+        </a:solidFill>
+        <a:round/>
+      </a:ln>
+    </cs:spPr>
+  </cs:errorBar>
+  <cs:floor>
+    <cs:lnRef idx="0"/>
+    <cs:fillRef idx="0"/>
+    <cs:effectRef idx="0"/>
+    <cs:fontRef idx="minor">
+      <a:schemeClr val="tx1"/>
+    </cs:fontRef>
+    <cs:spPr>
+      <a:noFill/>
+      <a:ln>
+        <a:noFill/>
+      </a:ln>
+    </cs:spPr>
+  </cs:floor>
+  <cs:gridlineMajor>
+    <cs:lnRef idx="0"/>
+    <cs:fillRef idx="0"/>
+    <cs:effectRef idx="0"/>
+    <cs:fontRef idx="minor">
+      <a:schemeClr val="tx1"/>
+    </cs:fontRef>
+    <cs:spPr>
+      <a:ln w="9525" cap="flat" cmpd="sng" algn="ctr">
+        <a:solidFill>
+          <a:schemeClr val="tx1">
+            <a:lumMod val="15000"/>
+            <a:lumOff val="85000"/>
+          </a:schemeClr>
+        </a:solidFill>
+        <a:round/>
+      </a:ln>
+    </cs:spPr>
+  </cs:gridlineMajor>
+  <cs:gridlineMinor>
+    <cs:lnRef idx="0"/>
+    <cs:fillRef idx="0"/>
+    <cs:effectRef idx="0"/>
+    <cs:fontRef idx="minor">
+      <a:schemeClr val="tx1"/>
+    </cs:fontRef>
+    <cs:spPr>
+      <a:ln w="9525" cap="flat" cmpd="sng" algn="ctr">
+        <a:solidFill>
+          <a:schemeClr val="tx1">
+            <a:lumMod val="5000"/>
+            <a:lumOff val="95000"/>
+          </a:schemeClr>
+        </a:solidFill>
+        <a:round/>
+      </a:ln>
+    </cs:spPr>
+  </cs:gridlineMinor>
+  <cs:hiLoLine>
+    <cs:lnRef idx="0"/>
+    <cs:fillRef idx="0"/>
+    <cs:effectRef idx="0"/>
+    <cs:fontRef idx="minor">
+      <a:schemeClr val="tx1"/>
+    </cs:fontRef>
+    <cs:spPr>
+      <a:ln w="9525" cap="flat" cmpd="sng" algn="ctr">
+        <a:solidFill>
+          <a:schemeClr val="tx1">
+            <a:lumMod val="75000"/>
+            <a:lumOff val="25000"/>
+          </a:schemeClr>
+        </a:solidFill>
+        <a:round/>
+      </a:ln>
+    </cs:spPr>
+  </cs:hiLoLine>
+  <cs:leaderLine>
+    <cs:lnRef idx="0"/>
+    <cs:fillRef idx="0"/>
+    <cs:effectRef idx="0"/>
+    <cs:fontRef idx="minor">
+      <a:schemeClr val="tx1"/>
+    </cs:fontRef>
+    <cs:spPr>
+      <a:ln w="9525" cap="flat" cmpd="sng" algn="ctr">
+        <a:solidFill>
+          <a:schemeClr val="tx1">
+            <a:lumMod val="35000"/>
+            <a:lumOff val="65000"/>
+          </a:schemeClr>
+        </a:solidFill>
+        <a:round/>
+      </a:ln>
+    </cs:spPr>
+  </cs:leaderLine>
+  <cs:legend>
+    <cs:lnRef idx="0"/>
+    <cs:fillRef idx="0"/>
+    <cs:effectRef idx="0"/>
+    <cs:fontRef idx="minor">
+      <a:schemeClr val="tx1">
+        <a:lumMod val="65000"/>
+        <a:lumOff val="35000"/>
+      </a:schemeClr>
+    </cs:fontRef>
+    <cs:defRPr sz="1197" kern="1200"/>
+  </cs:legend>
+  <cs:plotArea mods="allowNoFillOverride allowNoLineOverride">
+    <cs:lnRef idx="0"/>
+    <cs:fillRef idx="0"/>
+    <cs:effectRef idx="0"/>
+    <cs:fontRef idx="minor">
+      <a:schemeClr val="tx1"/>
+    </cs:fontRef>
+  </cs:plotArea>
+  <cs:plotArea3D mods="allowNoFillOverride allowNoLineOverride">
+    <cs:lnRef idx="0"/>
+    <cs:fillRef idx="0"/>
+    <cs:effectRef idx="0"/>
+    <cs:fontRef idx="minor">
+      <a:schemeClr val="tx1"/>
+    </cs:fontRef>
+  </cs:plotArea3D>
+  <cs:seriesAxis>
+    <cs:lnRef idx="0"/>
+    <cs:fillRef idx="0"/>
+    <cs:effectRef idx="0"/>
+    <cs:fontRef idx="minor">
+      <a:schemeClr val="tx1">
+        <a:lumMod val="65000"/>
+        <a:lumOff val="35000"/>
+      </a:schemeClr>
+    </cs:fontRef>
+    <cs:defRPr sz="1197" kern="1200"/>
+  </cs:seriesAxis>
+  <cs:seriesLine>
+    <cs:lnRef idx="0"/>
+    <cs:fillRef idx="0"/>
+    <cs:effectRef idx="0"/>
+    <cs:fontRef idx="minor">
+      <a:schemeClr val="tx1"/>
+    </cs:fontRef>
+    <cs:spPr>
+      <a:ln w="9525" cap="flat" cmpd="sng" algn="ctr">
+        <a:solidFill>
+          <a:schemeClr val="tx1">
+            <a:lumMod val="35000"/>
+            <a:lumOff val="65000"/>
+          </a:schemeClr>
+        </a:solidFill>
+        <a:round/>
+      </a:ln>
+    </cs:spPr>
+  </cs:seriesLine>
+  <cs:title>
+    <cs:lnRef idx="0"/>
+    <cs:fillRef idx="0"/>
+    <cs:effectRef idx="0"/>
+    <cs:fontRef idx="minor">
+      <a:schemeClr val="tx1">
+        <a:lumMod val="65000"/>
+        <a:lumOff val="35000"/>
+      </a:schemeClr>
+    </cs:fontRef>
+    <cs:defRPr sz="1862" b="0" kern="1200" spc="0" baseline="0"/>
+  </cs:title>
+  <cs:trendline>
+    <cs:lnRef idx="0">
+      <cs:styleClr val="auto"/>
+    </cs:lnRef>
+    <cs:fillRef idx="0"/>
+    <cs:effectRef idx="0"/>
+    <cs:fontRef idx="minor">
+      <a:schemeClr val="tx1"/>
+    </cs:fontRef>
+    <cs:spPr>
+      <a:ln w="19050" cap="rnd">
+        <a:solidFill>
+          <a:schemeClr val="phClr"/>
+        </a:solidFill>
+        <a:prstDash val="sysDot"/>
+      </a:ln>
+    </cs:spPr>
+  </cs:trendline>
+  <cs:trendlineLabel>
+    <cs:lnRef idx="0"/>
+    <cs:fillRef idx="0"/>
+    <cs:effectRef idx="0"/>
+    <cs:fontRef idx="minor">
+      <a:schemeClr val="tx1">
+        <a:lumMod val="65000"/>
+        <a:lumOff val="35000"/>
+      </a:schemeClr>
+    </cs:fontRef>
+    <cs:defRPr sz="1197" kern="1200"/>
+  </cs:trendlineLabel>
+  <cs:upBar>
+    <cs:lnRef idx="0"/>
+    <cs:fillRef idx="0"/>
+    <cs:effectRef idx="0"/>
+    <cs:fontRef idx="minor">
+      <a:schemeClr val="dk1"/>
+    </cs:fontRef>
+    <cs:spPr>
+      <a:solidFill>
+        <a:schemeClr val="lt1"/>
+      </a:solidFill>
+      <a:ln w="9525">
+        <a:solidFill>
+          <a:schemeClr val="tx1">
+            <a:lumMod val="15000"/>
+            <a:lumOff val="85000"/>
+          </a:schemeClr>
+        </a:solidFill>
+      </a:ln>
+    </cs:spPr>
+  </cs:upBar>
+  <cs:valueAxis>
+    <cs:lnRef idx="0"/>
+    <cs:fillRef idx="0"/>
+    <cs:effectRef idx="0"/>
+    <cs:fontRef idx="minor">
+      <a:schemeClr val="tx1">
+        <a:lumMod val="65000"/>
+        <a:lumOff val="35000"/>
+      </a:schemeClr>
+    </cs:fontRef>
+    <cs:defRPr sz="1197" kern="1200"/>
+  </cs:valueAxis>
+  <cs:wall>
+    <cs:lnRef idx="0"/>
+    <cs:fillRef idx="0"/>
+    <cs:effectRef idx="0"/>
+    <cs:fontRef idx="minor">
+      <a:schemeClr val="tx1"/>
+    </cs:fontRef>
+    <cs:spPr>
+      <a:noFill/>
+      <a:ln>
+        <a:noFill/>
+      </a:ln>
+    </cs:spPr>
+  </cs:wall>
+</cs:chartStyle>
+</file>
+
+<file path=ppt/charts/style2.xml><?xml version="1.0" encoding="utf-8"?>
+<cs:chartStyle xmlns:cs="http://schemas.microsoft.com/office/drawing/2012/chartStyle" xmlns:a="http://schemas.openxmlformats.org/drawingml/2006/main" id="227">
+  <cs:axisTitle>
+    <cs:lnRef idx="0"/>
+    <cs:fillRef idx="0"/>
+    <cs:effectRef idx="0"/>
+    <cs:fontRef idx="minor">
+      <a:schemeClr val="tx1">
+        <a:lumMod val="65000"/>
+        <a:lumOff val="35000"/>
+      </a:schemeClr>
+    </cs:fontRef>
+    <cs:defRPr sz="1330" kern="1200"/>
+  </cs:axisTitle>
+  <cs:categoryAxis>
+    <cs:lnRef idx="0"/>
+    <cs:fillRef idx="0"/>
+    <cs:effectRef idx="0"/>
+    <cs:fontRef idx="minor">
+      <a:schemeClr val="tx1">
+        <a:lumMod val="65000"/>
+        <a:lumOff val="35000"/>
+      </a:schemeClr>
+    </cs:fontRef>
+    <cs:spPr>
+      <a:ln w="9525" cap="flat" cmpd="sng" algn="ctr">
+        <a:solidFill>
+          <a:schemeClr val="tx1">
+            <a:lumMod val="15000"/>
+            <a:lumOff val="85000"/>
+          </a:schemeClr>
+        </a:solidFill>
+        <a:round/>
+      </a:ln>
+    </cs:spPr>
+    <cs:defRPr sz="1197" kern="1200"/>
+  </cs:categoryAxis>
+  <cs:chartArea mods="allowNoFillOverride allowNoLineOverride">
+    <cs:lnRef idx="0"/>
+    <cs:fillRef idx="0"/>
+    <cs:effectRef idx="0"/>
+    <cs:fontRef idx="minor">
+      <a:schemeClr val="tx1"/>
+    </cs:fontRef>
+    <cs:spPr>
+      <a:solidFill>
+        <a:schemeClr val="bg1"/>
+      </a:solidFill>
+      <a:ln w="9525" cap="flat" cmpd="sng" algn="ctr">
+        <a:solidFill>
+          <a:schemeClr val="tx1">
+            <a:lumMod val="15000"/>
+            <a:lumOff val="85000"/>
+          </a:schemeClr>
+        </a:solidFill>
+        <a:round/>
+      </a:ln>
+    </cs:spPr>
+    <cs:defRPr sz="1330" kern="1200"/>
+  </cs:chartArea>
+  <cs:dataLabel>
+    <cs:lnRef idx="0"/>
+    <cs:fillRef idx="0"/>
+    <cs:effectRef idx="0"/>
+    <cs:fontRef idx="minor">
+      <a:schemeClr val="tx1">
+        <a:lumMod val="75000"/>
+        <a:lumOff val="25000"/>
+      </a:schemeClr>
+    </cs:fontRef>
+    <cs:defRPr sz="1197" kern="1200"/>
+  </cs:dataLabel>
+  <cs:dataLabelCallout>
+    <cs:lnRef idx="0"/>
+    <cs:fillRef idx="0"/>
+    <cs:effectRef idx="0"/>
+    <cs:fontRef idx="minor">
+      <a:schemeClr val="dk1">
+        <a:lumMod val="65000"/>
+        <a:lumOff val="35000"/>
+      </a:schemeClr>
+    </cs:fontRef>
+    <cs:spPr>
+      <a:solidFill>
+        <a:schemeClr val="lt1"/>
+      </a:solidFill>
+      <a:ln>
+        <a:solidFill>
+          <a:schemeClr val="dk1">
+            <a:lumMod val="25000"/>
+            <a:lumOff val="75000"/>
+          </a:schemeClr>
+        </a:solidFill>
+      </a:ln>
+    </cs:spPr>
+    <cs:defRPr sz="1197" kern="1200"/>
+    <cs:bodyPr rot="0" spcFirstLastPara="1" vertOverflow="clip" horzOverflow="clip" vert="horz" wrap="square" lIns="36576" tIns="18288" rIns="36576" bIns="18288" anchor="ctr" anchorCtr="1">
+      <a:spAutoFit/>
+    </cs:bodyPr>
+  </cs:dataLabelCallout>
+  <cs:dataPoint>
+    <cs:lnRef idx="0"/>
+    <cs:fillRef idx="1">
+      <cs:styleClr val="auto"/>
+    </cs:fillRef>
+    <cs:effectRef idx="0"/>
+    <cs:fontRef idx="minor">
+      <a:schemeClr val="tx1"/>
+    </cs:fontRef>
+    <cs:spPr>
+      <a:solidFill>
+        <a:schemeClr val="phClr"/>
+      </a:solidFill>
+    </cs:spPr>
+  </cs:dataPoint>
+  <cs:dataPoint3D>
+    <cs:lnRef idx="0"/>
+    <cs:fillRef idx="1">
+      <cs:styleClr val="auto"/>
+    </cs:fillRef>
+    <cs:effectRef idx="0"/>
+    <cs:fontRef idx="minor">
+      <a:schemeClr val="tx1"/>
+    </cs:fontRef>
+    <cs:spPr>
+      <a:solidFill>
+        <a:schemeClr val="phClr"/>
+      </a:solidFill>
+    </cs:spPr>
+  </cs:dataPoint3D>
+  <cs:dataPointLine>
+    <cs:lnRef idx="0">
+      <cs:styleClr val="auto"/>
+    </cs:lnRef>
+    <cs:fillRef idx="1"/>
+    <cs:effectRef idx="0"/>
+    <cs:fontRef idx="minor">
+      <a:schemeClr val="tx1"/>
+    </cs:fontRef>
+    <cs:spPr>
+      <a:ln w="28575" cap="rnd">
+        <a:solidFill>
+          <a:schemeClr val="phClr"/>
+        </a:solidFill>
+        <a:round/>
+      </a:ln>
+    </cs:spPr>
+  </cs:dataPointLine>
+  <cs:dataPointMarker>
+    <cs:lnRef idx="0">
+      <cs:styleClr val="auto"/>
+    </cs:lnRef>
+    <cs:fillRef idx="1">
+      <cs:styleClr val="auto"/>
+    </cs:fillRef>
+    <cs:effectRef idx="0"/>
+    <cs:fontRef idx="minor">
+      <a:schemeClr val="tx1"/>
+    </cs:fontRef>
+    <cs:spPr>
+      <a:solidFill>
+        <a:schemeClr val="phClr"/>
+      </a:solidFill>
+      <a:ln w="9525">
+        <a:solidFill>
+          <a:schemeClr val="phClr"/>
+        </a:solidFill>
+      </a:ln>
+    </cs:spPr>
+  </cs:dataPointMarker>
+  <cs:dataPointMarkerLayout symbol="circle" size="5"/>
+  <cs:dataPointWireframe>
+    <cs:lnRef idx="0">
+      <cs:styleClr val="auto"/>
+    </cs:lnRef>
+    <cs:fillRef idx="1"/>
+    <cs:effectRef idx="0"/>
+    <cs:fontRef idx="minor">
+      <a:schemeClr val="tx1"/>
+    </cs:fontRef>
+    <cs:spPr>
+      <a:ln w="9525" cap="rnd">
+        <a:solidFill>
+          <a:schemeClr val="phClr"/>
+        </a:solidFill>
+        <a:round/>
+      </a:ln>
+    </cs:spPr>
+  </cs:dataPointWireframe>
+  <cs:dataTable>
+    <cs:lnRef idx="0"/>
+    <cs:fillRef idx="0"/>
+    <cs:effectRef idx="0"/>
+    <cs:fontRef idx="minor">
+      <a:schemeClr val="tx1">
+        <a:lumMod val="65000"/>
+        <a:lumOff val="35000"/>
+      </a:schemeClr>
+    </cs:fontRef>
+    <cs:spPr>
+      <a:noFill/>
+      <a:ln w="9525" cap="flat" cmpd="sng" algn="ctr">
+        <a:solidFill>
+          <a:schemeClr val="tx1">
+            <a:lumMod val="15000"/>
+            <a:lumOff val="85000"/>
+          </a:schemeClr>
+        </a:solidFill>
+        <a:round/>
+      </a:ln>
+    </cs:spPr>
+    <cs:defRPr sz="1197" kern="1200"/>
+  </cs:dataTable>
+  <cs:downBar>
+    <cs:lnRef idx="0"/>
+    <cs:fillRef idx="0"/>
+    <cs:effectRef idx="0"/>
+    <cs:fontRef idx="minor">
+      <a:schemeClr val="dk1"/>
+    </cs:fontRef>
+    <cs:spPr>
+      <a:solidFill>
+        <a:schemeClr val="dk1">
+          <a:lumMod val="65000"/>
+          <a:lumOff val="35000"/>
+        </a:schemeClr>
+      </a:solidFill>
+      <a:ln w="9525">
+        <a:solidFill>
+          <a:schemeClr val="tx1">
+            <a:lumMod val="65000"/>
+            <a:lumOff val="35000"/>
+          </a:schemeClr>
+        </a:solidFill>
+      </a:ln>
+    </cs:spPr>
+  </cs:downBar>
+  <cs:dropLine>
+    <cs:lnRef idx="0"/>
+    <cs:fillRef idx="0"/>
+    <cs:effectRef idx="0"/>
+    <cs:fontRef idx="minor">
+      <a:schemeClr val="tx1"/>
+    </cs:fontRef>
+    <cs:spPr>
+      <a:ln w="9525" cap="flat" cmpd="sng" algn="ctr">
+        <a:solidFill>
+          <a:schemeClr val="tx1">
+            <a:lumMod val="35000"/>
+            <a:lumOff val="65000"/>
+          </a:schemeClr>
+        </a:solidFill>
+        <a:round/>
+      </a:ln>
+    </cs:spPr>
+  </cs:dropLine>
+  <cs:errorBar>
+    <cs:lnRef idx="0"/>
+    <cs:fillRef idx="0"/>
+    <cs:effectRef idx="0"/>
+    <cs:fontRef idx="minor">
+      <a:schemeClr val="tx1"/>
+    </cs:fontRef>
+    <cs:spPr>
+      <a:ln w="9525" cap="flat" cmpd="sng" algn="ctr">
+        <a:solidFill>
+          <a:schemeClr val="tx1">
+            <a:lumMod val="65000"/>
+            <a:lumOff val="35000"/>
+          </a:schemeClr>
+        </a:solidFill>
+        <a:round/>
+      </a:ln>
+    </cs:spPr>
+  </cs:errorBar>
+  <cs:floor>
+    <cs:lnRef idx="0"/>
+    <cs:fillRef idx="0"/>
+    <cs:effectRef idx="0"/>
+    <cs:fontRef idx="minor">
+      <a:schemeClr val="tx1"/>
+    </cs:fontRef>
+    <cs:spPr>
+      <a:noFill/>
+      <a:ln>
+        <a:noFill/>
+      </a:ln>
+    </cs:spPr>
+  </cs:floor>
+  <cs:gridlineMajor>
+    <cs:lnRef idx="0"/>
+    <cs:fillRef idx="0"/>
+    <cs:effectRef idx="0"/>
+    <cs:fontRef idx="minor">
+      <a:schemeClr val="tx1"/>
+    </cs:fontRef>
+    <cs:spPr>
+      <a:ln w="9525" cap="flat" cmpd="sng" algn="ctr">
+        <a:solidFill>
+          <a:schemeClr val="tx1">
+            <a:lumMod val="15000"/>
+            <a:lumOff val="85000"/>
+          </a:schemeClr>
+        </a:solidFill>
+        <a:round/>
+      </a:ln>
+    </cs:spPr>
+  </cs:gridlineMajor>
+  <cs:gridlineMinor>
+    <cs:lnRef idx="0"/>
+    <cs:fillRef idx="0"/>
+    <cs:effectRef idx="0"/>
+    <cs:fontRef idx="minor">
+      <a:schemeClr val="tx1"/>
+    </cs:fontRef>
+    <cs:spPr>
+      <a:ln w="9525" cap="flat" cmpd="sng" algn="ctr">
+        <a:solidFill>
+          <a:schemeClr val="tx1">
+            <a:lumMod val="5000"/>
+            <a:lumOff val="95000"/>
+          </a:schemeClr>
+        </a:solidFill>
+        <a:round/>
+      </a:ln>
+    </cs:spPr>
+  </cs:gridlineMinor>
+  <cs:hiLoLine>
+    <cs:lnRef idx="0"/>
+    <cs:fillRef idx="0"/>
+    <cs:effectRef idx="0"/>
+    <cs:fontRef idx="minor">
+      <a:schemeClr val="tx1"/>
+    </cs:fontRef>
+    <cs:spPr>
+      <a:ln w="9525" cap="flat" cmpd="sng" algn="ctr">
+        <a:solidFill>
+          <a:schemeClr val="tx1">
+            <a:lumMod val="75000"/>
+            <a:lumOff val="25000"/>
+          </a:schemeClr>
+        </a:solidFill>
+        <a:round/>
+      </a:ln>
+    </cs:spPr>
+  </cs:hiLoLine>
+  <cs:leaderLine>
+    <cs:lnRef idx="0"/>
+    <cs:fillRef idx="0"/>
+    <cs:effectRef idx="0"/>
+    <cs:fontRef idx="minor">
+      <a:schemeClr val="tx1"/>
+    </cs:fontRef>
+    <cs:spPr>
+      <a:ln w="9525" cap="flat" cmpd="sng" algn="ctr">
+        <a:solidFill>
+          <a:schemeClr val="tx1">
+            <a:lumMod val="35000"/>
+            <a:lumOff val="65000"/>
+          </a:schemeClr>
+        </a:solidFill>
+        <a:round/>
+      </a:ln>
+    </cs:spPr>
+  </cs:leaderLine>
+  <cs:legend>
+    <cs:lnRef idx="0"/>
+    <cs:fillRef idx="0"/>
+    <cs:effectRef idx="0"/>
+    <cs:fontRef idx="minor">
+      <a:schemeClr val="tx1">
+        <a:lumMod val="65000"/>
+        <a:lumOff val="35000"/>
+      </a:schemeClr>
+    </cs:fontRef>
+    <cs:defRPr sz="1197" kern="1200"/>
+  </cs:legend>
+  <cs:plotArea mods="allowNoFillOverride allowNoLineOverride">
+    <cs:lnRef idx="0"/>
+    <cs:fillRef idx="0"/>
+    <cs:effectRef idx="0"/>
+    <cs:fontRef idx="minor">
+      <a:schemeClr val="tx1"/>
+    </cs:fontRef>
+  </cs:plotArea>
+  <cs:plotArea3D mods="allowNoFillOverride allowNoLineOverride">
+    <cs:lnRef idx="0"/>
+    <cs:fillRef idx="0"/>
+    <cs:effectRef idx="0"/>
+    <cs:fontRef idx="minor">
+      <a:schemeClr val="tx1"/>
+    </cs:fontRef>
+  </cs:plotArea3D>
+  <cs:seriesAxis>
+    <cs:lnRef idx="0"/>
+    <cs:fillRef idx="0"/>
+    <cs:effectRef idx="0"/>
+    <cs:fontRef idx="minor">
+      <a:schemeClr val="tx1">
+        <a:lumMod val="65000"/>
+        <a:lumOff val="35000"/>
+      </a:schemeClr>
+    </cs:fontRef>
+    <cs:defRPr sz="1197" kern="1200"/>
+  </cs:seriesAxis>
+  <cs:seriesLine>
+    <cs:lnRef idx="0"/>
+    <cs:fillRef idx="0"/>
+    <cs:effectRef idx="0"/>
+    <cs:fontRef idx="minor">
+      <a:schemeClr val="tx1"/>
+    </cs:fontRef>
+    <cs:spPr>
+      <a:ln w="9525" cap="flat" cmpd="sng" algn="ctr">
+        <a:solidFill>
+          <a:schemeClr val="tx1">
+            <a:lumMod val="35000"/>
+            <a:lumOff val="65000"/>
+          </a:schemeClr>
+        </a:solidFill>
+        <a:round/>
+      </a:ln>
+    </cs:spPr>
+  </cs:seriesLine>
+  <cs:title>
+    <cs:lnRef idx="0"/>
+    <cs:fillRef idx="0"/>
+    <cs:effectRef idx="0"/>
+    <cs:fontRef idx="minor">
+      <a:schemeClr val="tx1">
+        <a:lumMod val="65000"/>
+        <a:lumOff val="35000"/>
+      </a:schemeClr>
+    </cs:fontRef>
+    <cs:defRPr sz="1862" b="0" kern="1200" spc="0" baseline="0"/>
+  </cs:title>
+  <cs:trendline>
+    <cs:lnRef idx="0">
+      <cs:styleClr val="auto"/>
+    </cs:lnRef>
+    <cs:fillRef idx="0"/>
+    <cs:effectRef idx="0"/>
+    <cs:fontRef idx="minor">
+      <a:schemeClr val="tx1"/>
+    </cs:fontRef>
+    <cs:spPr>
+      <a:ln w="19050" cap="rnd">
+        <a:solidFill>
+          <a:schemeClr val="phClr"/>
+        </a:solidFill>
+        <a:prstDash val="sysDot"/>
+      </a:ln>
+    </cs:spPr>
+  </cs:trendline>
+  <cs:trendlineLabel>
+    <cs:lnRef idx="0"/>
+    <cs:fillRef idx="0"/>
+    <cs:effectRef idx="0"/>
+    <cs:fontRef idx="minor">
+      <a:schemeClr val="tx1">
+        <a:lumMod val="65000"/>
+        <a:lumOff val="35000"/>
+      </a:schemeClr>
+    </cs:fontRef>
+    <cs:defRPr sz="1197" kern="1200"/>
+  </cs:trendlineLabel>
+  <cs:upBar>
+    <cs:lnRef idx="0"/>
+    <cs:fillRef idx="0"/>
+    <cs:effectRef idx="0"/>
+    <cs:fontRef idx="minor">
+      <a:schemeClr val="dk1"/>
+    </cs:fontRef>
+    <cs:spPr>
+      <a:solidFill>
+        <a:schemeClr val="lt1"/>
+      </a:solidFill>
+      <a:ln w="9525">
+        <a:solidFill>
+          <a:schemeClr val="tx1">
+            <a:lumMod val="15000"/>
+            <a:lumOff val="85000"/>
+          </a:schemeClr>
+        </a:solidFill>
+      </a:ln>
+    </cs:spPr>
+  </cs:upBar>
+  <cs:valueAxis>
+    <cs:lnRef idx="0"/>
+    <cs:fillRef idx="0"/>
+    <cs:effectRef idx="0"/>
+    <cs:fontRef idx="minor">
+      <a:schemeClr val="tx1">
+        <a:lumMod val="65000"/>
+        <a:lumOff val="35000"/>
+      </a:schemeClr>
+    </cs:fontRef>
+    <cs:defRPr sz="1197" kern="1200"/>
+  </cs:valueAxis>
+  <cs:wall>
+    <cs:lnRef idx="0"/>
+    <cs:fillRef idx="0"/>
+    <cs:effectRef idx="0"/>
+    <cs:fontRef idx="minor">
+      <a:schemeClr val="tx1"/>
+    </cs:fontRef>
+    <cs:spPr>
+      <a:noFill/>
+      <a:ln>
+        <a:noFill/>
+      </a:ln>
+    </cs:spPr>
+  </cs:wall>
+</cs:chartStyle>
+</file>
+
+<file path=ppt/charts/style3.xml><?xml version="1.0" encoding="utf-8"?>
+<cs:chartStyle xmlns:cs="http://schemas.microsoft.com/office/drawing/2012/chartStyle" xmlns:a="http://schemas.openxmlformats.org/drawingml/2006/main" id="227">
+  <cs:axisTitle>
+    <cs:lnRef idx="0"/>
+    <cs:fillRef idx="0"/>
+    <cs:effectRef idx="0"/>
+    <cs:fontRef idx="minor">
+      <a:schemeClr val="tx1">
+        <a:lumMod val="65000"/>
+        <a:lumOff val="35000"/>
+      </a:schemeClr>
+    </cs:fontRef>
+    <cs:defRPr sz="1330" kern="1200"/>
+  </cs:axisTitle>
+  <cs:categoryAxis>
+    <cs:lnRef idx="0"/>
+    <cs:fillRef idx="0"/>
+    <cs:effectRef idx="0"/>
+    <cs:fontRef idx="minor">
+      <a:schemeClr val="tx1">
+        <a:lumMod val="65000"/>
+        <a:lumOff val="35000"/>
+      </a:schemeClr>
+    </cs:fontRef>
+    <cs:spPr>
+      <a:ln w="9525" cap="flat" cmpd="sng" algn="ctr">
+        <a:solidFill>
+          <a:schemeClr val="tx1">
+            <a:lumMod val="15000"/>
+            <a:lumOff val="85000"/>
+          </a:schemeClr>
+        </a:solidFill>
+        <a:round/>
+      </a:ln>
+    </cs:spPr>
+    <cs:defRPr sz="1197" kern="1200"/>
+  </cs:categoryAxis>
+  <cs:chartArea mods="allowNoFillOverride allowNoLineOverride">
+    <cs:lnRef idx="0"/>
+    <cs:fillRef idx="0"/>
+    <cs:effectRef idx="0"/>
+    <cs:fontRef idx="minor">
+      <a:schemeClr val="tx1"/>
+    </cs:fontRef>
+    <cs:spPr>
+      <a:solidFill>
+        <a:schemeClr val="bg1"/>
+      </a:solidFill>
+      <a:ln w="9525" cap="flat" cmpd="sng" algn="ctr">
+        <a:solidFill>
+          <a:schemeClr val="tx1">
+            <a:lumMod val="15000"/>
+            <a:lumOff val="85000"/>
+          </a:schemeClr>
+        </a:solidFill>
+        <a:round/>
+      </a:ln>
+    </cs:spPr>
+    <cs:defRPr sz="1330" kern="1200"/>
+  </cs:chartArea>
+  <cs:dataLabel>
+    <cs:lnRef idx="0"/>
+    <cs:fillRef idx="0"/>
+    <cs:effectRef idx="0"/>
+    <cs:fontRef idx="minor">
+      <a:schemeClr val="tx1">
+        <a:lumMod val="75000"/>
+        <a:lumOff val="25000"/>
+      </a:schemeClr>
+    </cs:fontRef>
+    <cs:defRPr sz="1197" kern="1200"/>
+  </cs:dataLabel>
+  <cs:dataLabelCallout>
+    <cs:lnRef idx="0"/>
+    <cs:fillRef idx="0"/>
+    <cs:effectRef idx="0"/>
+    <cs:fontRef idx="minor">
+      <a:schemeClr val="dk1">
+        <a:lumMod val="65000"/>
+        <a:lumOff val="35000"/>
+      </a:schemeClr>
+    </cs:fontRef>
+    <cs:spPr>
+      <a:solidFill>
+        <a:schemeClr val="lt1"/>
+      </a:solidFill>
+      <a:ln>
+        <a:solidFill>
+          <a:schemeClr val="dk1">
+            <a:lumMod val="25000"/>
+            <a:lumOff val="75000"/>
+          </a:schemeClr>
+        </a:solidFill>
+      </a:ln>
+    </cs:spPr>
+    <cs:defRPr sz="1197" kern="1200"/>
+    <cs:bodyPr rot="0" spcFirstLastPara="1" vertOverflow="clip" horzOverflow="clip" vert="horz" wrap="square" lIns="36576" tIns="18288" rIns="36576" bIns="18288" anchor="ctr" anchorCtr="1">
+      <a:spAutoFit/>
+    </cs:bodyPr>
+  </cs:dataLabelCallout>
+  <cs:dataPoint>
+    <cs:lnRef idx="0"/>
+    <cs:fillRef idx="1">
+      <cs:styleClr val="auto"/>
+    </cs:fillRef>
+    <cs:effectRef idx="0"/>
+    <cs:fontRef idx="minor">
+      <a:schemeClr val="tx1"/>
+    </cs:fontRef>
+    <cs:spPr>
+      <a:solidFill>
+        <a:schemeClr val="phClr"/>
+      </a:solidFill>
+    </cs:spPr>
+  </cs:dataPoint>
+  <cs:dataPoint3D>
+    <cs:lnRef idx="0"/>
+    <cs:fillRef idx="1">
+      <cs:styleClr val="auto"/>
+    </cs:fillRef>
+    <cs:effectRef idx="0"/>
+    <cs:fontRef idx="minor">
+      <a:schemeClr val="tx1"/>
+    </cs:fontRef>
+    <cs:spPr>
+      <a:solidFill>
+        <a:schemeClr val="phClr"/>
+      </a:solidFill>
+    </cs:spPr>
+  </cs:dataPoint3D>
+  <cs:dataPointLine>
+    <cs:lnRef idx="0">
+      <cs:styleClr val="auto"/>
+    </cs:lnRef>
+    <cs:fillRef idx="1"/>
+    <cs:effectRef idx="0"/>
+    <cs:fontRef idx="minor">
+      <a:schemeClr val="tx1"/>
+    </cs:fontRef>
+    <cs:spPr>
+      <a:ln w="28575" cap="rnd">
+        <a:solidFill>
+          <a:schemeClr val="phClr"/>
+        </a:solidFill>
+        <a:round/>
+      </a:ln>
+    </cs:spPr>
+  </cs:dataPointLine>
+  <cs:dataPointMarker>
+    <cs:lnRef idx="0">
+      <cs:styleClr val="auto"/>
+    </cs:lnRef>
+    <cs:fillRef idx="1">
+      <cs:styleClr val="auto"/>
+    </cs:fillRef>
+    <cs:effectRef idx="0"/>
+    <cs:fontRef idx="minor">
+      <a:schemeClr val="tx1"/>
+    </cs:fontRef>
+    <cs:spPr>
+      <a:solidFill>
+        <a:schemeClr val="phClr"/>
+      </a:solidFill>
+      <a:ln w="9525">
+        <a:solidFill>
+          <a:schemeClr val="phClr"/>
+        </a:solidFill>
+      </a:ln>
+    </cs:spPr>
+  </cs:dataPointMarker>
+  <cs:dataPointMarkerLayout symbol="circle" size="5"/>
+  <cs:dataPointWireframe>
+    <cs:lnRef idx="0">
+      <cs:styleClr val="auto"/>
+    </cs:lnRef>
+    <cs:fillRef idx="1"/>
+    <cs:effectRef idx="0"/>
+    <cs:fontRef idx="minor">
+      <a:schemeClr val="tx1"/>
+    </cs:fontRef>
+    <cs:spPr>
+      <a:ln w="9525" cap="rnd">
+        <a:solidFill>
+          <a:schemeClr val="phClr"/>
+        </a:solidFill>
+        <a:round/>
+      </a:ln>
+    </cs:spPr>
+  </cs:dataPointWireframe>
+  <cs:dataTable>
+    <cs:lnRef idx="0"/>
+    <cs:fillRef idx="0"/>
+    <cs:effectRef idx="0"/>
+    <cs:fontRef idx="minor">
+      <a:schemeClr val="tx1">
+        <a:lumMod val="65000"/>
+        <a:lumOff val="35000"/>
+      </a:schemeClr>
+    </cs:fontRef>
+    <cs:spPr>
+      <a:noFill/>
+      <a:ln w="9525" cap="flat" cmpd="sng" algn="ctr">
+        <a:solidFill>
+          <a:schemeClr val="tx1">
+            <a:lumMod val="15000"/>
+            <a:lumOff val="85000"/>
+          </a:schemeClr>
+        </a:solidFill>
+        <a:round/>
+      </a:ln>
+    </cs:spPr>
+    <cs:defRPr sz="1197" kern="1200"/>
+  </cs:dataTable>
+  <cs:downBar>
+    <cs:lnRef idx="0"/>
+    <cs:fillRef idx="0"/>
+    <cs:effectRef idx="0"/>
+    <cs:fontRef idx="minor">
+      <a:schemeClr val="dk1"/>
+    </cs:fontRef>
+    <cs:spPr>
+      <a:solidFill>
+        <a:schemeClr val="dk1">
+          <a:lumMod val="65000"/>
+          <a:lumOff val="35000"/>
+        </a:schemeClr>
+      </a:solidFill>
+      <a:ln w="9525">
+        <a:solidFill>
+          <a:schemeClr val="tx1">
+            <a:lumMod val="65000"/>
+            <a:lumOff val="35000"/>
+          </a:schemeClr>
+        </a:solidFill>
+      </a:ln>
+    </cs:spPr>
+  </cs:downBar>
+  <cs:dropLine>
+    <cs:lnRef idx="0"/>
+    <cs:fillRef idx="0"/>
+    <cs:effectRef idx="0"/>
+    <cs:fontRef idx="minor">
+      <a:schemeClr val="tx1"/>
+    </cs:fontRef>
+    <cs:spPr>
+      <a:ln w="9525" cap="flat" cmpd="sng" algn="ctr">
+        <a:solidFill>
+          <a:schemeClr val="tx1">
+            <a:lumMod val="35000"/>
+            <a:lumOff val="65000"/>
+          </a:schemeClr>
+        </a:solidFill>
+        <a:round/>
+      </a:ln>
+    </cs:spPr>
+  </cs:dropLine>
+  <cs:errorBar>
+    <cs:lnRef idx="0"/>
+    <cs:fillRef idx="0"/>
+    <cs:effectRef idx="0"/>
+    <cs:fontRef idx="minor">
+      <a:schemeClr val="tx1"/>
+    </cs:fontRef>
+    <cs:spPr>
+      <a:ln w="9525" cap="flat" cmpd="sng" algn="ctr">
+        <a:solidFill>
+          <a:schemeClr val="tx1">
+            <a:lumMod val="65000"/>
+            <a:lumOff val="35000"/>
+          </a:schemeClr>
+        </a:solidFill>
+        <a:round/>
+      </a:ln>
+    </cs:spPr>
+  </cs:errorBar>
+  <cs:floor>
+    <cs:lnRef idx="0"/>
+    <cs:fillRef idx="0"/>
+    <cs:effectRef idx="0"/>
+    <cs:fontRef idx="minor">
+      <a:schemeClr val="tx1"/>
+    </cs:fontRef>
+    <cs:spPr>
+      <a:noFill/>
+      <a:ln>
+        <a:noFill/>
+      </a:ln>
+    </cs:spPr>
+  </cs:floor>
+  <cs:gridlineMajor>
+    <cs:lnRef idx="0"/>
+    <cs:fillRef idx="0"/>
+    <cs:effectRef idx="0"/>
+    <cs:fontRef idx="minor">
+      <a:schemeClr val="tx1"/>
+    </cs:fontRef>
+    <cs:spPr>
+      <a:ln w="9525" cap="flat" cmpd="sng" algn="ctr">
+        <a:solidFill>
+          <a:schemeClr val="tx1">
+            <a:lumMod val="15000"/>
+            <a:lumOff val="85000"/>
+          </a:schemeClr>
+        </a:solidFill>
+        <a:round/>
+      </a:ln>
+    </cs:spPr>
+  </cs:gridlineMajor>
+  <cs:gridlineMinor>
+    <cs:lnRef idx="0"/>
+    <cs:fillRef idx="0"/>
+    <cs:effectRef idx="0"/>
+    <cs:fontRef idx="minor">
+      <a:schemeClr val="tx1"/>
+    </cs:fontRef>
+    <cs:spPr>
+      <a:ln w="9525" cap="flat" cmpd="sng" algn="ctr">
+        <a:solidFill>
+          <a:schemeClr val="tx1">
+            <a:lumMod val="5000"/>
+            <a:lumOff val="95000"/>
+          </a:schemeClr>
+        </a:solidFill>
+        <a:round/>
+      </a:ln>
+    </cs:spPr>
+  </cs:gridlineMinor>
+  <cs:hiLoLine>
+    <cs:lnRef idx="0"/>
+    <cs:fillRef idx="0"/>
+    <cs:effectRef idx="0"/>
+    <cs:fontRef idx="minor">
+      <a:schemeClr val="tx1"/>
+    </cs:fontRef>
+    <cs:spPr>
+      <a:ln w="9525" cap="flat" cmpd="sng" algn="ctr">
+        <a:solidFill>
+          <a:schemeClr val="tx1">
+            <a:lumMod val="75000"/>
+            <a:lumOff val="25000"/>
+          </a:schemeClr>
+        </a:solidFill>
+        <a:round/>
+      </a:ln>
+    </cs:spPr>
+  </cs:hiLoLine>
+  <cs:leaderLine>
+    <cs:lnRef idx="0"/>
+    <cs:fillRef idx="0"/>
+    <cs:effectRef idx="0"/>
+    <cs:fontRef idx="minor">
+      <a:schemeClr val="tx1"/>
+    </cs:fontRef>
+    <cs:spPr>
+      <a:ln w="9525" cap="flat" cmpd="sng" algn="ctr">
+        <a:solidFill>
+          <a:schemeClr val="tx1">
+            <a:lumMod val="35000"/>
+            <a:lumOff val="65000"/>
+          </a:schemeClr>
+        </a:solidFill>
+        <a:round/>
+      </a:ln>
+    </cs:spPr>
+  </cs:leaderLine>
+  <cs:legend>
+    <cs:lnRef idx="0"/>
+    <cs:fillRef idx="0"/>
+    <cs:effectRef idx="0"/>
+    <cs:fontRef idx="minor">
+      <a:schemeClr val="tx1">
+        <a:lumMod val="65000"/>
+        <a:lumOff val="35000"/>
+      </a:schemeClr>
+    </cs:fontRef>
+    <cs:defRPr sz="1197" kern="1200"/>
+  </cs:legend>
+  <cs:plotArea mods="allowNoFillOverride allowNoLineOverride">
+    <cs:lnRef idx="0"/>
+    <cs:fillRef idx="0"/>
+    <cs:effectRef idx="0"/>
+    <cs:fontRef idx="minor">
+      <a:schemeClr val="tx1"/>
+    </cs:fontRef>
+  </cs:plotArea>
+  <cs:plotArea3D mods="allowNoFillOverride allowNoLineOverride">
+    <cs:lnRef idx="0"/>
+    <cs:fillRef idx="0"/>
+    <cs:effectRef idx="0"/>
+    <cs:fontRef idx="minor">
+      <a:schemeClr val="tx1"/>
+    </cs:fontRef>
+  </cs:plotArea3D>
+  <cs:seriesAxis>
+    <cs:lnRef idx="0"/>
+    <cs:fillRef idx="0"/>
+    <cs:effectRef idx="0"/>
+    <cs:fontRef idx="minor">
+      <a:schemeClr val="tx1">
+        <a:lumMod val="65000"/>
+        <a:lumOff val="35000"/>
+      </a:schemeClr>
+    </cs:fontRef>
+    <cs:defRPr sz="1197" kern="1200"/>
+  </cs:seriesAxis>
+  <cs:seriesLine>
+    <cs:lnRef idx="0"/>
+    <cs:fillRef idx="0"/>
+    <cs:effectRef idx="0"/>
+    <cs:fontRef idx="minor">
+      <a:schemeClr val="tx1"/>
+    </cs:fontRef>
+    <cs:spPr>
+      <a:ln w="9525" cap="flat" cmpd="sng" algn="ctr">
+        <a:solidFill>
+          <a:schemeClr val="tx1">
+            <a:lumMod val="35000"/>
+            <a:lumOff val="65000"/>
+          </a:schemeClr>
+        </a:solidFill>
+        <a:round/>
+      </a:ln>
+    </cs:spPr>
+  </cs:seriesLine>
+  <cs:title>
+    <cs:lnRef idx="0"/>
+    <cs:fillRef idx="0"/>
+    <cs:effectRef idx="0"/>
+    <cs:fontRef idx="minor">
+      <a:schemeClr val="tx1">
+        <a:lumMod val="65000"/>
+        <a:lumOff val="35000"/>
+      </a:schemeClr>
+    </cs:fontRef>
+    <cs:defRPr sz="1862" b="0" kern="1200" spc="0" baseline="0"/>
+  </cs:title>
+  <cs:trendline>
+    <cs:lnRef idx="0">
+      <cs:styleClr val="auto"/>
+    </cs:lnRef>
+    <cs:fillRef idx="0"/>
+    <cs:effectRef idx="0"/>
+    <cs:fontRef idx="minor">
+      <a:schemeClr val="tx1"/>
+    </cs:fontRef>
+    <cs:spPr>
+      <a:ln w="19050" cap="rnd">
+        <a:solidFill>
+          <a:schemeClr val="phClr"/>
+        </a:solidFill>
+        <a:prstDash val="sysDot"/>
+      </a:ln>
+    </cs:spPr>
+  </cs:trendline>
+  <cs:trendlineLabel>
+    <cs:lnRef idx="0"/>
+    <cs:fillRef idx="0"/>
+    <cs:effectRef idx="0"/>
+    <cs:fontRef idx="minor">
+      <a:schemeClr val="tx1">
+        <a:lumMod val="65000"/>
+        <a:lumOff val="35000"/>
+      </a:schemeClr>
+    </cs:fontRef>
+    <cs:defRPr sz="1197" kern="1200"/>
+  </cs:trendlineLabel>
+  <cs:upBar>
+    <cs:lnRef idx="0"/>
+    <cs:fillRef idx="0"/>
+    <cs:effectRef idx="0"/>
+    <cs:fontRef idx="minor">
+      <a:schemeClr val="dk1"/>
+    </cs:fontRef>
+    <cs:spPr>
+      <a:solidFill>
+        <a:schemeClr val="lt1"/>
+      </a:solidFill>
+      <a:ln w="9525">
+        <a:solidFill>
+          <a:schemeClr val="tx1">
+            <a:lumMod val="15000"/>
+            <a:lumOff val="85000"/>
+          </a:schemeClr>
+        </a:solidFill>
+      </a:ln>
+    </cs:spPr>
+  </cs:upBar>
+  <cs:valueAxis>
+    <cs:lnRef idx="0"/>
+    <cs:fillRef idx="0"/>
+    <cs:effectRef idx="0"/>
+    <cs:fontRef idx="minor">
+      <a:schemeClr val="tx1">
+        <a:lumMod val="65000"/>
+        <a:lumOff val="35000"/>
+      </a:schemeClr>
+    </cs:fontRef>
+    <cs:defRPr sz="1197" kern="1200"/>
+  </cs:valueAxis>
+  <cs:wall>
+    <cs:lnRef idx="0"/>
+    <cs:fillRef idx="0"/>
+    <cs:effectRef idx="0"/>
+    <cs:fontRef idx="minor">
+      <a:schemeClr val="tx1"/>
+    </cs:fontRef>
+    <cs:spPr>
+      <a:noFill/>
+      <a:ln>
+        <a:noFill/>
+      </a:ln>
+    </cs:spPr>
+  </cs:wall>
+</cs:chartStyle>
+</file>
+
+<file path=ppt/charts/style4.xml><?xml version="1.0" encoding="utf-8"?>
+<cs:chartStyle xmlns:cs="http://schemas.microsoft.com/office/drawing/2012/chartStyle" xmlns:a="http://schemas.openxmlformats.org/drawingml/2006/main" id="227">
+  <cs:axisTitle>
+    <cs:lnRef idx="0"/>
+    <cs:fillRef idx="0"/>
+    <cs:effectRef idx="0"/>
+    <cs:fontRef idx="minor">
+      <a:schemeClr val="tx1">
+        <a:lumMod val="65000"/>
+        <a:lumOff val="35000"/>
+      </a:schemeClr>
+    </cs:fontRef>
+    <cs:defRPr sz="1330" kern="1200"/>
+  </cs:axisTitle>
+  <cs:categoryAxis>
+    <cs:lnRef idx="0"/>
+    <cs:fillRef idx="0"/>
+    <cs:effectRef idx="0"/>
+    <cs:fontRef idx="minor">
+      <a:schemeClr val="tx1">
+        <a:lumMod val="65000"/>
+        <a:lumOff val="35000"/>
+      </a:schemeClr>
+    </cs:fontRef>
+    <cs:spPr>
+      <a:ln w="9525" cap="flat" cmpd="sng" algn="ctr">
+        <a:solidFill>
+          <a:schemeClr val="tx1">
+            <a:lumMod val="15000"/>
+            <a:lumOff val="85000"/>
+          </a:schemeClr>
+        </a:solidFill>
+        <a:round/>
+      </a:ln>
+    </cs:spPr>
+    <cs:defRPr sz="1197" kern="1200"/>
+  </cs:categoryAxis>
+  <cs:chartArea mods="allowNoFillOverride allowNoLineOverride">
+    <cs:lnRef idx="0"/>
+    <cs:fillRef idx="0"/>
+    <cs:effectRef idx="0"/>
+    <cs:fontRef idx="minor">
+      <a:schemeClr val="tx1"/>
+    </cs:fontRef>
+    <cs:spPr>
+      <a:solidFill>
+        <a:schemeClr val="bg1"/>
+      </a:solidFill>
+      <a:ln w="9525" cap="flat" cmpd="sng" algn="ctr">
+        <a:solidFill>
+          <a:schemeClr val="tx1">
+            <a:lumMod val="15000"/>
+            <a:lumOff val="85000"/>
+          </a:schemeClr>
+        </a:solidFill>
+        <a:round/>
+      </a:ln>
+    </cs:spPr>
+    <cs:defRPr sz="1330" kern="1200"/>
+  </cs:chartArea>
+  <cs:dataLabel>
+    <cs:lnRef idx="0"/>
+    <cs:fillRef idx="0"/>
+    <cs:effectRef idx="0"/>
+    <cs:fontRef idx="minor">
+      <a:schemeClr val="tx1">
+        <a:lumMod val="75000"/>
+        <a:lumOff val="25000"/>
+      </a:schemeClr>
+    </cs:fontRef>
+    <cs:defRPr sz="1197" kern="1200"/>
+  </cs:dataLabel>
+  <cs:dataLabelCallout>
+    <cs:lnRef idx="0"/>
+    <cs:fillRef idx="0"/>
+    <cs:effectRef idx="0"/>
+    <cs:fontRef idx="minor">
+      <a:schemeClr val="dk1">
+        <a:lumMod val="65000"/>
+        <a:lumOff val="35000"/>
+      </a:schemeClr>
+    </cs:fontRef>
+    <cs:spPr>
+      <a:solidFill>
+        <a:schemeClr val="lt1"/>
+      </a:solidFill>
+      <a:ln>
+        <a:solidFill>
+          <a:schemeClr val="dk1">
+            <a:lumMod val="25000"/>
+            <a:lumOff val="75000"/>
+          </a:schemeClr>
+        </a:solidFill>
+      </a:ln>
+    </cs:spPr>
+    <cs:defRPr sz="1197" kern="1200"/>
+    <cs:bodyPr rot="0" spcFirstLastPara="1" vertOverflow="clip" horzOverflow="clip" vert="horz" wrap="square" lIns="36576" tIns="18288" rIns="36576" bIns="18288" anchor="ctr" anchorCtr="1">
+      <a:spAutoFit/>
+    </cs:bodyPr>
+  </cs:dataLabelCallout>
+  <cs:dataPoint>
+    <cs:lnRef idx="0"/>
+    <cs:fillRef idx="1">
+      <cs:styleClr val="auto"/>
+    </cs:fillRef>
+    <cs:effectRef idx="0"/>
+    <cs:fontRef idx="minor">
+      <a:schemeClr val="tx1"/>
+    </cs:fontRef>
+    <cs:spPr>
+      <a:solidFill>
+        <a:schemeClr val="phClr"/>
+      </a:solidFill>
+    </cs:spPr>
+  </cs:dataPoint>
+  <cs:dataPoint3D>
+    <cs:lnRef idx="0"/>
+    <cs:fillRef idx="1">
+      <cs:styleClr val="auto"/>
+    </cs:fillRef>
+    <cs:effectRef idx="0"/>
+    <cs:fontRef idx="minor">
+      <a:schemeClr val="tx1"/>
+    </cs:fontRef>
+    <cs:spPr>
+      <a:solidFill>
+        <a:schemeClr val="phClr"/>
+      </a:solidFill>
+    </cs:spPr>
+  </cs:dataPoint3D>
+  <cs:dataPointLine>
+    <cs:lnRef idx="0">
+      <cs:styleClr val="auto"/>
+    </cs:lnRef>
+    <cs:fillRef idx="1"/>
+    <cs:effectRef idx="0"/>
+    <cs:fontRef idx="minor">
+      <a:schemeClr val="tx1"/>
+    </cs:fontRef>
+    <cs:spPr>
+      <a:ln w="28575" cap="rnd">
+        <a:solidFill>
+          <a:schemeClr val="phClr"/>
+        </a:solidFill>
+        <a:round/>
+      </a:ln>
+    </cs:spPr>
+  </cs:dataPointLine>
+  <cs:dataPointMarker>
+    <cs:lnRef idx="0">
+      <cs:styleClr val="auto"/>
+    </cs:lnRef>
+    <cs:fillRef idx="1">
+      <cs:styleClr val="auto"/>
+    </cs:fillRef>
+    <cs:effectRef idx="0"/>
+    <cs:fontRef idx="minor">
+      <a:schemeClr val="tx1"/>
+    </cs:fontRef>
+    <cs:spPr>
+      <a:solidFill>
+        <a:schemeClr val="phClr"/>
+      </a:solidFill>
+      <a:ln w="9525">
+        <a:solidFill>
+          <a:schemeClr val="phClr"/>
+        </a:solidFill>
+      </a:ln>
+    </cs:spPr>
+  </cs:dataPointMarker>
+  <cs:dataPointMarkerLayout symbol="circle" size="5"/>
+  <cs:dataPointWireframe>
+    <cs:lnRef idx="0">
+      <cs:styleClr val="auto"/>
+    </cs:lnRef>
+    <cs:fillRef idx="1"/>
+    <cs:effectRef idx="0"/>
+    <cs:fontRef idx="minor">
+      <a:schemeClr val="tx1"/>
+    </cs:fontRef>
+    <cs:spPr>
+      <a:ln w="9525" cap="rnd">
+        <a:solidFill>
+          <a:schemeClr val="phClr"/>
+        </a:solidFill>
+        <a:round/>
+      </a:ln>
+    </cs:spPr>
+  </cs:dataPointWireframe>
+  <cs:dataTable>
+    <cs:lnRef idx="0"/>
+    <cs:fillRef idx="0"/>
+    <cs:effectRef idx="0"/>
+    <cs:fontRef idx="minor">
+      <a:schemeClr val="tx1">
+        <a:lumMod val="65000"/>
+        <a:lumOff val="35000"/>
+      </a:schemeClr>
+    </cs:fontRef>
+    <cs:spPr>
+      <a:noFill/>
+      <a:ln w="9525" cap="flat" cmpd="sng" algn="ctr">
+        <a:solidFill>
+          <a:schemeClr val="tx1">
+            <a:lumMod val="15000"/>
+            <a:lumOff val="85000"/>
+          </a:schemeClr>
+        </a:solidFill>
+        <a:round/>
+      </a:ln>
+    </cs:spPr>
+    <cs:defRPr sz="1197" kern="1200"/>
+  </cs:dataTable>
+  <cs:downBar>
+    <cs:lnRef idx="0"/>
+    <cs:fillRef idx="0"/>
+    <cs:effectRef idx="0"/>
+    <cs:fontRef idx="minor">
+      <a:schemeClr val="dk1"/>
+    </cs:fontRef>
+    <cs:spPr>
+      <a:solidFill>
+        <a:schemeClr val="dk1">
+          <a:lumMod val="65000"/>
+          <a:lumOff val="35000"/>
+        </a:schemeClr>
+      </a:solidFill>
+      <a:ln w="9525">
+        <a:solidFill>
+          <a:schemeClr val="tx1">
+            <a:lumMod val="65000"/>
+            <a:lumOff val="35000"/>
+          </a:schemeClr>
+        </a:solidFill>
+      </a:ln>
+    </cs:spPr>
+  </cs:downBar>
+  <cs:dropLine>
+    <cs:lnRef idx="0"/>
+    <cs:fillRef idx="0"/>
+    <cs:effectRef idx="0"/>
+    <cs:fontRef idx="minor">
+      <a:schemeClr val="tx1"/>
+    </cs:fontRef>
+    <cs:spPr>
+      <a:ln w="9525" cap="flat" cmpd="sng" algn="ctr">
+        <a:solidFill>
+          <a:schemeClr val="tx1">
+            <a:lumMod val="35000"/>
+            <a:lumOff val="65000"/>
+          </a:schemeClr>
+        </a:solidFill>
+        <a:round/>
+      </a:ln>
+    </cs:spPr>
+  </cs:dropLine>
+  <cs:errorBar>
+    <cs:lnRef idx="0"/>
+    <cs:fillRef idx="0"/>
+    <cs:effectRef idx="0"/>
+    <cs:fontRef idx="minor">
+      <a:schemeClr val="tx1"/>
+    </cs:fontRef>
+    <cs:spPr>
+      <a:ln w="9525" cap="flat" cmpd="sng" algn="ctr">
+        <a:solidFill>
+          <a:schemeClr val="tx1">
+            <a:lumMod val="65000"/>
+            <a:lumOff val="35000"/>
+          </a:schemeClr>
+        </a:solidFill>
+        <a:round/>
+      </a:ln>
+    </cs:spPr>
+  </cs:errorBar>
+  <cs:floor>
+    <cs:lnRef idx="0"/>
+    <cs:fillRef idx="0"/>
+    <cs:effectRef idx="0"/>
+    <cs:fontRef idx="minor">
+      <a:schemeClr val="tx1"/>
+    </cs:fontRef>
+    <cs:spPr>
+      <a:noFill/>
+      <a:ln>
+        <a:noFill/>
+      </a:ln>
+    </cs:spPr>
+  </cs:floor>
+  <cs:gridlineMajor>
+    <cs:lnRef idx="0"/>
+    <cs:fillRef idx="0"/>
+    <cs:effectRef idx="0"/>
+    <cs:fontRef idx="minor">
+      <a:schemeClr val="tx1"/>
+    </cs:fontRef>
+    <cs:spPr>
+      <a:ln w="9525" cap="flat" cmpd="sng" algn="ctr">
+        <a:solidFill>
+          <a:schemeClr val="tx1">
+            <a:lumMod val="15000"/>
+            <a:lumOff val="85000"/>
+          </a:schemeClr>
+        </a:solidFill>
+        <a:round/>
+      </a:ln>
+    </cs:spPr>
+  </cs:gridlineMajor>
+  <cs:gridlineMinor>
+    <cs:lnRef idx="0"/>
+    <cs:fillRef idx="0"/>
+    <cs:effectRef idx="0"/>
+    <cs:fontRef idx="minor">
+      <a:schemeClr val="tx1"/>
+    </cs:fontRef>
+    <cs:spPr>
+      <a:ln w="9525" cap="flat" cmpd="sng" algn="ctr">
+        <a:solidFill>
+          <a:schemeClr val="tx1">
+            <a:lumMod val="5000"/>
+            <a:lumOff val="95000"/>
+          </a:schemeClr>
+        </a:solidFill>
+        <a:round/>
+      </a:ln>
+    </cs:spPr>
+  </cs:gridlineMinor>
+  <cs:hiLoLine>
+    <cs:lnRef idx="0"/>
+    <cs:fillRef idx="0"/>
+    <cs:effectRef idx="0"/>
+    <cs:fontRef idx="minor">
+      <a:schemeClr val="tx1"/>
+    </cs:fontRef>
+    <cs:spPr>
+      <a:ln w="9525" cap="flat" cmpd="sng" algn="ctr">
+        <a:solidFill>
+          <a:schemeClr val="tx1">
+            <a:lumMod val="75000"/>
+            <a:lumOff val="25000"/>
+          </a:schemeClr>
+        </a:solidFill>
+        <a:round/>
+      </a:ln>
+    </cs:spPr>
+  </cs:hiLoLine>
+  <cs:leaderLine>
+    <cs:lnRef idx="0"/>
+    <cs:fillRef idx="0"/>
+    <cs:effectRef idx="0"/>
+    <cs:fontRef idx="minor">
+      <a:schemeClr val="tx1"/>
+    </cs:fontRef>
+    <cs:spPr>
+      <a:ln w="9525" cap="flat" cmpd="sng" algn="ctr">
+        <a:solidFill>
+          <a:schemeClr val="tx1">
+            <a:lumMod val="35000"/>
+            <a:lumOff val="65000"/>
+          </a:schemeClr>
+        </a:solidFill>
+        <a:round/>
+      </a:ln>
+    </cs:spPr>
+  </cs:leaderLine>
+  <cs:legend>
+    <cs:lnRef idx="0"/>
+    <cs:fillRef idx="0"/>
+    <cs:effectRef idx="0"/>
+    <cs:fontRef idx="minor">
+      <a:schemeClr val="tx1">
+        <a:lumMod val="65000"/>
+        <a:lumOff val="35000"/>
+      </a:schemeClr>
+    </cs:fontRef>
+    <cs:defRPr sz="1197" kern="1200"/>
+  </cs:legend>
+  <cs:plotArea mods="allowNoFillOverride allowNoLineOverride">
+    <cs:lnRef idx="0"/>
+    <cs:fillRef idx="0"/>
+    <cs:effectRef idx="0"/>
+    <cs:fontRef idx="minor">
+      <a:schemeClr val="tx1"/>
+    </cs:fontRef>
+  </cs:plotArea>
+  <cs:plotArea3D mods="allowNoFillOverride allowNoLineOverride">
+    <cs:lnRef idx="0"/>
+    <cs:fillRef idx="0"/>
+    <cs:effectRef idx="0"/>
+    <cs:fontRef idx="minor">
+      <a:schemeClr val="tx1"/>
+    </cs:fontRef>
+  </cs:plotArea3D>
+  <cs:seriesAxis>
+    <cs:lnRef idx="0"/>
+    <cs:fillRef idx="0"/>
+    <cs:effectRef idx="0"/>
+    <cs:fontRef idx="minor">
+      <a:schemeClr val="tx1">
+        <a:lumMod val="65000"/>
+        <a:lumOff val="35000"/>
+      </a:schemeClr>
+    </cs:fontRef>
+    <cs:defRPr sz="1197" kern="1200"/>
+  </cs:seriesAxis>
+  <cs:seriesLine>
+    <cs:lnRef idx="0"/>
+    <cs:fillRef idx="0"/>
+    <cs:effectRef idx="0"/>
+    <cs:fontRef idx="minor">
+      <a:schemeClr val="tx1"/>
+    </cs:fontRef>
+    <cs:spPr>
+      <a:ln w="9525" cap="flat" cmpd="sng" algn="ctr">
+        <a:solidFill>
+          <a:schemeClr val="tx1">
+            <a:lumMod val="35000"/>
+            <a:lumOff val="65000"/>
+          </a:schemeClr>
+        </a:solidFill>
+        <a:round/>
+      </a:ln>
+    </cs:spPr>
+  </cs:seriesLine>
+  <cs:title>
+    <cs:lnRef idx="0"/>
+    <cs:fillRef idx="0"/>
+    <cs:effectRef idx="0"/>
+    <cs:fontRef idx="minor">
+      <a:schemeClr val="tx1">
+        <a:lumMod val="65000"/>
+        <a:lumOff val="35000"/>
+      </a:schemeClr>
+    </cs:fontRef>
+    <cs:defRPr sz="1862" b="0" kern="1200" spc="0" baseline="0"/>
+  </cs:title>
+  <cs:trendline>
+    <cs:lnRef idx="0">
+      <cs:styleClr val="auto"/>
+    </cs:lnRef>
+    <cs:fillRef idx="0"/>
+    <cs:effectRef idx="0"/>
+    <cs:fontRef idx="minor">
+      <a:schemeClr val="tx1"/>
+    </cs:fontRef>
+    <cs:spPr>
+      <a:ln w="19050" cap="rnd">
+        <a:solidFill>
+          <a:schemeClr val="phClr"/>
+        </a:solidFill>
+        <a:prstDash val="sysDot"/>
+      </a:ln>
+    </cs:spPr>
+  </cs:trendline>
+  <cs:trendlineLabel>
+    <cs:lnRef idx="0"/>
+    <cs:fillRef idx="0"/>
+    <cs:effectRef idx="0"/>
+    <cs:fontRef idx="minor">
+      <a:schemeClr val="tx1">
+        <a:lumMod val="65000"/>
+        <a:lumOff val="35000"/>
+      </a:schemeClr>
+    </cs:fontRef>
+    <cs:defRPr sz="1197" kern="1200"/>
+  </cs:trendlineLabel>
+  <cs:upBar>
+    <cs:lnRef idx="0"/>
+    <cs:fillRef idx="0"/>
+    <cs:effectRef idx="0"/>
+    <cs:fontRef idx="minor">
+      <a:schemeClr val="dk1"/>
+    </cs:fontRef>
+    <cs:spPr>
+      <a:solidFill>
+        <a:schemeClr val="lt1"/>
+      </a:solidFill>
+      <a:ln w="9525">
+        <a:solidFill>
+          <a:schemeClr val="tx1">
+            <a:lumMod val="15000"/>
+            <a:lumOff val="85000"/>
+          </a:schemeClr>
+        </a:solidFill>
+      </a:ln>
+    </cs:spPr>
+  </cs:upBar>
+  <cs:valueAxis>
+    <cs:lnRef idx="0"/>
+    <cs:fillRef idx="0"/>
+    <cs:effectRef idx="0"/>
+    <cs:fontRef idx="minor">
+      <a:schemeClr val="tx1">
+        <a:lumMod val="65000"/>
+        <a:lumOff val="35000"/>
+      </a:schemeClr>
+    </cs:fontRef>
+    <cs:defRPr sz="1197" kern="1200"/>
+  </cs:valueAxis>
+  <cs:wall>
+    <cs:lnRef idx="0"/>
+    <cs:fillRef idx="0"/>
+    <cs:effectRef idx="0"/>
+    <cs:fontRef idx="minor">
+      <a:schemeClr val="tx1"/>
+    </cs:fontRef>
+    <cs:spPr>
+      <a:noFill/>
+      <a:ln>
+        <a:noFill/>
+      </a:ln>
+    </cs:spPr>
+  </cs:wall>
+</cs:chartStyle>
+</file>
+
+<file path=ppt/notesMasters/notesMaster1.xml><?xml version="1.0" encoding="utf-8"?>
+<p:notesMaster xmlns:a="http://schemas.openxmlformats.org/drawingml/2006/main" xmlns:r="http://schemas.openxmlformats.org/officeDocument/2006/relationships" xmlns:p="http://schemas.openxmlformats.org/presentationml/2006/main">
+  <p:cSld>
+    <p:bg>
+      <p:bgRef idx="1001">
+        <a:schemeClr val="bg1"/>
+      </p:bgRef>
+    </p:bg>
+    <p:spTree>
+      <p:nvGrpSpPr>
+        <p:cNvPr id="1" name=""/>
+        <p:cNvGrpSpPr/>
+        <p:nvPr/>
+      </p:nvGrpSpPr>
+      <p:grpSpPr>
+        <a:xfrm>
+          <a:off x="0" y="0"/>
+          <a:ext cx="0" cy="0"/>
+          <a:chOff x="0" y="0"/>
+          <a:chExt cx="0" cy="0"/>
+        </a:xfrm>
+      </p:grpSpPr>
+      <p:sp>
+        <p:nvSpPr>
+          <p:cNvPr id="2" name="Header Placeholder 1"/>
+          <p:cNvSpPr>
+            <a:spLocks noGrp="1"/>
+          </p:cNvSpPr>
+          <p:nvPr>
+            <p:ph type="hdr" sz="quarter"/>
+          </p:nvPr>
+        </p:nvSpPr>
+        <p:spPr>
+          <a:xfrm>
+            <a:off x="0" y="0"/>
+            <a:ext cx="2971800" cy="458788"/>
+          </a:xfrm>
+          <a:prstGeom prst="rect">
+            <a:avLst/>
+          </a:prstGeom>
+        </p:spPr>
+        <p:txBody>
+          <a:bodyPr vert="horz" lIns="91440" tIns="45720" rIns="91440" bIns="45720" rtlCol="0"/>
+          <a:lstStyle>
+            <a:lvl1pPr algn="l">
+              <a:defRPr sz="1200"/>
+            </a:lvl1pPr>
+          </a:lstStyle>
+          <a:p>
+            <a:endParaRPr lang="en-US"/>
+          </a:p>
+        </p:txBody>
+      </p:sp>
+      <p:sp>
+        <p:nvSpPr>
+          <p:cNvPr id="3" name="Date Placeholder 2"/>
+          <p:cNvSpPr>
+            <a:spLocks noGrp="1"/>
+          </p:cNvSpPr>
+          <p:nvPr>
+            <p:ph type="dt" idx="1"/>
+          </p:nvPr>
+        </p:nvSpPr>
+        <p:spPr>
+          <a:xfrm>
+            <a:off x="3884613" y="0"/>
+            <a:ext cx="2971800" cy="458788"/>
+          </a:xfrm>
+          <a:prstGeom prst="rect">
+            <a:avLst/>
+          </a:prstGeom>
+        </p:spPr>
+        <p:txBody>
+          <a:bodyPr vert="horz" lIns="91440" tIns="45720" rIns="91440" bIns="45720" rtlCol="0"/>
+          <a:lstStyle>
+            <a:lvl1pPr algn="r">
+              <a:defRPr sz="1200"/>
+            </a:lvl1pPr>
+          </a:lstStyle>
+          <a:p>
+            <a:fld id="{6A48812B-4885-4A5D-A9D4-9574E510B262}" type="datetimeFigureOut">
+              <a:rPr lang="en-US" smtClean="0"/>
+              <a:t>6/12/2025</a:t>
+            </a:fld>
+            <a:endParaRPr lang="en-US"/>
+          </a:p>
+        </p:txBody>
+      </p:sp>
+      <p:sp>
+        <p:nvSpPr>
+          <p:cNvPr id="4" name="Slide Image Placeholder 3"/>
+          <p:cNvSpPr>
+            <a:spLocks noGrp="1" noRot="1" noChangeAspect="1"/>
+          </p:cNvSpPr>
+          <p:nvPr>
+            <p:ph type="sldImg" idx="2"/>
+          </p:nvPr>
+        </p:nvSpPr>
+        <p:spPr>
+          <a:xfrm>
+            <a:off x="685800" y="1143000"/>
+            <a:ext cx="5486400" cy="3086100"/>
+          </a:xfrm>
+          <a:prstGeom prst="rect">
+            <a:avLst/>
+          </a:prstGeom>
+          <a:noFill/>
+          <a:ln w="12700">
+            <a:solidFill>
+              <a:prstClr val="black"/>
+            </a:solidFill>
+          </a:ln>
+        </p:spPr>
+        <p:txBody>
+          <a:bodyPr vert="horz" lIns="91440" tIns="45720" rIns="91440" bIns="45720" rtlCol="0" anchor="ctr"/>
+          <a:lstStyle/>
+          <a:p>
+            <a:endParaRPr lang="en-US"/>
+          </a:p>
+        </p:txBody>
+      </p:sp>
+      <p:sp>
+        <p:nvSpPr>
+          <p:cNvPr id="5" name="Notes Placeholder 4"/>
+          <p:cNvSpPr>
+            <a:spLocks noGrp="1"/>
+          </p:cNvSpPr>
+          <p:nvPr>
+            <p:ph type="body" sz="quarter" idx="3"/>
+          </p:nvPr>
+        </p:nvSpPr>
+        <p:spPr>
+          <a:xfrm>
+            <a:off x="685800" y="4400550"/>
+            <a:ext cx="5486400" cy="3600450"/>
+          </a:xfrm>
+          <a:prstGeom prst="rect">
+            <a:avLst/>
+          </a:prstGeom>
+        </p:spPr>
+        <p:txBody>
+          <a:bodyPr vert="horz" lIns="91440" tIns="45720" rIns="91440" bIns="45720" rtlCol="0"/>
+          <a:lstStyle/>
+          <a:p>
+            <a:pPr lvl="0"/>
+            <a:r>
+              <a:rPr lang="en-US"/>
+              <a:t>Click to edit Master text styles</a:t>
+            </a:r>
+          </a:p>
+          <a:p>
+            <a:pPr lvl="1"/>
+            <a:r>
+              <a:rPr lang="en-US"/>
+              <a:t>Second level</a:t>
+            </a:r>
+          </a:p>
+          <a:p>
+            <a:pPr lvl="2"/>
+            <a:r>
+              <a:rPr lang="en-US"/>
+              <a:t>Third level</a:t>
+            </a:r>
+          </a:p>
+          <a:p>
+            <a:pPr lvl="3"/>
+            <a:r>
+              <a:rPr lang="en-US"/>
+              <a:t>Fourth level</a:t>
+            </a:r>
+          </a:p>
+          <a:p>
+            <a:pPr lvl="4"/>
+            <a:r>
+              <a:rPr lang="en-US"/>
+              <a:t>Fifth level</a:t>
+            </a:r>
+          </a:p>
+        </p:txBody>
+      </p:sp>
+      <p:sp>
+        <p:nvSpPr>
+          <p:cNvPr id="6" name="Footer Placeholder 5"/>
+          <p:cNvSpPr>
+            <a:spLocks noGrp="1"/>
+          </p:cNvSpPr>
+          <p:nvPr>
+            <p:ph type="ftr" sz="quarter" idx="4"/>
+          </p:nvPr>
+        </p:nvSpPr>
+        <p:spPr>
+          <a:xfrm>
+            <a:off x="0" y="8685213"/>
+            <a:ext cx="2971800" cy="458787"/>
+          </a:xfrm>
+          <a:prstGeom prst="rect">
+            <a:avLst/>
+          </a:prstGeom>
+        </p:spPr>
+        <p:txBody>
+          <a:bodyPr vert="horz" lIns="91440" tIns="45720" rIns="91440" bIns="45720" rtlCol="0" anchor="b"/>
+          <a:lstStyle>
+            <a:lvl1pPr algn="l">
+              <a:defRPr sz="1200"/>
+            </a:lvl1pPr>
+          </a:lstStyle>
+          <a:p>
+            <a:endParaRPr lang="en-US"/>
+          </a:p>
+        </p:txBody>
+      </p:sp>
+      <p:sp>
+        <p:nvSpPr>
+          <p:cNvPr id="7" name="Slide Number Placeholder 6"/>
+          <p:cNvSpPr>
+            <a:spLocks noGrp="1"/>
+          </p:cNvSpPr>
+          <p:nvPr>
+            <p:ph type="sldNum" sz="quarter" idx="5"/>
+          </p:nvPr>
+        </p:nvSpPr>
+        <p:spPr>
+          <a:xfrm>
+            <a:off x="3884613" y="8685213"/>
+            <a:ext cx="2971800" cy="458787"/>
+          </a:xfrm>
+          <a:prstGeom prst="rect">
+            <a:avLst/>
+          </a:prstGeom>
+        </p:spPr>
+        <p:txBody>
+          <a:bodyPr vert="horz" lIns="91440" tIns="45720" rIns="91440" bIns="45720" rtlCol="0" anchor="b"/>
+          <a:lstStyle>
+            <a:lvl1pPr algn="r">
+              <a:defRPr sz="1200"/>
+            </a:lvl1pPr>
+          </a:lstStyle>
+          <a:p>
+            <a:fld id="{DAF4709D-C8AF-4892-8682-50C020419DEE}" type="slidenum">
+              <a:rPr lang="en-US" smtClean="0"/>
+              <a:t>‹#›</a:t>
+            </a:fld>
+            <a:endParaRPr lang="en-US"/>
+          </a:p>
+        </p:txBody>
+      </p:sp>
+    </p:spTree>
+    <p:extLst>
+      <p:ext uri="{BB962C8B-B14F-4D97-AF65-F5344CB8AC3E}">
+        <p14:creationId xmlns:p14="http://schemas.microsoft.com/office/powerpoint/2010/main" val="2770787309"/>
+      </p:ext>
+    </p:extLst>
+  </p:cSld>
+  <p:clrMap bg1="lt1" tx1="dk1" bg2="lt2" tx2="dk2" accent1="accent1" accent2="accent2" accent3="accent3" accent4="accent4" accent5="accent5" accent6="accent6" hlink="hlink" folHlink="folHlink"/>
+  <p:notesStyle>
+    <a:lvl1pPr marL="0" algn="l" defTabSz="914400" rtl="0" eaLnBrk="1" latinLnBrk="0" hangingPunct="1">
+      <a:defRPr sz="1200" kern="1200">
+        <a:solidFill>
+          <a:schemeClr val="tx1"/>
+        </a:solidFill>
+        <a:latin typeface="+mn-lt"/>
+        <a:ea typeface="+mn-ea"/>
+        <a:cs typeface="+mn-cs"/>
+      </a:defRPr>
+    </a:lvl1pPr>
+    <a:lvl2pPr marL="457200" algn="l" defTabSz="914400" rtl="0" eaLnBrk="1" latinLnBrk="0" hangingPunct="1">
+      <a:defRPr sz="1200" kern="1200">
+        <a:solidFill>
+          <a:schemeClr val="tx1"/>
+        </a:solidFill>
+        <a:latin typeface="+mn-lt"/>
+        <a:ea typeface="+mn-ea"/>
+        <a:cs typeface="+mn-cs"/>
+      </a:defRPr>
+    </a:lvl2pPr>
+    <a:lvl3pPr marL="914400" algn="l" defTabSz="914400" rtl="0" eaLnBrk="1" latinLnBrk="0" hangingPunct="1">
+      <a:defRPr sz="1200" kern="1200">
+        <a:solidFill>
+          <a:schemeClr val="tx1"/>
+        </a:solidFill>
+        <a:latin typeface="+mn-lt"/>
+        <a:ea typeface="+mn-ea"/>
+        <a:cs typeface="+mn-cs"/>
+      </a:defRPr>
+    </a:lvl3pPr>
+    <a:lvl4pPr marL="1371600" algn="l" defTabSz="914400" rtl="0" eaLnBrk="1" latinLnBrk="0" hangingPunct="1">
+      <a:defRPr sz="1200" kern="1200">
+        <a:solidFill>
+          <a:schemeClr val="tx1"/>
+        </a:solidFill>
+        <a:latin typeface="+mn-lt"/>
+        <a:ea typeface="+mn-ea"/>
+        <a:cs typeface="+mn-cs"/>
+      </a:defRPr>
+    </a:lvl4pPr>
+    <a:lvl5pPr marL="1828800" algn="l" defTabSz="914400" rtl="0" eaLnBrk="1" latinLnBrk="0" hangingPunct="1">
+      <a:defRPr sz="1200" kern="1200">
+        <a:solidFill>
+          <a:schemeClr val="tx1"/>
+        </a:solidFill>
+        <a:latin typeface="+mn-lt"/>
+        <a:ea typeface="+mn-ea"/>
+        <a:cs typeface="+mn-cs"/>
+      </a:defRPr>
+    </a:lvl5pPr>
+    <a:lvl6pPr marL="2286000" algn="l" defTabSz="914400" rtl="0" eaLnBrk="1" latinLnBrk="0" hangingPunct="1">
+      <a:defRPr sz="1200" kern="1200">
+        <a:solidFill>
+          <a:schemeClr val="tx1"/>
+        </a:solidFill>
+        <a:latin typeface="+mn-lt"/>
+        <a:ea typeface="+mn-ea"/>
+        <a:cs typeface="+mn-cs"/>
+      </a:defRPr>
+    </a:lvl6pPr>
+    <a:lvl7pPr marL="2743200" algn="l" defTabSz="914400" rtl="0" eaLnBrk="1" latinLnBrk="0" hangingPunct="1">
+      <a:defRPr sz="1200" kern="1200">
+        <a:solidFill>
+          <a:schemeClr val="tx1"/>
+        </a:solidFill>
+        <a:latin typeface="+mn-lt"/>
+        <a:ea typeface="+mn-ea"/>
+        <a:cs typeface="+mn-cs"/>
+      </a:defRPr>
+    </a:lvl7pPr>
+    <a:lvl8pPr marL="3200400" algn="l" defTabSz="914400" rtl="0" eaLnBrk="1" latinLnBrk="0" hangingPunct="1">
+      <a:defRPr sz="1200" kern="1200">
+        <a:solidFill>
+          <a:schemeClr val="tx1"/>
+        </a:solidFill>
+        <a:latin typeface="+mn-lt"/>
+        <a:ea typeface="+mn-ea"/>
+        <a:cs typeface="+mn-cs"/>
+      </a:defRPr>
+    </a:lvl8pPr>
+    <a:lvl9pPr marL="3657600" algn="l" defTabSz="914400" rtl="0" eaLnBrk="1" latinLnBrk="0" hangingPunct="1">
+      <a:defRPr sz="1200" kern="1200">
+        <a:solidFill>
+          <a:schemeClr val="tx1"/>
+        </a:solidFill>
+        <a:latin typeface="+mn-lt"/>
+        <a:ea typeface="+mn-ea"/>
+        <a:cs typeface="+mn-cs"/>
+      </a:defRPr>
+    </a:lvl9pPr>
+  </p:notesStyle>
+</p:notesMaster>
+</file>
+
+<file path=ppt/notesSlides/notesSlide1.xml><?xml version="1.0" encoding="utf-8"?>
+<p:notes xmlns:a="http://schemas.openxmlformats.org/drawingml/2006/main" xmlns:r="http://schemas.openxmlformats.org/officeDocument/2006/relationships" xmlns:p="http://schemas.openxmlformats.org/presentationml/2006/main">
+  <p:cSld>
+    <p:spTree>
+      <p:nvGrpSpPr>
+        <p:cNvPr id="1" name=""/>
+        <p:cNvGrpSpPr/>
+        <p:nvPr/>
+      </p:nvGrpSpPr>
+      <p:grpSpPr>
+        <a:xfrm>
+          <a:off x="0" y="0"/>
+          <a:ext cx="0" cy="0"/>
+          <a:chOff x="0" y="0"/>
+          <a:chExt cx="0" cy="0"/>
+        </a:xfrm>
+      </p:grpSpPr>
+      <p:sp>
+        <p:nvSpPr>
+          <p:cNvPr id="2" name="Slide Image Placeholder 1"/>
+          <p:cNvSpPr>
+            <a:spLocks noGrp="1" noRot="1" noChangeAspect="1"/>
+          </p:cNvSpPr>
+          <p:nvPr>
+            <p:ph type="sldImg"/>
+          </p:nvPr>
+        </p:nvSpPr>
+        <p:spPr/>
+      </p:sp>
+      <p:sp>
+        <p:nvSpPr>
+          <p:cNvPr id="3" name="Notes Placeholder 2"/>
+          <p:cNvSpPr>
+            <a:spLocks noGrp="1"/>
+          </p:cNvSpPr>
+          <p:nvPr>
+            <p:ph type="body" idx="1"/>
+          </p:nvPr>
+        </p:nvSpPr>
+        <p:spPr/>
+        <p:txBody>
+          <a:bodyPr/>
+          <a:lstStyle/>
+          <a:p>
+            <a:r>
+              <a:rPr lang="hr-HR" dirty="0"/>
+              <a:t>Cuckoo filter možemo zamisliti kao polje pretinaca gdje je svaki pretinac jedan od dvije lokacije na koje neki fingerprint može biti spremljen.</a:t>
+            </a:r>
+            <a:endParaRPr lang="en-US" dirty="0"/>
+          </a:p>
+        </p:txBody>
+      </p:sp>
+      <p:sp>
+        <p:nvSpPr>
+          <p:cNvPr id="4" name="Slide Number Placeholder 3"/>
+          <p:cNvSpPr>
+            <a:spLocks noGrp="1"/>
+          </p:cNvSpPr>
+          <p:nvPr>
+            <p:ph type="sldNum" sz="quarter" idx="5"/>
+          </p:nvPr>
+        </p:nvSpPr>
+        <p:spPr/>
+        <p:txBody>
+          <a:bodyPr/>
+          <a:lstStyle/>
+          <a:p>
+            <a:fld id="{DAF4709D-C8AF-4892-8682-50C020419DEE}" type="slidenum">
+              <a:rPr lang="en-US" smtClean="0"/>
+              <a:t>2</a:t>
+            </a:fld>
+            <a:endParaRPr lang="en-US"/>
+          </a:p>
+        </p:txBody>
+      </p:sp>
+    </p:spTree>
+    <p:extLst>
+      <p:ext uri="{BB962C8B-B14F-4D97-AF65-F5344CB8AC3E}">
+        <p14:creationId xmlns:p14="http://schemas.microsoft.com/office/powerpoint/2010/main" val="1126353303"/>
+      </p:ext>
+    </p:extLst>
+  </p:cSld>
+  <p:clrMapOvr>
+    <a:masterClrMapping/>
+  </p:clrMapOvr>
+</p:notes>
+</file>
+
+<file path=ppt/notesSlides/notesSlide2.xml><?xml version="1.0" encoding="utf-8"?>
+<p:notes xmlns:a="http://schemas.openxmlformats.org/drawingml/2006/main" xmlns:r="http://schemas.openxmlformats.org/officeDocument/2006/relationships" xmlns:p="http://schemas.openxmlformats.org/presentationml/2006/main">
+  <p:cSld>
+    <p:spTree>
+      <p:nvGrpSpPr>
+        <p:cNvPr id="1" name=""/>
+        <p:cNvGrpSpPr/>
+        <p:nvPr/>
+      </p:nvGrpSpPr>
+      <p:grpSpPr>
+        <a:xfrm>
+          <a:off x="0" y="0"/>
+          <a:ext cx="0" cy="0"/>
+          <a:chOff x="0" y="0"/>
+          <a:chExt cx="0" cy="0"/>
+        </a:xfrm>
+      </p:grpSpPr>
+      <p:sp>
+        <p:nvSpPr>
+          <p:cNvPr id="2" name="Slide Image Placeholder 1"/>
+          <p:cNvSpPr>
+            <a:spLocks noGrp="1" noRot="1" noChangeAspect="1"/>
+          </p:cNvSpPr>
+          <p:nvPr>
+            <p:ph type="sldImg"/>
+          </p:nvPr>
+        </p:nvSpPr>
+        <p:spPr/>
+      </p:sp>
+      <p:sp>
+        <p:nvSpPr>
+          <p:cNvPr id="3" name="Notes Placeholder 2"/>
+          <p:cNvSpPr>
+            <a:spLocks noGrp="1"/>
+          </p:cNvSpPr>
+          <p:nvPr>
+            <p:ph type="body" idx="1"/>
+          </p:nvPr>
+        </p:nvSpPr>
+        <p:spPr/>
+        <p:txBody>
+          <a:bodyPr/>
+          <a:lstStyle/>
+          <a:p>
+            <a:r>
+              <a:rPr lang="hr-HR" dirty="0"/>
+              <a:t>Na grafu je vidljivo da do 10^5 elemenata u filteru skoro uopće nema cuckoo izbacivanja, a iza toga dolzi do degradacije performanci usljed napunjenosti filtera</a:t>
+            </a:r>
+            <a:endParaRPr lang="en-US" dirty="0"/>
+          </a:p>
+        </p:txBody>
+      </p:sp>
+      <p:sp>
+        <p:nvSpPr>
+          <p:cNvPr id="4" name="Slide Number Placeholder 3"/>
+          <p:cNvSpPr>
+            <a:spLocks noGrp="1"/>
+          </p:cNvSpPr>
+          <p:nvPr>
+            <p:ph type="sldNum" sz="quarter" idx="5"/>
+          </p:nvPr>
+        </p:nvSpPr>
+        <p:spPr/>
+        <p:txBody>
+          <a:bodyPr/>
+          <a:lstStyle/>
+          <a:p>
+            <a:fld id="{DAF4709D-C8AF-4892-8682-50C020419DEE}" type="slidenum">
+              <a:rPr lang="en-US" smtClean="0"/>
+              <a:t>5</a:t>
+            </a:fld>
+            <a:endParaRPr lang="en-US"/>
+          </a:p>
+        </p:txBody>
+      </p:sp>
+    </p:spTree>
+    <p:extLst>
+      <p:ext uri="{BB962C8B-B14F-4D97-AF65-F5344CB8AC3E}">
+        <p14:creationId xmlns:p14="http://schemas.microsoft.com/office/powerpoint/2010/main" val="3201172114"/>
+      </p:ext>
+    </p:extLst>
+  </p:cSld>
+  <p:clrMapOvr>
+    <a:masterClrMapping/>
+  </p:clrMapOvr>
+</p:notes>
 </file>
 
 <file path=ppt/slideLayouts/slideLayout1.xml><?xml version="1.0" encoding="utf-8"?>
@@ -267,7 +4654,7 @@
           <a:p>
             <a:fld id="{C128FA71-3A18-48C0-980F-4B68F7F63042}" type="datetime1">
               <a:rPr lang="en-US" smtClean="0"/>
-              <a:t>6/2/2025</a:t>
+              <a:t>6/12/2025</a:t>
             </a:fld>
             <a:endParaRPr lang="en-US"/>
           </a:p>
@@ -475,7 +4862,7 @@
           <a:p>
             <a:fld id="{7104EDB3-C0E8-45F8-9E1D-1B6C8D1880C0}" type="datetime1">
               <a:rPr lang="en-US" smtClean="0"/>
-              <a:t>6/2/2025</a:t>
+              <a:t>6/12/2025</a:t>
             </a:fld>
             <a:endParaRPr lang="en-US"/>
           </a:p>
@@ -685,7 +5072,7 @@
           <a:p>
             <a:fld id="{9CF0EC4B-54ED-4041-B552-9BA760FA3DBA}" type="datetime1">
               <a:rPr lang="en-US" smtClean="0"/>
-              <a:t>6/2/2025</a:t>
+              <a:t>6/12/2025</a:t>
             </a:fld>
             <a:endParaRPr lang="en-US"/>
           </a:p>
@@ -954,7 +5341,7 @@
           <a:p>
             <a:fld id="{C128FA71-3A18-48C0-980F-4B68F7F63042}" type="datetime1">
               <a:rPr lang="en-US" smtClean="0"/>
-              <a:t>6/2/2025</a:t>
+              <a:t>6/12/2025</a:t>
             </a:fld>
             <a:endParaRPr lang="en-US"/>
           </a:p>
@@ -1175,7 +5562,7 @@
           <a:p>
             <a:fld id="{51C1210E-201E-4473-82AC-2466F5386C38}" type="datetime1">
               <a:rPr lang="en-US" smtClean="0"/>
-              <a:t>6/2/2025</a:t>
+              <a:t>6/12/2025</a:t>
             </a:fld>
             <a:endParaRPr lang="en-US"/>
           </a:p>
@@ -1426,7 +5813,7 @@
           <a:p>
             <a:fld id="{B01EA198-6CAB-4B8F-B93F-1F9C8C4B6CE7}" type="datetime1">
               <a:rPr lang="en-US" smtClean="0"/>
-              <a:t>6/2/2025</a:t>
+              <a:t>6/12/2025</a:t>
             </a:fld>
             <a:endParaRPr lang="en-US"/>
           </a:p>
@@ -1749,7 +6136,7 @@
           <a:p>
             <a:fld id="{CA06041F-4525-44D5-AA4F-332294BF1F56}" type="datetime1">
               <a:rPr lang="en-US" smtClean="0"/>
-              <a:t>6/2/2025</a:t>
+              <a:t>6/12/2025</a:t>
             </a:fld>
             <a:endParaRPr lang="en-US"/>
           </a:p>
@@ -2173,7 +6560,7 @@
           <a:p>
             <a:fld id="{F9557091-BBDF-4EB9-BA6B-2BB67AC4FC0F}" type="datetime1">
               <a:rPr lang="en-US" smtClean="0"/>
-              <a:t>6/2/2025</a:t>
+              <a:t>6/12/2025</a:t>
             </a:fld>
             <a:endParaRPr lang="en-US"/>
           </a:p>
@@ -2291,7 +6678,7 @@
           <a:p>
             <a:fld id="{2D6B226B-77A6-410C-9796-083F278E0125}" type="datetime1">
               <a:rPr lang="en-US" smtClean="0"/>
-              <a:t>6/2/2025</a:t>
+              <a:t>6/12/2025</a:t>
             </a:fld>
             <a:endParaRPr lang="en-US"/>
           </a:p>
@@ -2386,7 +6773,7 @@
           <a:p>
             <a:fld id="{A23A578B-D289-4C40-8593-3D356C49DA58}" type="datetime1">
               <a:rPr lang="en-US" smtClean="0"/>
-              <a:t>6/2/2025</a:t>
+              <a:t>6/12/2025</a:t>
             </a:fld>
             <a:endParaRPr lang="en-US"/>
           </a:p>
@@ -2676,7 +7063,7 @@
           <a:p>
             <a:fld id="{713DFAE3-14DB-48A7-A80F-80DDB072CE3D}" type="datetime1">
               <a:rPr lang="en-US" smtClean="0"/>
-              <a:t>6/2/2025</a:t>
+              <a:t>6/12/2025</a:t>
             </a:fld>
             <a:endParaRPr lang="en-US"/>
           </a:p>
@@ -2862,7 +7249,7 @@
           <a:p>
             <a:fld id="{51C1210E-201E-4473-82AC-2466F5386C38}" type="datetime1">
               <a:rPr lang="en-US" smtClean="0"/>
-              <a:t>6/2/2025</a:t>
+              <a:t>6/12/2025</a:t>
             </a:fld>
             <a:endParaRPr lang="en-US"/>
           </a:p>
@@ -3146,7 +7533,7 @@
           <a:p>
             <a:fld id="{92C5EAEF-6478-4102-8F5D-A5FE9FC97ACB}" type="datetime1">
               <a:rPr lang="en-US" smtClean="0"/>
-              <a:t>6/2/2025</a:t>
+              <a:t>6/12/2025</a:t>
             </a:fld>
             <a:endParaRPr lang="en-US"/>
           </a:p>
@@ -3316,7 +7703,7 @@
           <a:p>
             <a:fld id="{7104EDB3-C0E8-45F8-9E1D-1B6C8D1880C0}" type="datetime1">
               <a:rPr lang="en-US" smtClean="0"/>
-              <a:t>6/2/2025</a:t>
+              <a:t>6/12/2025</a:t>
             </a:fld>
             <a:endParaRPr lang="en-US"/>
           </a:p>
@@ -3496,7 +7883,7 @@
           <a:p>
             <a:fld id="{9CF0EC4B-54ED-4041-B552-9BA760FA3DBA}" type="datetime1">
               <a:rPr lang="en-US" smtClean="0"/>
-              <a:t>6/2/2025</a:t>
+              <a:t>6/12/2025</a:t>
             </a:fld>
             <a:endParaRPr lang="en-US"/>
           </a:p>
@@ -3762,7 +8149,7 @@
           <a:p>
             <a:fld id="{B01EA198-6CAB-4B8F-B93F-1F9C8C4B6CE7}" type="datetime1">
               <a:rPr lang="en-US" smtClean="0"/>
-              <a:t>6/2/2025</a:t>
+              <a:t>6/12/2025</a:t>
             </a:fld>
             <a:endParaRPr lang="en-US"/>
           </a:p>
@@ -4034,7 +8421,7 @@
           <a:p>
             <a:fld id="{CA06041F-4525-44D5-AA4F-332294BF1F56}" type="datetime1">
               <a:rPr lang="en-US" smtClean="0"/>
-              <a:t>6/2/2025</a:t>
+              <a:t>6/12/2025</a:t>
             </a:fld>
             <a:endParaRPr lang="en-US"/>
           </a:p>
@@ -4458,7 +8845,7 @@
           <a:p>
             <a:fld id="{F9557091-BBDF-4EB9-BA6B-2BB67AC4FC0F}" type="datetime1">
               <a:rPr lang="en-US" smtClean="0"/>
-              <a:t>6/2/2025</a:t>
+              <a:t>6/12/2025</a:t>
             </a:fld>
             <a:endParaRPr lang="en-US"/>
           </a:p>
@@ -4599,7 +8986,7 @@
           <a:p>
             <a:fld id="{2D6B226B-77A6-410C-9796-083F278E0125}" type="datetime1">
               <a:rPr lang="en-US" smtClean="0"/>
-              <a:t>6/2/2025</a:t>
+              <a:t>6/12/2025</a:t>
             </a:fld>
             <a:endParaRPr lang="en-US"/>
           </a:p>
@@ -4712,7 +9099,7 @@
           <a:p>
             <a:fld id="{A23A578B-D289-4C40-8593-3D356C49DA58}" type="datetime1">
               <a:rPr lang="en-US" smtClean="0"/>
-              <a:t>6/2/2025</a:t>
+              <a:t>6/12/2025</a:t>
             </a:fld>
             <a:endParaRPr lang="en-US"/>
           </a:p>
@@ -5031,7 +9418,7 @@
           <a:p>
             <a:fld id="{713DFAE3-14DB-48A7-A80F-80DDB072CE3D}" type="datetime1">
               <a:rPr lang="en-US" smtClean="0"/>
-              <a:t>6/2/2025</a:t>
+              <a:t>6/12/2025</a:t>
             </a:fld>
             <a:endParaRPr lang="en-US"/>
           </a:p>
@@ -5325,7 +9712,7 @@
           <a:p>
             <a:fld id="{92C5EAEF-6478-4102-8F5D-A5FE9FC97ACB}" type="datetime1">
               <a:rPr lang="en-US" smtClean="0"/>
-              <a:t>6/2/2025</a:t>
+              <a:t>6/12/2025</a:t>
             </a:fld>
             <a:endParaRPr lang="en-US"/>
           </a:p>
@@ -5566,7 +9953,7 @@
           <a:p>
             <a:fld id="{67F45AC6-C491-4585-A584-9CE2AF7D5500}" type="datetime1">
               <a:rPr lang="en-US" smtClean="0"/>
-              <a:t>6/2/2025</a:t>
+              <a:t>6/12/2025</a:t>
             </a:fld>
             <a:endParaRPr lang="en-US"/>
           </a:p>
@@ -6156,7 +10543,7 @@
           <a:p>
             <a:fld id="{67F45AC6-C491-4585-A584-9CE2AF7D5500}" type="datetime1">
               <a:rPr lang="en-US" smtClean="0"/>
-              <a:t>6/2/2025</a:t>
+              <a:t>6/12/2025</a:t>
             </a:fld>
             <a:endParaRPr lang="en-US"/>
           </a:p>
@@ -7092,6 +11479,235 @@
           </a:p>
         </p:txBody>
       </p:sp>
+      <p:sp>
+        <p:nvSpPr>
+          <p:cNvPr id="7" name="Rectangle 6">
+            <a:extLst>
+              <a:ext uri="{FF2B5EF4-FFF2-40B4-BE49-F238E27FC236}">
+                <a16:creationId xmlns:a16="http://schemas.microsoft.com/office/drawing/2014/main" id="{47995402-8826-3073-7112-0F7473EFD223}"/>
+              </a:ext>
+            </a:extLst>
+          </p:cNvPr>
+          <p:cNvSpPr/>
+          <p:nvPr/>
+        </p:nvSpPr>
+        <p:spPr>
+          <a:xfrm>
+            <a:off x="4824413" y="3490913"/>
+            <a:ext cx="6224587" cy="857250"/>
+          </a:xfrm>
+          <a:prstGeom prst="rect">
+            <a:avLst/>
+          </a:prstGeom>
+          <a:solidFill>
+            <a:schemeClr val="bg1"/>
+          </a:solidFill>
+        </p:spPr>
+        <p:style>
+          <a:lnRef idx="2">
+            <a:schemeClr val="accent1">
+              <a:shade val="50000"/>
+            </a:schemeClr>
+          </a:lnRef>
+          <a:fillRef idx="1">
+            <a:schemeClr val="accent1"/>
+          </a:fillRef>
+          <a:effectRef idx="0">
+            <a:schemeClr val="accent1"/>
+          </a:effectRef>
+          <a:fontRef idx="minor">
+            <a:schemeClr val="lt1"/>
+          </a:fontRef>
+        </p:style>
+        <p:txBody>
+          <a:bodyPr rtlCol="0" anchor="ctr"/>
+          <a:lstStyle/>
+          <a:p>
+            <a:pPr algn="ctr"/>
+            <a:endParaRPr lang="en-US" dirty="0"/>
+          </a:p>
+        </p:txBody>
+      </p:sp>
+      <p:cxnSp>
+        <p:nvCxnSpPr>
+          <p:cNvPr id="9" name="Straight Connector 8">
+            <a:extLst>
+              <a:ext uri="{FF2B5EF4-FFF2-40B4-BE49-F238E27FC236}">
+                <a16:creationId xmlns:a16="http://schemas.microsoft.com/office/drawing/2014/main" id="{488483E2-8235-98C5-D7BC-5ABE4D24DB3A}"/>
+              </a:ext>
+            </a:extLst>
+          </p:cNvPr>
+          <p:cNvCxnSpPr/>
+          <p:nvPr/>
+        </p:nvCxnSpPr>
+        <p:spPr>
+          <a:xfrm>
+            <a:off x="7229104" y="3490913"/>
+            <a:ext cx="0" cy="857250"/>
+          </a:xfrm>
+          <a:prstGeom prst="line">
+            <a:avLst/>
+          </a:prstGeom>
+        </p:spPr>
+        <p:style>
+          <a:lnRef idx="1">
+            <a:schemeClr val="accent1"/>
+          </a:lnRef>
+          <a:fillRef idx="0">
+            <a:schemeClr val="accent1"/>
+          </a:fillRef>
+          <a:effectRef idx="0">
+            <a:schemeClr val="accent1"/>
+          </a:effectRef>
+          <a:fontRef idx="minor">
+            <a:schemeClr val="tx1"/>
+          </a:fontRef>
+        </p:style>
+      </p:cxnSp>
+      <p:sp>
+        <p:nvSpPr>
+          <p:cNvPr id="17" name="TextBox 16">
+            <a:extLst>
+              <a:ext uri="{FF2B5EF4-FFF2-40B4-BE49-F238E27FC236}">
+                <a16:creationId xmlns:a16="http://schemas.microsoft.com/office/drawing/2014/main" id="{6F959565-D5A4-E0BF-EF6B-A884D08D12A6}"/>
+              </a:ext>
+            </a:extLst>
+          </p:cNvPr>
+          <p:cNvSpPr txBox="1"/>
+          <p:nvPr/>
+        </p:nvSpPr>
+        <p:spPr>
+          <a:xfrm>
+            <a:off x="5144756" y="3707368"/>
+            <a:ext cx="1902488" cy="369332"/>
+          </a:xfrm>
+          <a:prstGeom prst="rect">
+            <a:avLst/>
+          </a:prstGeom>
+          <a:noFill/>
+        </p:spPr>
+        <p:txBody>
+          <a:bodyPr wrap="square" rtlCol="0">
+            <a:spAutoFit/>
+          </a:bodyPr>
+          <a:lstStyle/>
+          <a:p>
+            <a:r>
+              <a:rPr lang="hr-HR" b="1" dirty="0">
+                <a:solidFill>
+                  <a:schemeClr val="accent1">
+                    <a:lumMod val="75000"/>
+                  </a:schemeClr>
+                </a:solidFill>
+              </a:rPr>
+              <a:t>FINGERPRINT</a:t>
+            </a:r>
+            <a:endParaRPr lang="en-US" b="1" dirty="0">
+              <a:solidFill>
+                <a:schemeClr val="accent1">
+                  <a:lumMod val="75000"/>
+                </a:schemeClr>
+              </a:solidFill>
+            </a:endParaRPr>
+          </a:p>
+        </p:txBody>
+      </p:sp>
+      <p:sp>
+        <p:nvSpPr>
+          <p:cNvPr id="18" name="TextBox 17">
+            <a:extLst>
+              <a:ext uri="{FF2B5EF4-FFF2-40B4-BE49-F238E27FC236}">
+                <a16:creationId xmlns:a16="http://schemas.microsoft.com/office/drawing/2014/main" id="{14F69737-3C7F-47B8-5396-2F23DCB1AE09}"/>
+              </a:ext>
+            </a:extLst>
+          </p:cNvPr>
+          <p:cNvSpPr txBox="1"/>
+          <p:nvPr/>
+        </p:nvSpPr>
+        <p:spPr>
+          <a:xfrm>
+            <a:off x="7895173" y="3734872"/>
+            <a:ext cx="3302558" cy="369332"/>
+          </a:xfrm>
+          <a:prstGeom prst="rect">
+            <a:avLst/>
+          </a:prstGeom>
+          <a:noFill/>
+        </p:spPr>
+        <p:txBody>
+          <a:bodyPr wrap="square" rtlCol="0">
+            <a:spAutoFit/>
+          </a:bodyPr>
+          <a:lstStyle/>
+          <a:p>
+            <a:r>
+              <a:rPr lang="hr-HR" dirty="0">
+                <a:solidFill>
+                  <a:schemeClr val="accent1">
+                    <a:lumMod val="75000"/>
+                  </a:schemeClr>
+                </a:solidFill>
+              </a:rPr>
+              <a:t>INDEKS PRETINCA</a:t>
+            </a:r>
+            <a:endParaRPr lang="en-US" dirty="0">
+              <a:solidFill>
+                <a:schemeClr val="accent1">
+                  <a:lumMod val="75000"/>
+                </a:schemeClr>
+              </a:solidFill>
+            </a:endParaRPr>
+          </a:p>
+        </p:txBody>
+      </p:sp>
+      <p:sp>
+        <p:nvSpPr>
+          <p:cNvPr id="19" name="TextBox 18">
+            <a:extLst>
+              <a:ext uri="{FF2B5EF4-FFF2-40B4-BE49-F238E27FC236}">
+                <a16:creationId xmlns:a16="http://schemas.microsoft.com/office/drawing/2014/main" id="{B490360B-0758-F80E-4C88-8F1862452115}"/>
+              </a:ext>
+            </a:extLst>
+          </p:cNvPr>
+          <p:cNvSpPr txBox="1"/>
+          <p:nvPr/>
+        </p:nvSpPr>
+        <p:spPr>
+          <a:xfrm>
+            <a:off x="10134936" y="3034554"/>
+            <a:ext cx="1619333" cy="461665"/>
+          </a:xfrm>
+          <a:prstGeom prst="rect">
+            <a:avLst/>
+          </a:prstGeom>
+          <a:noFill/>
+        </p:spPr>
+        <p:txBody>
+          <a:bodyPr wrap="square" rtlCol="0">
+            <a:spAutoFit/>
+          </a:bodyPr>
+          <a:lstStyle/>
+          <a:p>
+            <a:r>
+              <a:rPr lang="hr-HR" sz="2400" b="1" dirty="0">
+                <a:solidFill>
+                  <a:schemeClr val="accent1">
+                    <a:lumMod val="50000"/>
+                  </a:schemeClr>
+                </a:solidFill>
+              </a:rPr>
+              <a:t>HASH</a:t>
+            </a:r>
+            <a:endParaRPr lang="en-US" sz="2400" b="1" dirty="0">
+              <a:solidFill>
+                <a:schemeClr val="accent1">
+                  <a:lumMod val="50000"/>
+                </a:schemeClr>
+              </a:solidFill>
+            </a:endParaRPr>
+          </a:p>
+        </p:txBody>
+      </p:sp>
     </p:spTree>
     <p:extLst>
       <p:ext uri="{BB962C8B-B14F-4D97-AF65-F5344CB8AC3E}">
@@ -7102,6 +11718,235 @@
   <p:clrMapOvr>
     <a:masterClrMapping/>
   </p:clrMapOvr>
+  <p:timing>
+    <p:tnLst>
+      <p:par>
+        <p:cTn id="1" dur="indefinite" restart="never" nodeType="tmRoot">
+          <p:childTnLst>
+            <p:seq concurrent="1" nextAc="seek">
+              <p:cTn id="2" dur="indefinite" nodeType="mainSeq">
+                <p:childTnLst>
+                  <p:par>
+                    <p:cTn id="3" fill="hold">
+                      <p:stCondLst>
+                        <p:cond delay="indefinite"/>
+                      </p:stCondLst>
+                      <p:childTnLst>
+                        <p:par>
+                          <p:cTn id="4" fill="hold">
+                            <p:stCondLst>
+                              <p:cond delay="0"/>
+                            </p:stCondLst>
+                            <p:childTnLst>
+                              <p:par>
+                                <p:cTn id="5" presetID="10" presetClass="entr" presetSubtype="0" fill="hold" grpId="0" nodeType="clickEffect">
+                                  <p:stCondLst>
+                                    <p:cond delay="0"/>
+                                  </p:stCondLst>
+                                  <p:childTnLst>
+                                    <p:set>
+                                      <p:cBhvr>
+                                        <p:cTn id="6" dur="1" fill="hold">
+                                          <p:stCondLst>
+                                            <p:cond delay="0"/>
+                                          </p:stCondLst>
+                                        </p:cTn>
+                                        <p:tgtEl>
+                                          <p:spTgt spid="7"/>
+                                        </p:tgtEl>
+                                        <p:attrNameLst>
+                                          <p:attrName>style.visibility</p:attrName>
+                                        </p:attrNameLst>
+                                      </p:cBhvr>
+                                      <p:to>
+                                        <p:strVal val="visible"/>
+                                      </p:to>
+                                    </p:set>
+                                    <p:animEffect transition="in" filter="fade">
+                                      <p:cBhvr>
+                                        <p:cTn id="7" dur="150"/>
+                                        <p:tgtEl>
+                                          <p:spTgt spid="7"/>
+                                        </p:tgtEl>
+                                      </p:cBhvr>
+                                    </p:animEffect>
+                                  </p:childTnLst>
+                                </p:cTn>
+                              </p:par>
+                              <p:par>
+                                <p:cTn id="8" presetID="10" presetClass="entr" presetSubtype="0" fill="hold" grpId="0" nodeType="withEffect">
+                                  <p:stCondLst>
+                                    <p:cond delay="0"/>
+                                  </p:stCondLst>
+                                  <p:childTnLst>
+                                    <p:set>
+                                      <p:cBhvr>
+                                        <p:cTn id="9" dur="1" fill="hold">
+                                          <p:stCondLst>
+                                            <p:cond delay="0"/>
+                                          </p:stCondLst>
+                                        </p:cTn>
+                                        <p:tgtEl>
+                                          <p:spTgt spid="19"/>
+                                        </p:tgtEl>
+                                        <p:attrNameLst>
+                                          <p:attrName>style.visibility</p:attrName>
+                                        </p:attrNameLst>
+                                      </p:cBhvr>
+                                      <p:to>
+                                        <p:strVal val="visible"/>
+                                      </p:to>
+                                    </p:set>
+                                    <p:animEffect transition="in" filter="fade">
+                                      <p:cBhvr>
+                                        <p:cTn id="10" dur="150"/>
+                                        <p:tgtEl>
+                                          <p:spTgt spid="19"/>
+                                        </p:tgtEl>
+                                      </p:cBhvr>
+                                    </p:animEffect>
+                                  </p:childTnLst>
+                                </p:cTn>
+                              </p:par>
+                              <p:par>
+                                <p:cTn id="11" presetID="10" presetClass="entr" presetSubtype="0" fill="hold" grpId="0" nodeType="withEffect">
+                                  <p:stCondLst>
+                                    <p:cond delay="0"/>
+                                  </p:stCondLst>
+                                  <p:childTnLst>
+                                    <p:set>
+                                      <p:cBhvr>
+                                        <p:cTn id="12" dur="1" fill="hold">
+                                          <p:stCondLst>
+                                            <p:cond delay="0"/>
+                                          </p:stCondLst>
+                                        </p:cTn>
+                                        <p:tgtEl>
+                                          <p:spTgt spid="17"/>
+                                        </p:tgtEl>
+                                        <p:attrNameLst>
+                                          <p:attrName>style.visibility</p:attrName>
+                                        </p:attrNameLst>
+                                      </p:cBhvr>
+                                      <p:to>
+                                        <p:strVal val="visible"/>
+                                      </p:to>
+                                    </p:set>
+                                    <p:animEffect transition="in" filter="fade">
+                                      <p:cBhvr>
+                                        <p:cTn id="13" dur="150"/>
+                                        <p:tgtEl>
+                                          <p:spTgt spid="17"/>
+                                        </p:tgtEl>
+                                      </p:cBhvr>
+                                    </p:animEffect>
+                                  </p:childTnLst>
+                                </p:cTn>
+                              </p:par>
+                              <p:par>
+                                <p:cTn id="14" presetID="10" presetClass="entr" presetSubtype="0" fill="hold" grpId="0" nodeType="withEffect">
+                                  <p:stCondLst>
+                                    <p:cond delay="0"/>
+                                  </p:stCondLst>
+                                  <p:childTnLst>
+                                    <p:set>
+                                      <p:cBhvr>
+                                        <p:cTn id="15" dur="1" fill="hold">
+                                          <p:stCondLst>
+                                            <p:cond delay="0"/>
+                                          </p:stCondLst>
+                                        </p:cTn>
+                                        <p:tgtEl>
+                                          <p:spTgt spid="18"/>
+                                        </p:tgtEl>
+                                        <p:attrNameLst>
+                                          <p:attrName>style.visibility</p:attrName>
+                                        </p:attrNameLst>
+                                      </p:cBhvr>
+                                      <p:to>
+                                        <p:strVal val="visible"/>
+                                      </p:to>
+                                    </p:set>
+                                    <p:animEffect transition="in" filter="fade">
+                                      <p:cBhvr>
+                                        <p:cTn id="16" dur="150"/>
+                                        <p:tgtEl>
+                                          <p:spTgt spid="18"/>
+                                        </p:tgtEl>
+                                      </p:cBhvr>
+                                    </p:animEffect>
+                                  </p:childTnLst>
+                                </p:cTn>
+                              </p:par>
+                              <p:par>
+                                <p:cTn id="17" presetID="10" presetClass="entr" presetSubtype="0" fill="hold" nodeType="withEffect">
+                                  <p:stCondLst>
+                                    <p:cond delay="0"/>
+                                  </p:stCondLst>
+                                  <p:childTnLst>
+                                    <p:set>
+                                      <p:cBhvr>
+                                        <p:cTn id="18" dur="1" fill="hold">
+                                          <p:stCondLst>
+                                            <p:cond delay="0"/>
+                                          </p:stCondLst>
+                                        </p:cTn>
+                                        <p:tgtEl>
+                                          <p:spTgt spid="9"/>
+                                        </p:tgtEl>
+                                        <p:attrNameLst>
+                                          <p:attrName>style.visibility</p:attrName>
+                                        </p:attrNameLst>
+                                      </p:cBhvr>
+                                      <p:to>
+                                        <p:strVal val="visible"/>
+                                      </p:to>
+                                    </p:set>
+                                    <p:animEffect transition="in" filter="fade">
+                                      <p:cBhvr>
+                                        <p:cTn id="19" dur="150"/>
+                                        <p:tgtEl>
+                                          <p:spTgt spid="9"/>
+                                        </p:tgtEl>
+                                      </p:cBhvr>
+                                    </p:animEffect>
+                                  </p:childTnLst>
+                                </p:cTn>
+                              </p:par>
+                            </p:childTnLst>
+                          </p:cTn>
+                        </p:par>
+                      </p:childTnLst>
+                    </p:cTn>
+                  </p:par>
+                </p:childTnLst>
+              </p:cTn>
+              <p:prevCondLst>
+                <p:cond evt="onPrev" delay="0">
+                  <p:tgtEl>
+                    <p:sldTgt/>
+                  </p:tgtEl>
+                </p:cond>
+              </p:prevCondLst>
+              <p:nextCondLst>
+                <p:cond evt="onNext" delay="0">
+                  <p:tgtEl>
+                    <p:sldTgt/>
+                  </p:tgtEl>
+                </p:cond>
+              </p:nextCondLst>
+            </p:seq>
+          </p:childTnLst>
+        </p:cTn>
+      </p:par>
+    </p:tnLst>
+    <p:bldLst>
+      <p:bldP spid="7" grpId="0" animBg="1"/>
+      <p:bldP spid="17" grpId="0"/>
+      <p:bldP spid="18" grpId="0"/>
+      <p:bldP spid="19" grpId="0"/>
+    </p:bldLst>
+  </p:timing>
 </p:sld>
 </file>
 
@@ -7228,7 +12073,7 @@
                   <a:schemeClr val="tx1"/>
                 </a:solidFill>
               </a:rPr>
-              <a:t>čitanje</a:t>
+              <a:t>pretraživanje</a:t>
             </a:r>
           </a:p>
           <a:p>
@@ -7261,7 +12106,7 @@
                   <a:schemeClr val="tx1"/>
                 </a:solidFill>
               </a:rPr>
-              <a:t>komprimiranje</a:t>
+              <a:t>kompresiranje</a:t>
             </a:r>
           </a:p>
           <a:p>
@@ -7391,63 +12236,62 @@
           </a:p>
         </p:txBody>
       </p:sp>
-      <p:pic>
-        <p:nvPicPr>
-          <p:cNvPr id="5" name="Content Placeholder 4">
+      <p:graphicFrame>
+        <p:nvGraphicFramePr>
+          <p:cNvPr id="8" name="Chart 7">
             <a:extLst>
               <a:ext uri="{FF2B5EF4-FFF2-40B4-BE49-F238E27FC236}">
-                <a16:creationId xmlns:a16="http://schemas.microsoft.com/office/drawing/2014/main" id="{3D4ABC99-D021-9AC0-F8E4-10C8FF40FA2E}"/>
+                <a16:creationId xmlns:a16="http://schemas.microsoft.com/office/drawing/2014/main" id="{6715E75B-72C7-5CE3-2FBA-4CFAD2764487}"/>
               </a:ext>
             </a:extLst>
           </p:cNvPr>
-          <p:cNvPicPr>
-            <a:picLocks noGrp="1" noChangeAspect="1"/>
-          </p:cNvPicPr>
-          <p:nvPr>
-            <p:ph idx="1"/>
-          </p:nvPr>
-        </p:nvPicPr>
-        <p:blipFill rotWithShape="1">
-          <a:blip r:embed="rId2"/>
-          <a:srcRect l="2101" t="2778" r="2198" b="1133"/>
-          <a:stretch/>
-        </p:blipFill>
-        <p:spPr>
-          <a:xfrm>
-            <a:off x="348813" y="1754257"/>
-            <a:ext cx="5977444" cy="4412973"/>
-          </a:xfrm>
-        </p:spPr>
-      </p:pic>
-      <p:pic>
-        <p:nvPicPr>
-          <p:cNvPr id="7" name="Picture 6">
+          <p:cNvGraphicFramePr/>
+          <p:nvPr>
+            <p:extLst>
+              <p:ext uri="{D42A27DB-BD31-4B8C-83A1-F6EECF244321}">
+                <p14:modId xmlns:p14="http://schemas.microsoft.com/office/powerpoint/2010/main" val="1447859509"/>
+              </p:ext>
+            </p:extLst>
+          </p:nvPr>
+        </p:nvGraphicFramePr>
+        <p:xfrm>
+          <a:off x="605734" y="1833768"/>
+          <a:ext cx="5577785" cy="3874903"/>
+        </p:xfrm>
+        <a:graphic>
+          <a:graphicData uri="http://schemas.openxmlformats.org/drawingml/2006/chart">
+            <c:chart xmlns:c="http://schemas.openxmlformats.org/drawingml/2006/chart" xmlns:r="http://schemas.openxmlformats.org/officeDocument/2006/relationships" r:id="rId2"/>
+          </a:graphicData>
+        </a:graphic>
+      </p:graphicFrame>
+      <p:graphicFrame>
+        <p:nvGraphicFramePr>
+          <p:cNvPr id="9" name="Chart 8">
             <a:extLst>
               <a:ext uri="{FF2B5EF4-FFF2-40B4-BE49-F238E27FC236}">
-                <a16:creationId xmlns:a16="http://schemas.microsoft.com/office/drawing/2014/main" id="{4C664394-E547-53D4-D039-AE924216B90D}"/>
+                <a16:creationId xmlns:a16="http://schemas.microsoft.com/office/drawing/2014/main" id="{6385C935-0B12-62B2-4885-5F621E002D11}"/>
               </a:ext>
             </a:extLst>
           </p:cNvPr>
-          <p:cNvPicPr>
-            <a:picLocks noChangeAspect="1"/>
-          </p:cNvPicPr>
-          <p:nvPr/>
-        </p:nvPicPr>
-        <p:blipFill rotWithShape="1">
-          <a:blip r:embed="rId3"/>
-          <a:srcRect l="2795" t="1548" r="4012"/>
-          <a:stretch/>
-        </p:blipFill>
-        <p:spPr>
-          <a:xfrm>
-            <a:off x="6167229" y="1754256"/>
-            <a:ext cx="5441675" cy="4668045"/>
-          </a:xfrm>
-          <a:prstGeom prst="rect">
-            <a:avLst/>
-          </a:prstGeom>
-        </p:spPr>
-      </p:pic>
+          <p:cNvGraphicFramePr/>
+          <p:nvPr>
+            <p:extLst>
+              <p:ext uri="{D42A27DB-BD31-4B8C-83A1-F6EECF244321}">
+                <p14:modId xmlns:p14="http://schemas.microsoft.com/office/powerpoint/2010/main" val="3142061926"/>
+              </p:ext>
+            </p:extLst>
+          </p:nvPr>
+        </p:nvGraphicFramePr>
+        <p:xfrm>
+          <a:off x="6183519" y="1833768"/>
+          <a:ext cx="5577785" cy="3874903"/>
+        </p:xfrm>
+        <a:graphic>
+          <a:graphicData uri="http://schemas.openxmlformats.org/drawingml/2006/chart">
+            <c:chart xmlns:c="http://schemas.openxmlformats.org/drawingml/2006/chart" xmlns:r="http://schemas.openxmlformats.org/officeDocument/2006/relationships" r:id="rId3"/>
+          </a:graphicData>
+        </a:graphic>
+      </p:graphicFrame>
     </p:spTree>
     <p:extLst>
       <p:ext uri="{BB962C8B-B14F-4D97-AF65-F5344CB8AC3E}">
@@ -7522,39 +12366,38 @@
           </a:p>
         </p:txBody>
       </p:sp>
-      <p:pic>
-        <p:nvPicPr>
-          <p:cNvPr id="8" name="Picture 7">
+      <p:graphicFrame>
+        <p:nvGraphicFramePr>
+          <p:cNvPr id="5" name="Chart 4">
             <a:extLst>
               <a:ext uri="{FF2B5EF4-FFF2-40B4-BE49-F238E27FC236}">
-                <a16:creationId xmlns:a16="http://schemas.microsoft.com/office/drawing/2014/main" id="{09CCB06A-F982-FE2B-289E-B610027712D3}"/>
+                <a16:creationId xmlns:a16="http://schemas.microsoft.com/office/drawing/2014/main" id="{DE65EC48-6924-05A8-CAC3-26DA8F42C95C}"/>
               </a:ext>
             </a:extLst>
           </p:cNvPr>
-          <p:cNvPicPr>
-            <a:picLocks noChangeAspect="1"/>
-          </p:cNvPicPr>
-          <p:nvPr/>
-        </p:nvPicPr>
-        <p:blipFill rotWithShape="1">
-          <a:blip r:embed="rId2"/>
-          <a:srcRect l="2117" t="2705" r="2264"/>
-          <a:stretch/>
-        </p:blipFill>
-        <p:spPr>
-          <a:xfrm>
-            <a:off x="2951922" y="1923221"/>
-            <a:ext cx="6505161" cy="4368245"/>
-          </a:xfrm>
-          <a:prstGeom prst="rect">
-            <a:avLst/>
-          </a:prstGeom>
-        </p:spPr>
-      </p:pic>
+          <p:cNvGraphicFramePr/>
+          <p:nvPr>
+            <p:extLst>
+              <p:ext uri="{D42A27DB-BD31-4B8C-83A1-F6EECF244321}">
+                <p14:modId xmlns:p14="http://schemas.microsoft.com/office/powerpoint/2010/main" val="506526579"/>
+              </p:ext>
+            </p:extLst>
+          </p:nvPr>
+        </p:nvGraphicFramePr>
+        <p:xfrm>
+          <a:off x="2482850" y="1581150"/>
+          <a:ext cx="7226300" cy="4609570"/>
+        </p:xfrm>
+        <a:graphic>
+          <a:graphicData uri="http://schemas.openxmlformats.org/drawingml/2006/chart">
+            <c:chart xmlns:c="http://schemas.openxmlformats.org/drawingml/2006/chart" xmlns:r="http://schemas.openxmlformats.org/officeDocument/2006/relationships" r:id="rId3"/>
+          </a:graphicData>
+        </a:graphic>
+      </p:graphicFrame>
     </p:spTree>
     <p:extLst>
       <p:ext uri="{BB962C8B-B14F-4D97-AF65-F5344CB8AC3E}">
-        <p14:creationId xmlns:p14="http://schemas.microsoft.com/office/powerpoint/2010/main" val="2098403779"/>
+        <p14:creationId xmlns:p14="http://schemas.microsoft.com/office/powerpoint/2010/main" val="329171135"/>
       </p:ext>
     </p:extLst>
   </p:cSld>
@@ -7586,6 +12429,108 @@
           <p:cNvPr id="2" name="Title 1">
             <a:extLst>
               <a:ext uri="{FF2B5EF4-FFF2-40B4-BE49-F238E27FC236}">
+                <a16:creationId xmlns:a16="http://schemas.microsoft.com/office/drawing/2014/main" id="{89C0D7B2-7EA1-41A9-69FE-5B9675203AA6}"/>
+              </a:ext>
+            </a:extLst>
+          </p:cNvPr>
+          <p:cNvSpPr>
+            <a:spLocks noGrp="1"/>
+          </p:cNvSpPr>
+          <p:nvPr>
+            <p:ph type="title"/>
+          </p:nvPr>
+        </p:nvSpPr>
+        <p:spPr/>
+        <p:txBody>
+          <a:bodyPr>
+            <a:normAutofit/>
+          </a:bodyPr>
+          <a:lstStyle/>
+          <a:p>
+            <a:pPr algn="ctr"/>
+            <a:r>
+              <a:rPr lang="hr-HR" sz="4400" b="1" dirty="0">
+                <a:solidFill>
+                  <a:schemeClr val="accent1">
+                    <a:lumMod val="75000"/>
+                  </a:schemeClr>
+                </a:solidFill>
+              </a:rPr>
+              <a:t>Rezultati </a:t>
+            </a:r>
+            <a:endParaRPr lang="en-US" sz="4400" b="1" dirty="0">
+              <a:solidFill>
+                <a:schemeClr val="accent1">
+                  <a:lumMod val="75000"/>
+                </a:schemeClr>
+              </a:solidFill>
+            </a:endParaRPr>
+          </a:p>
+        </p:txBody>
+      </p:sp>
+      <p:graphicFrame>
+        <p:nvGraphicFramePr>
+          <p:cNvPr id="3" name="Chart 2">
+            <a:extLst>
+              <a:ext uri="{FF2B5EF4-FFF2-40B4-BE49-F238E27FC236}">
+                <a16:creationId xmlns:a16="http://schemas.microsoft.com/office/drawing/2014/main" id="{E4C3E9F3-7F98-D4FA-DE0A-3D523E239169}"/>
+              </a:ext>
+            </a:extLst>
+          </p:cNvPr>
+          <p:cNvGraphicFramePr/>
+          <p:nvPr>
+            <p:extLst>
+              <p:ext uri="{D42A27DB-BD31-4B8C-83A1-F6EECF244321}">
+                <p14:modId xmlns:p14="http://schemas.microsoft.com/office/powerpoint/2010/main" val="2852445216"/>
+              </p:ext>
+            </p:extLst>
+          </p:nvPr>
+        </p:nvGraphicFramePr>
+        <p:xfrm>
+          <a:off x="2482850" y="1581150"/>
+          <a:ext cx="7226300" cy="4609570"/>
+        </p:xfrm>
+        <a:graphic>
+          <a:graphicData uri="http://schemas.openxmlformats.org/drawingml/2006/chart">
+            <c:chart xmlns:c="http://schemas.openxmlformats.org/drawingml/2006/chart" xmlns:r="http://schemas.openxmlformats.org/officeDocument/2006/relationships" r:id="rId2"/>
+          </a:graphicData>
+        </a:graphic>
+      </p:graphicFrame>
+    </p:spTree>
+    <p:extLst>
+      <p:ext uri="{BB962C8B-B14F-4D97-AF65-F5344CB8AC3E}">
+        <p14:creationId xmlns:p14="http://schemas.microsoft.com/office/powerpoint/2010/main" val="2098403779"/>
+      </p:ext>
+    </p:extLst>
+  </p:cSld>
+  <p:clrMapOvr>
+    <a:masterClrMapping/>
+  </p:clrMapOvr>
+</p:sld>
+</file>
+
+<file path=ppt/slides/slide7.xml><?xml version="1.0" encoding="utf-8"?>
+<p:sld xmlns:a="http://schemas.openxmlformats.org/drawingml/2006/main" xmlns:r="http://schemas.openxmlformats.org/officeDocument/2006/relationships" xmlns:p="http://schemas.openxmlformats.org/presentationml/2006/main">
+  <p:cSld>
+    <p:spTree>
+      <p:nvGrpSpPr>
+        <p:cNvPr id="1" name=""/>
+        <p:cNvGrpSpPr/>
+        <p:nvPr/>
+      </p:nvGrpSpPr>
+      <p:grpSpPr>
+        <a:xfrm>
+          <a:off x="0" y="0"/>
+          <a:ext cx="0" cy="0"/>
+          <a:chOff x="0" y="0"/>
+          <a:chExt cx="0" cy="0"/>
+        </a:xfrm>
+      </p:grpSpPr>
+      <p:sp>
+        <p:nvSpPr>
+          <p:cNvPr id="2" name="Title 1">
+            <a:extLst>
+              <a:ext uri="{FF2B5EF4-FFF2-40B4-BE49-F238E27FC236}">
                 <a16:creationId xmlns:a16="http://schemas.microsoft.com/office/drawing/2014/main" id="{2CC13FC1-7D50-50C1-FC49-02940EB6361A}"/>
               </a:ext>
             </a:extLst>
@@ -7789,7 +12734,7 @@
 </p:sld>
 </file>
 
-<file path=ppt/slides/slide7.xml><?xml version="1.0" encoding="utf-8"?>
+<file path=ppt/slides/slide8.xml><?xml version="1.0" encoding="utf-8"?>
 <p:sld xmlns:a="http://schemas.openxmlformats.org/drawingml/2006/main" xmlns:r="http://schemas.openxmlformats.org/officeDocument/2006/relationships" xmlns:p="http://schemas.openxmlformats.org/presentationml/2006/main">
   <p:cSld>
     <p:spTree>
@@ -8398,4 +13343,299 @@
     </a:ext>
   </a:extLst>
 </a:theme>
+</file>
+
+<file path=ppt/theme/theme3.xml><?xml version="1.0" encoding="utf-8"?>
+<a:theme xmlns:a="http://schemas.openxmlformats.org/drawingml/2006/main" name="Office Theme">
+  <a:themeElements>
+    <a:clrScheme name="Office">
+      <a:dk1>
+        <a:sysClr val="windowText" lastClr="000000"/>
+      </a:dk1>
+      <a:lt1>
+        <a:sysClr val="window" lastClr="FFFFFF"/>
+      </a:lt1>
+      <a:dk2>
+        <a:srgbClr val="44546A"/>
+      </a:dk2>
+      <a:lt2>
+        <a:srgbClr val="E7E6E6"/>
+      </a:lt2>
+      <a:accent1>
+        <a:srgbClr val="4472C4"/>
+      </a:accent1>
+      <a:accent2>
+        <a:srgbClr val="ED7D31"/>
+      </a:accent2>
+      <a:accent3>
+        <a:srgbClr val="A5A5A5"/>
+      </a:accent3>
+      <a:accent4>
+        <a:srgbClr val="FFC000"/>
+      </a:accent4>
+      <a:accent5>
+        <a:srgbClr val="5B9BD5"/>
+      </a:accent5>
+      <a:accent6>
+        <a:srgbClr val="70AD47"/>
+      </a:accent6>
+      <a:hlink>
+        <a:srgbClr val="0563C1"/>
+      </a:hlink>
+      <a:folHlink>
+        <a:srgbClr val="954F72"/>
+      </a:folHlink>
+    </a:clrScheme>
+    <a:fontScheme name="Office">
+      <a:majorFont>
+        <a:latin typeface="Calibri Light" panose="020F0302020204030204"/>
+        <a:ea typeface=""/>
+        <a:cs typeface=""/>
+        <a:font script="Jpan" typeface="游ゴシック Light"/>
+        <a:font script="Hang" typeface="맑은 고딕"/>
+        <a:font script="Hans" typeface="等线 Light"/>
+        <a:font script="Hant" typeface="新細明體"/>
+        <a:font script="Arab" typeface="Times New Roman"/>
+        <a:font script="Hebr" typeface="Times New Roman"/>
+        <a:font script="Thai" typeface="Angsana New"/>
+        <a:font script="Ethi" typeface="Nyala"/>
+        <a:font script="Beng" typeface="Vrinda"/>
+        <a:font script="Gujr" typeface="Shruti"/>
+        <a:font script="Khmr" typeface="MoolBoran"/>
+        <a:font script="Knda" typeface="Tunga"/>
+        <a:font script="Guru" typeface="Raavi"/>
+        <a:font script="Cans" typeface="Euphemia"/>
+        <a:font script="Cher" typeface="Plantagenet Cherokee"/>
+        <a:font script="Yiii" typeface="Microsoft Yi Baiti"/>
+        <a:font script="Tibt" typeface="Microsoft Himalaya"/>
+        <a:font script="Thaa" typeface="MV Boli"/>
+        <a:font script="Deva" typeface="Mangal"/>
+        <a:font script="Telu" typeface="Gautami"/>
+        <a:font script="Taml" typeface="Latha"/>
+        <a:font script="Syrc" typeface="Estrangelo Edessa"/>
+        <a:font script="Orya" typeface="Kalinga"/>
+        <a:font script="Mlym" typeface="Kartika"/>
+        <a:font script="Laoo" typeface="DokChampa"/>
+        <a:font script="Sinh" typeface="Iskoola Pota"/>
+        <a:font script="Mong" typeface="Mongolian Baiti"/>
+        <a:font script="Viet" typeface="Times New Roman"/>
+        <a:font script="Uigh" typeface="Microsoft Uighur"/>
+        <a:font script="Geor" typeface="Sylfaen"/>
+        <a:font script="Armn" typeface="Arial"/>
+        <a:font script="Bugi" typeface="Leelawadee UI"/>
+        <a:font script="Bopo" typeface="Microsoft JhengHei"/>
+        <a:font script="Java" typeface="Javanese Text"/>
+        <a:font script="Lisu" typeface="Segoe UI"/>
+        <a:font script="Mymr" typeface="Myanmar Text"/>
+        <a:font script="Nkoo" typeface="Ebrima"/>
+        <a:font script="Olck" typeface="Nirmala UI"/>
+        <a:font script="Osma" typeface="Ebrima"/>
+        <a:font script="Phag" typeface="Phagspa"/>
+        <a:font script="Syrn" typeface="Estrangelo Edessa"/>
+        <a:font script="Syrj" typeface="Estrangelo Edessa"/>
+        <a:font script="Syre" typeface="Estrangelo Edessa"/>
+        <a:font script="Sora" typeface="Nirmala UI"/>
+        <a:font script="Tale" typeface="Microsoft Tai Le"/>
+        <a:font script="Talu" typeface="Microsoft New Tai Lue"/>
+        <a:font script="Tfng" typeface="Ebrima"/>
+      </a:majorFont>
+      <a:minorFont>
+        <a:latin typeface="Calibri" panose="020F0502020204030204"/>
+        <a:ea typeface=""/>
+        <a:cs typeface=""/>
+        <a:font script="Jpan" typeface="游ゴシック"/>
+        <a:font script="Hang" typeface="맑은 고딕"/>
+        <a:font script="Hans" typeface="等线"/>
+        <a:font script="Hant" typeface="新細明體"/>
+        <a:font script="Arab" typeface="Arial"/>
+        <a:font script="Hebr" typeface="Arial"/>
+        <a:font script="Thai" typeface="Cordia New"/>
+        <a:font script="Ethi" typeface="Nyala"/>
+        <a:font script="Beng" typeface="Vrinda"/>
+        <a:font script="Gujr" typeface="Shruti"/>
+        <a:font script="Khmr" typeface="DaunPenh"/>
+        <a:font script="Knda" typeface="Tunga"/>
+        <a:font script="Guru" typeface="Raavi"/>
+        <a:font script="Cans" typeface="Euphemia"/>
+        <a:font script="Cher" typeface="Plantagenet Cherokee"/>
+        <a:font script="Yiii" typeface="Microsoft Yi Baiti"/>
+        <a:font script="Tibt" typeface="Microsoft Himalaya"/>
+        <a:font script="Thaa" typeface="MV Boli"/>
+        <a:font script="Deva" typeface="Mangal"/>
+        <a:font script="Telu" typeface="Gautami"/>
+        <a:font script="Taml" typeface="Latha"/>
+        <a:font script="Syrc" typeface="Estrangelo Edessa"/>
+        <a:font script="Orya" typeface="Kalinga"/>
+        <a:font script="Mlym" typeface="Kartika"/>
+        <a:font script="Laoo" typeface="DokChampa"/>
+        <a:font script="Sinh" typeface="Iskoola Pota"/>
+        <a:font script="Mong" typeface="Mongolian Baiti"/>
+        <a:font script="Viet" typeface="Arial"/>
+        <a:font script="Uigh" typeface="Microsoft Uighur"/>
+        <a:font script="Geor" typeface="Sylfaen"/>
+        <a:font script="Armn" typeface="Arial"/>
+        <a:font script="Bugi" typeface="Leelawadee UI"/>
+        <a:font script="Bopo" typeface="Microsoft JhengHei"/>
+        <a:font script="Java" typeface="Javanese Text"/>
+        <a:font script="Lisu" typeface="Segoe UI"/>
+        <a:font script="Mymr" typeface="Myanmar Text"/>
+        <a:font script="Nkoo" typeface="Ebrima"/>
+        <a:font script="Olck" typeface="Nirmala UI"/>
+        <a:font script="Osma" typeface="Ebrima"/>
+        <a:font script="Phag" typeface="Phagspa"/>
+        <a:font script="Syrn" typeface="Estrangelo Edessa"/>
+        <a:font script="Syrj" typeface="Estrangelo Edessa"/>
+        <a:font script="Syre" typeface="Estrangelo Edessa"/>
+        <a:font script="Sora" typeface="Nirmala UI"/>
+        <a:font script="Tale" typeface="Microsoft Tai Le"/>
+        <a:font script="Talu" typeface="Microsoft New Tai Lue"/>
+        <a:font script="Tfng" typeface="Ebrima"/>
+      </a:minorFont>
+    </a:fontScheme>
+    <a:fmtScheme name="Office">
+      <a:fillStyleLst>
+        <a:solidFill>
+          <a:schemeClr val="phClr"/>
+        </a:solidFill>
+        <a:gradFill rotWithShape="1">
+          <a:gsLst>
+            <a:gs pos="0">
+              <a:schemeClr val="phClr">
+                <a:lumMod val="110000"/>
+                <a:satMod val="105000"/>
+                <a:tint val="67000"/>
+              </a:schemeClr>
+            </a:gs>
+            <a:gs pos="50000">
+              <a:schemeClr val="phClr">
+                <a:lumMod val="105000"/>
+                <a:satMod val="103000"/>
+                <a:tint val="73000"/>
+              </a:schemeClr>
+            </a:gs>
+            <a:gs pos="100000">
+              <a:schemeClr val="phClr">
+                <a:lumMod val="105000"/>
+                <a:satMod val="109000"/>
+                <a:tint val="81000"/>
+              </a:schemeClr>
+            </a:gs>
+          </a:gsLst>
+          <a:lin ang="5400000" scaled="0"/>
+        </a:gradFill>
+        <a:gradFill rotWithShape="1">
+          <a:gsLst>
+            <a:gs pos="0">
+              <a:schemeClr val="phClr">
+                <a:satMod val="103000"/>
+                <a:lumMod val="102000"/>
+                <a:tint val="94000"/>
+              </a:schemeClr>
+            </a:gs>
+            <a:gs pos="50000">
+              <a:schemeClr val="phClr">
+                <a:satMod val="110000"/>
+                <a:lumMod val="100000"/>
+                <a:shade val="100000"/>
+              </a:schemeClr>
+            </a:gs>
+            <a:gs pos="100000">
+              <a:schemeClr val="phClr">
+                <a:lumMod val="99000"/>
+                <a:satMod val="120000"/>
+                <a:shade val="78000"/>
+              </a:schemeClr>
+            </a:gs>
+          </a:gsLst>
+          <a:lin ang="5400000" scaled="0"/>
+        </a:gradFill>
+      </a:fillStyleLst>
+      <a:lnStyleLst>
+        <a:ln w="6350" cap="flat" cmpd="sng" algn="ctr">
+          <a:solidFill>
+            <a:schemeClr val="phClr"/>
+          </a:solidFill>
+          <a:prstDash val="solid"/>
+          <a:miter lim="800000"/>
+        </a:ln>
+        <a:ln w="12700" cap="flat" cmpd="sng" algn="ctr">
+          <a:solidFill>
+            <a:schemeClr val="phClr"/>
+          </a:solidFill>
+          <a:prstDash val="solid"/>
+          <a:miter lim="800000"/>
+        </a:ln>
+        <a:ln w="19050" cap="flat" cmpd="sng" algn="ctr">
+          <a:solidFill>
+            <a:schemeClr val="phClr"/>
+          </a:solidFill>
+          <a:prstDash val="solid"/>
+          <a:miter lim="800000"/>
+        </a:ln>
+      </a:lnStyleLst>
+      <a:effectStyleLst>
+        <a:effectStyle>
+          <a:effectLst/>
+        </a:effectStyle>
+        <a:effectStyle>
+          <a:effectLst/>
+        </a:effectStyle>
+        <a:effectStyle>
+          <a:effectLst>
+            <a:outerShdw blurRad="57150" dist="19050" dir="5400000" algn="ctr" rotWithShape="0">
+              <a:srgbClr val="000000">
+                <a:alpha val="63000"/>
+              </a:srgbClr>
+            </a:outerShdw>
+          </a:effectLst>
+        </a:effectStyle>
+      </a:effectStyleLst>
+      <a:bgFillStyleLst>
+        <a:solidFill>
+          <a:schemeClr val="phClr"/>
+        </a:solidFill>
+        <a:solidFill>
+          <a:schemeClr val="phClr">
+            <a:tint val="95000"/>
+            <a:satMod val="170000"/>
+          </a:schemeClr>
+        </a:solidFill>
+        <a:gradFill rotWithShape="1">
+          <a:gsLst>
+            <a:gs pos="0">
+              <a:schemeClr val="phClr">
+                <a:tint val="93000"/>
+                <a:satMod val="150000"/>
+                <a:shade val="98000"/>
+                <a:lumMod val="102000"/>
+              </a:schemeClr>
+            </a:gs>
+            <a:gs pos="50000">
+              <a:schemeClr val="phClr">
+                <a:tint val="98000"/>
+                <a:satMod val="130000"/>
+                <a:shade val="90000"/>
+                <a:lumMod val="103000"/>
+              </a:schemeClr>
+            </a:gs>
+            <a:gs pos="100000">
+              <a:schemeClr val="phClr">
+                <a:shade val="63000"/>
+                <a:satMod val="120000"/>
+              </a:schemeClr>
+            </a:gs>
+          </a:gsLst>
+          <a:lin ang="5400000" scaled="0"/>
+        </a:gradFill>
+      </a:bgFillStyleLst>
+    </a:fmtScheme>
+  </a:themeElements>
+  <a:objectDefaults/>
+  <a:extraClrSchemeLst/>
+  <a:extLst>
+    <a:ext uri="{05A4C25C-085E-4340-85A3-A5531E510DB2}">
+      <thm15:themeFamily xmlns:thm15="http://schemas.microsoft.com/office/thememl/2012/main" name="Office Theme" id="{62F939B6-93AF-4DB8-9C6B-D6C7DFDC589F}" vid="{4A3C46E8-61CC-4603-A589-7422A47A8E4A}"/>
+    </a:ext>
+  </a:extLst>
+</a:theme>
 </file>